--- a/Presentazione/Presentazione.pptx
+++ b/Presentazione/Presentazione.pptx
@@ -10,21 +10,26 @@
     <p:sldId id="258" r:id="rId4"/>
     <p:sldId id="259" r:id="rId5"/>
     <p:sldId id="260" r:id="rId6"/>
-    <p:sldId id="261" r:id="rId7"/>
-    <p:sldId id="262" r:id="rId8"/>
-    <p:sldId id="263" r:id="rId9"/>
-    <p:sldId id="264" r:id="rId10"/>
-    <p:sldId id="265" r:id="rId11"/>
-    <p:sldId id="275" r:id="rId12"/>
-    <p:sldId id="266" r:id="rId13"/>
-    <p:sldId id="273" r:id="rId14"/>
-    <p:sldId id="267" r:id="rId15"/>
-    <p:sldId id="268" r:id="rId16"/>
-    <p:sldId id="274" r:id="rId17"/>
-    <p:sldId id="269" r:id="rId18"/>
-    <p:sldId id="270" r:id="rId19"/>
-    <p:sldId id="271" r:id="rId20"/>
-    <p:sldId id="272" r:id="rId21"/>
+    <p:sldId id="262" r:id="rId7"/>
+    <p:sldId id="263" r:id="rId8"/>
+    <p:sldId id="264" r:id="rId9"/>
+    <p:sldId id="265" r:id="rId10"/>
+    <p:sldId id="275" r:id="rId11"/>
+    <p:sldId id="273" r:id="rId12"/>
+    <p:sldId id="267" r:id="rId13"/>
+    <p:sldId id="268" r:id="rId14"/>
+    <p:sldId id="274" r:id="rId15"/>
+    <p:sldId id="269" r:id="rId16"/>
+    <p:sldId id="270" r:id="rId17"/>
+    <p:sldId id="271" r:id="rId18"/>
+    <p:sldId id="272" r:id="rId19"/>
+    <p:sldId id="276" r:id="rId20"/>
+    <p:sldId id="277" r:id="rId21"/>
+    <p:sldId id="278" r:id="rId22"/>
+    <p:sldId id="279" r:id="rId23"/>
+    <p:sldId id="280" r:id="rId24"/>
+    <p:sldId id="281" r:id="rId25"/>
+    <p:sldId id="282" r:id="rId26"/>
   </p:sldIdLst>
   <p:sldSz cx="12192000" cy="6858000"/>
   <p:notesSz cx="6858000" cy="9144000"/>
@@ -292,7 +297,7 @@
           <a:p>
             <a:fld id="{DAB64272-7257-4241-B71B-7697914A6A3C}" type="datetimeFigureOut">
               <a:rPr lang="it-IT" smtClean="0"/>
-              <a:t>10/05/2023</a:t>
+              <a:t>11/05/2023</a:t>
             </a:fld>
             <a:endParaRPr lang="it-IT"/>
           </a:p>
@@ -490,7 +495,7 @@
           <a:p>
             <a:fld id="{DAB64272-7257-4241-B71B-7697914A6A3C}" type="datetimeFigureOut">
               <a:rPr lang="it-IT" smtClean="0"/>
-              <a:t>10/05/2023</a:t>
+              <a:t>11/05/2023</a:t>
             </a:fld>
             <a:endParaRPr lang="it-IT"/>
           </a:p>
@@ -698,7 +703,7 @@
           <a:p>
             <a:fld id="{DAB64272-7257-4241-B71B-7697914A6A3C}" type="datetimeFigureOut">
               <a:rPr lang="it-IT" smtClean="0"/>
-              <a:t>10/05/2023</a:t>
+              <a:t>11/05/2023</a:t>
             </a:fld>
             <a:endParaRPr lang="it-IT"/>
           </a:p>
@@ -896,7 +901,7 @@
           <a:p>
             <a:fld id="{DAB64272-7257-4241-B71B-7697914A6A3C}" type="datetimeFigureOut">
               <a:rPr lang="it-IT" smtClean="0"/>
-              <a:t>10/05/2023</a:t>
+              <a:t>11/05/2023</a:t>
             </a:fld>
             <a:endParaRPr lang="it-IT"/>
           </a:p>
@@ -1171,7 +1176,7 @@
           <a:p>
             <a:fld id="{DAB64272-7257-4241-B71B-7697914A6A3C}" type="datetimeFigureOut">
               <a:rPr lang="it-IT" smtClean="0"/>
-              <a:t>10/05/2023</a:t>
+              <a:t>11/05/2023</a:t>
             </a:fld>
             <a:endParaRPr lang="it-IT"/>
           </a:p>
@@ -1436,7 +1441,7 @@
           <a:p>
             <a:fld id="{DAB64272-7257-4241-B71B-7697914A6A3C}" type="datetimeFigureOut">
               <a:rPr lang="it-IT" smtClean="0"/>
-              <a:t>10/05/2023</a:t>
+              <a:t>11/05/2023</a:t>
             </a:fld>
             <a:endParaRPr lang="it-IT"/>
           </a:p>
@@ -1848,7 +1853,7 @@
           <a:p>
             <a:fld id="{DAB64272-7257-4241-B71B-7697914A6A3C}" type="datetimeFigureOut">
               <a:rPr lang="it-IT" smtClean="0"/>
-              <a:t>10/05/2023</a:t>
+              <a:t>11/05/2023</a:t>
             </a:fld>
             <a:endParaRPr lang="it-IT"/>
           </a:p>
@@ -1989,7 +1994,7 @@
           <a:p>
             <a:fld id="{DAB64272-7257-4241-B71B-7697914A6A3C}" type="datetimeFigureOut">
               <a:rPr lang="it-IT" smtClean="0"/>
-              <a:t>10/05/2023</a:t>
+              <a:t>11/05/2023</a:t>
             </a:fld>
             <a:endParaRPr lang="it-IT"/>
           </a:p>
@@ -2102,7 +2107,7 @@
           <a:p>
             <a:fld id="{DAB64272-7257-4241-B71B-7697914A6A3C}" type="datetimeFigureOut">
               <a:rPr lang="it-IT" smtClean="0"/>
-              <a:t>10/05/2023</a:t>
+              <a:t>11/05/2023</a:t>
             </a:fld>
             <a:endParaRPr lang="it-IT"/>
           </a:p>
@@ -2413,7 +2418,7 @@
           <a:p>
             <a:fld id="{DAB64272-7257-4241-B71B-7697914A6A3C}" type="datetimeFigureOut">
               <a:rPr lang="it-IT" smtClean="0"/>
-              <a:t>10/05/2023</a:t>
+              <a:t>11/05/2023</a:t>
             </a:fld>
             <a:endParaRPr lang="it-IT"/>
           </a:p>
@@ -2701,7 +2706,7 @@
           <a:p>
             <a:fld id="{DAB64272-7257-4241-B71B-7697914A6A3C}" type="datetimeFigureOut">
               <a:rPr lang="it-IT" smtClean="0"/>
-              <a:t>10/05/2023</a:t>
+              <a:t>11/05/2023</a:t>
             </a:fld>
             <a:endParaRPr lang="it-IT"/>
           </a:p>
@@ -2942,7 +2947,7 @@
           <a:p>
             <a:fld id="{DAB64272-7257-4241-B71B-7697914A6A3C}" type="datetimeFigureOut">
               <a:rPr lang="it-IT" smtClean="0"/>
-              <a:t>10/05/2023</a:t>
+              <a:t>11/05/2023</a:t>
             </a:fld>
             <a:endParaRPr lang="it-IT"/>
           </a:p>
@@ -3490,7 +3495,7 @@
           <p:cNvPr id="2" name="Titolo 1">
             <a:extLst>
               <a:ext uri="{FF2B5EF4-FFF2-40B4-BE49-F238E27FC236}">
-                <a16:creationId xmlns:a16="http://schemas.microsoft.com/office/drawing/2014/main" id="{5435531E-2E69-2F62-9DB0-8479FCBE88E3}"/>
+                <a16:creationId xmlns:a16="http://schemas.microsoft.com/office/drawing/2014/main" id="{C8D6BFAE-06D1-A588-475C-19086703B19D}"/>
               </a:ext>
             </a:extLst>
           </p:cNvPr>
@@ -3503,378 +3508,70 @@
         </p:nvSpPr>
         <p:spPr>
           <a:xfrm>
-            <a:off x="838200" y="0"/>
-            <a:ext cx="10515600" cy="895639"/>
+            <a:off x="838200" y="365126"/>
+            <a:ext cx="10515600" cy="678334"/>
           </a:xfrm>
         </p:spPr>
         <p:txBody>
           <a:bodyPr>
-            <a:normAutofit/>
+            <a:normAutofit fontScale="90000"/>
           </a:bodyPr>
           <a:lstStyle/>
           <a:p>
             <a:pPr algn="ctr"/>
             <a:r>
-              <a:rPr lang="it-IT" sz="3600" b="1" i="0" u="none" strike="noStrike" baseline="0" dirty="0">
+              <a:rPr lang="it-IT" b="1" dirty="0">
                 <a:solidFill>
                   <a:srgbClr val="FF0000"/>
                 </a:solidFill>
-                <a:latin typeface="TimesNewRomanPS-BoldMT"/>
-              </a:rPr>
-              <a:t>UML Component Diagram:</a:t>
-            </a:r>
-            <a:endParaRPr lang="it-IT" sz="3600" dirty="0">
-              <a:solidFill>
-                <a:srgbClr val="FF0000"/>
-              </a:solidFill>
-            </a:endParaRPr>
-          </a:p>
-        </p:txBody>
-      </p:sp>
-      <p:sp>
-        <p:nvSpPr>
-          <p:cNvPr id="3" name="Segnaposto contenuto 2">
-            <a:extLst>
-              <a:ext uri="{FF2B5EF4-FFF2-40B4-BE49-F238E27FC236}">
-                <a16:creationId xmlns:a16="http://schemas.microsoft.com/office/drawing/2014/main" id="{83E09C72-54CF-DE93-E1A0-E3B9C0F3D9CC}"/>
-              </a:ext>
-            </a:extLst>
-          </p:cNvPr>
-          <p:cNvSpPr>
-            <a:spLocks noGrp="1"/>
-          </p:cNvSpPr>
-          <p:nvPr>
-            <p:ph idx="1"/>
-          </p:nvPr>
-        </p:nvSpPr>
-        <p:spPr>
-          <a:xfrm>
-            <a:off x="824470" y="990663"/>
-            <a:ext cx="10515600" cy="5749636"/>
-          </a:xfrm>
-        </p:spPr>
-        <p:txBody>
-          <a:bodyPr>
-            <a:normAutofit/>
-          </a:bodyPr>
-          <a:lstStyle/>
-          <a:p>
-            <a:pPr marL="0" indent="0" algn="l">
-              <a:buNone/>
-            </a:pPr>
-            <a:r>
-              <a:rPr lang="it-IT" sz="1800" b="0" i="0" u="none" strike="noStrike" baseline="0" dirty="0">
-                <a:latin typeface="TimesNewRomanPSMT"/>
-              </a:rPr>
-              <a:t>I casi d’uso che abbiamo discusso nella iterazione1 sono state mappate nei seguenti metodi:</a:t>
-            </a:r>
-          </a:p>
-          <a:p>
-            <a:pPr marL="0" indent="0" algn="l">
-              <a:buNone/>
-            </a:pPr>
-            <a:r>
-              <a:rPr lang="it-IT" sz="1800" b="0" i="0" u="none" strike="noStrike" baseline="0" dirty="0">
-                <a:latin typeface="TimesNewRomanPSMT"/>
-              </a:rPr>
-              <a:t>• </a:t>
-            </a:r>
-            <a:r>
-              <a:rPr lang="it-IT" sz="1800" b="1" i="1" u="none" strike="noStrike" baseline="0" dirty="0">
-                <a:latin typeface="TimesNewRomanPS-ItalicMT"/>
-              </a:rPr>
-              <a:t>TorneoChessClubInterface</a:t>
-            </a:r>
-            <a:r>
-              <a:rPr lang="it-IT" sz="1800" b="0" i="0" u="none" strike="noStrike" baseline="0" dirty="0">
-                <a:latin typeface="TimesNewRomanPSMT"/>
-              </a:rPr>
-              <a:t>:</a:t>
-            </a:r>
-          </a:p>
-          <a:p>
-            <a:pPr marL="0" indent="0" algn="l">
-              <a:buNone/>
-            </a:pPr>
-            <a:r>
-              <a:rPr lang="it-IT" sz="1800" b="1" i="0" u="none" strike="noStrike" baseline="0" dirty="0">
-                <a:latin typeface="TimesNewRomanPS-BoldMT"/>
-              </a:rPr>
-              <a:t>– </a:t>
-            </a:r>
-            <a:r>
-              <a:rPr lang="it-IT" sz="1800" b="1" i="0" u="none" strike="noStrike" baseline="0" dirty="0">
-                <a:latin typeface="TimesNewRomanPSMT"/>
-              </a:rPr>
-              <a:t>UC14</a:t>
-            </a:r>
-            <a:r>
-              <a:rPr lang="it-IT" sz="1800" b="0" i="0" u="none" strike="noStrike" baseline="0" dirty="0">
-                <a:latin typeface="TimesNewRomanPSMT"/>
-              </a:rPr>
-              <a:t>: Creazione torneo</a:t>
-            </a:r>
-          </a:p>
-          <a:p>
-            <a:pPr marL="0" indent="0" algn="l">
-              <a:buNone/>
-            </a:pPr>
-            <a:r>
-              <a:rPr lang="it-IT" sz="1800" b="1" i="0" u="none" strike="noStrike" baseline="0" dirty="0">
-                <a:latin typeface="TimesNewRomanPS-BoldMT"/>
-              </a:rPr>
-              <a:t>– </a:t>
-            </a:r>
-            <a:r>
-              <a:rPr lang="it-IT" sz="1800" b="1" i="0" u="none" strike="noStrike" baseline="0" dirty="0">
-                <a:latin typeface="TimesNewRomanPSMT"/>
-              </a:rPr>
-              <a:t>UC26</a:t>
-            </a:r>
-            <a:r>
-              <a:rPr lang="it-IT" sz="1800" b="0" i="0" u="none" strike="noStrike" baseline="0" dirty="0">
-                <a:latin typeface="TimesNewRomanPSMT"/>
-              </a:rPr>
-              <a:t>: Visualizzazione lista tornei</a:t>
-            </a:r>
-          </a:p>
-          <a:p>
-            <a:pPr marL="0" indent="0" algn="l">
-              <a:buNone/>
-            </a:pPr>
-            <a:r>
-              <a:rPr lang="it-IT" sz="1800" b="1" i="0" u="none" strike="noStrike" baseline="0" dirty="0">
-                <a:latin typeface="TimesNewRomanPS-BoldMT"/>
-              </a:rPr>
-              <a:t>– </a:t>
-            </a:r>
-            <a:r>
-              <a:rPr lang="it-IT" sz="1800" b="1" i="0" u="none" strike="noStrike" baseline="0" dirty="0">
-                <a:latin typeface="TimesNewRomanPSMT"/>
-              </a:rPr>
-              <a:t>UC15</a:t>
-            </a:r>
-            <a:r>
-              <a:rPr lang="it-IT" sz="1800" b="0" i="0" u="none" strike="noStrike" baseline="0" dirty="0">
-                <a:latin typeface="TimesNewRomanPSMT"/>
-              </a:rPr>
-              <a:t>: Cancellazione torneo</a:t>
-            </a:r>
-          </a:p>
-          <a:p>
-            <a:pPr marL="0" indent="0" algn="l">
-              <a:buNone/>
-            </a:pPr>
-            <a:r>
-              <a:rPr lang="it-IT" sz="1800" b="1" i="0" u="none" strike="noStrike" baseline="0" dirty="0">
-                <a:latin typeface="TimesNewRomanPS-BoldMT"/>
-              </a:rPr>
-              <a:t>– </a:t>
-            </a:r>
-            <a:r>
-              <a:rPr lang="it-IT" sz="1800" b="1" i="0" u="none" strike="noStrike" baseline="0" dirty="0">
-                <a:latin typeface="TimesNewRomanPSMT"/>
-              </a:rPr>
-              <a:t>UC16</a:t>
-            </a:r>
-            <a:r>
-              <a:rPr lang="it-IT" sz="1800" b="0" i="0" u="none" strike="noStrike" baseline="0" dirty="0">
-                <a:latin typeface="TimesNewRomanPSMT"/>
-              </a:rPr>
-              <a:t>: Modifica torneo</a:t>
-            </a:r>
-          </a:p>
-          <a:p>
-            <a:pPr marL="0" indent="0" algn="l">
-              <a:buNone/>
-            </a:pPr>
-            <a:r>
-              <a:rPr lang="it-IT" sz="1800" b="0" i="0" u="none" strike="noStrike" baseline="0" dirty="0">
-                <a:latin typeface="TimesNewRomanPSMT"/>
-              </a:rPr>
-              <a:t>• </a:t>
-            </a:r>
-            <a:r>
-              <a:rPr lang="it-IT" sz="1800" b="1" i="1" u="none" strike="noStrike" baseline="0" dirty="0">
-                <a:latin typeface="TimesNewRomanPS-ItalicMT"/>
-              </a:rPr>
-              <a:t>AuthenticationChessClubInterface</a:t>
-            </a:r>
-            <a:r>
-              <a:rPr lang="it-IT" sz="1800" b="0" i="0" u="none" strike="noStrike" baseline="0" dirty="0">
-                <a:latin typeface="TimesNewRomanPSMT"/>
-              </a:rPr>
-              <a:t>:</a:t>
-            </a:r>
-          </a:p>
-          <a:p>
-            <a:pPr marL="0" indent="0" algn="l">
-              <a:buNone/>
-            </a:pPr>
-            <a:r>
-              <a:rPr lang="it-IT" sz="1800" b="1" i="0" u="none" strike="noStrike" baseline="0" dirty="0">
-                <a:latin typeface="TimesNewRomanPS-BoldMT"/>
-              </a:rPr>
-              <a:t>– </a:t>
-            </a:r>
-            <a:r>
-              <a:rPr lang="it-IT" sz="1800" b="1" i="0" u="none" strike="noStrike" baseline="0" dirty="0">
-                <a:latin typeface="TimesNewRomanPSMT"/>
-              </a:rPr>
-              <a:t>UC1</a:t>
-            </a:r>
-            <a:r>
-              <a:rPr lang="it-IT" sz="1800" b="0" i="0" u="none" strike="noStrike" baseline="0" dirty="0">
-                <a:latin typeface="TimesNewRomanPSMT"/>
-              </a:rPr>
-              <a:t>: Registrazione</a:t>
-            </a:r>
-          </a:p>
-          <a:p>
-            <a:pPr marL="0" indent="0" algn="l">
-              <a:buNone/>
-            </a:pPr>
-            <a:r>
-              <a:rPr lang="it-IT" sz="1800" b="1" i="0" u="none" strike="noStrike" baseline="0" dirty="0">
-                <a:latin typeface="TimesNewRomanPS-BoldMT"/>
-              </a:rPr>
-              <a:t>– </a:t>
-            </a:r>
-            <a:r>
-              <a:rPr lang="it-IT" sz="1800" b="1" i="0" u="none" strike="noStrike" baseline="0" dirty="0">
-                <a:latin typeface="TimesNewRomanPSMT"/>
-              </a:rPr>
-              <a:t>UC3/UC12</a:t>
-            </a:r>
-            <a:r>
-              <a:rPr lang="it-IT" sz="1800" b="0" i="0" u="none" strike="noStrike" baseline="0" dirty="0">
-                <a:latin typeface="TimesNewRomanPSMT"/>
-              </a:rPr>
-              <a:t>: Log-in</a:t>
-            </a:r>
-          </a:p>
-          <a:p>
-            <a:pPr marL="0" indent="0" algn="l">
-              <a:buNone/>
-            </a:pPr>
-            <a:r>
-              <a:rPr lang="it-IT" sz="1800" b="1" i="0" u="none" strike="noStrike" baseline="0" dirty="0">
-                <a:latin typeface="TimesNewRomanPS-BoldMT"/>
-              </a:rPr>
-              <a:t>– </a:t>
-            </a:r>
-            <a:r>
-              <a:rPr lang="it-IT" sz="1800" b="1" i="0" u="none" strike="noStrike" baseline="0" dirty="0">
-                <a:latin typeface="TimesNewRomanPSMT"/>
-              </a:rPr>
-              <a:t>UC4/UC13</a:t>
-            </a:r>
-            <a:r>
-              <a:rPr lang="it-IT" sz="1800" b="0" i="0" u="none" strike="noStrike" baseline="0" dirty="0">
-                <a:latin typeface="TimesNewRomanPSMT"/>
-              </a:rPr>
-              <a:t>: Log-out</a:t>
-            </a:r>
-          </a:p>
-          <a:p>
-            <a:pPr marL="0" indent="0" algn="l">
-              <a:buNone/>
-            </a:pPr>
-            <a:r>
-              <a:rPr lang="it-IT" sz="1800" b="1" i="0" u="none" strike="noStrike" baseline="0" dirty="0">
-                <a:latin typeface="TimesNewRomanPS-BoldMT"/>
-              </a:rPr>
-              <a:t>– </a:t>
-            </a:r>
-            <a:r>
-              <a:rPr lang="it-IT" sz="1800" b="1" i="0" u="none" strike="noStrike" baseline="0" dirty="0">
-                <a:latin typeface="TimesNewRomanPSMT"/>
-              </a:rPr>
-              <a:t>UCx</a:t>
-            </a:r>
-            <a:r>
-              <a:rPr lang="it-IT" sz="1800" b="0" i="0" u="none" strike="noStrike" baseline="0" dirty="0">
-                <a:latin typeface="TimesNewRomanPSMT"/>
-              </a:rPr>
-              <a:t>: Password dimenticata</a:t>
-            </a:r>
-          </a:p>
-          <a:p>
-            <a:pPr marL="0" indent="0" algn="l">
-              <a:buNone/>
-            </a:pPr>
-            <a:r>
-              <a:rPr lang="it-IT" sz="1800" b="0" i="0" u="none" strike="noStrike" baseline="0" dirty="0">
-                <a:latin typeface="TimesNewRomanPSMT"/>
-              </a:rPr>
-              <a:t>• </a:t>
-            </a:r>
-            <a:r>
-              <a:rPr lang="it-IT" sz="1800" b="1" i="1" u="none" strike="noStrike" baseline="0" dirty="0">
-                <a:latin typeface="TimesNewRomanPS-ItalicMT"/>
-              </a:rPr>
-              <a:t>EmailChessClubInterface</a:t>
-            </a:r>
-            <a:r>
-              <a:rPr lang="it-IT" sz="1800" b="0" i="1" u="none" strike="noStrike" baseline="0" dirty="0">
-                <a:latin typeface="TimesNewRomanPS-ItalicMT"/>
-              </a:rPr>
-              <a:t>;</a:t>
-            </a:r>
-          </a:p>
-          <a:p>
-            <a:pPr marL="0" indent="0" algn="l">
-              <a:buNone/>
-            </a:pPr>
-            <a:r>
-              <a:rPr lang="it-IT" sz="1800" b="0" i="0" u="none" strike="noStrike" baseline="0" dirty="0">
-                <a:latin typeface="TimesNewRomanPSMT"/>
-              </a:rPr>
-              <a:t>• </a:t>
-            </a:r>
-            <a:r>
-              <a:rPr lang="it-IT" sz="1800" b="1" i="1" u="none" strike="noStrike" baseline="0" dirty="0">
-                <a:latin typeface="TimesNewRomanPS-ItalicMT"/>
-              </a:rPr>
-              <a:t>UserChessClubInterface</a:t>
-            </a:r>
-            <a:r>
-              <a:rPr lang="it-IT" sz="1800" b="0" i="1" u="none" strike="noStrike" baseline="0" dirty="0">
-                <a:latin typeface="TimesNewRomanPS-ItalicMT"/>
-              </a:rPr>
-              <a:t>;</a:t>
-            </a:r>
-          </a:p>
-          <a:p>
-            <a:pPr marL="0" indent="0" algn="l">
-              <a:buNone/>
-            </a:pPr>
-            <a:r>
-              <a:rPr lang="it-IT" sz="1800" b="0" i="0" u="none" strike="noStrike" baseline="0" dirty="0">
-                <a:latin typeface="TimesNewRomanPSMT"/>
-              </a:rPr>
-              <a:t>• </a:t>
-            </a:r>
-            <a:r>
-              <a:rPr lang="it-IT" sz="1800" b="1" i="1" u="none" strike="noStrike" baseline="0" dirty="0">
-                <a:latin typeface="TimesNewRomanPS-ItalicMT"/>
-              </a:rPr>
-              <a:t>LostPasswordChessClubInterface</a:t>
-            </a:r>
-            <a:r>
-              <a:rPr lang="it-IT" sz="1800" b="0" i="1" u="none" strike="noStrike" baseline="0" dirty="0">
-                <a:latin typeface="TimesNewRomanPS-ItalicMT"/>
-              </a:rPr>
-              <a:t>;</a:t>
-            </a:r>
-            <a:endParaRPr lang="it-IT" dirty="0"/>
-          </a:p>
-        </p:txBody>
-      </p:sp>
+                <a:latin typeface="Times New Roman" panose="02020603050405020304" pitchFamily="18" charset="0"/>
+                <a:cs typeface="Times New Roman" panose="02020603050405020304" pitchFamily="18" charset="0"/>
+              </a:rPr>
+              <a:t>UML Deployment Diagram</a:t>
+            </a:r>
+          </a:p>
+        </p:txBody>
+      </p:sp>
+      <p:pic>
+        <p:nvPicPr>
+          <p:cNvPr id="4" name="Immagine 4">
+            <a:extLst>
+              <a:ext uri="{FF2B5EF4-FFF2-40B4-BE49-F238E27FC236}">
+                <a16:creationId xmlns:a16="http://schemas.microsoft.com/office/drawing/2014/main" id="{E42B41AA-CFFA-674D-FF2E-8EC34441F344}"/>
+              </a:ext>
+            </a:extLst>
+          </p:cNvPr>
+          <p:cNvPicPr>
+            <a:picLocks noChangeAspect="1"/>
+          </p:cNvPicPr>
+          <p:nvPr/>
+        </p:nvPicPr>
+        <p:blipFill>
+          <a:blip r:embed="rId2">
+            <a:extLst>
+              <a:ext uri="{28A0092B-C50C-407E-A947-70E740481C1C}">
+                <a14:useLocalDpi xmlns:a14="http://schemas.microsoft.com/office/drawing/2010/main" val="0"/>
+              </a:ext>
+            </a:extLst>
+          </a:blip>
+          <a:stretch>
+            <a:fillRect/>
+          </a:stretch>
+        </p:blipFill>
+        <p:spPr>
+          <a:xfrm>
+            <a:off x="212935" y="1386704"/>
+            <a:ext cx="11766130" cy="4393513"/>
+          </a:xfrm>
+          <a:prstGeom prst="rect">
+            <a:avLst/>
+          </a:prstGeom>
+        </p:spPr>
+      </p:pic>
     </p:spTree>
     <p:extLst>
       <p:ext uri="{BB962C8B-B14F-4D97-AF65-F5344CB8AC3E}">
-        <p14:creationId xmlns:p14="http://schemas.microsoft.com/office/powerpoint/2010/main" val="980440136"/>
+        <p14:creationId xmlns:p14="http://schemas.microsoft.com/office/powerpoint/2010/main" val="472087789"/>
       </p:ext>
     </p:extLst>
   </p:cSld>
@@ -3906,7 +3603,7 @@
           <p:cNvPr id="2" name="Titolo 1">
             <a:extLst>
               <a:ext uri="{FF2B5EF4-FFF2-40B4-BE49-F238E27FC236}">
-                <a16:creationId xmlns:a16="http://schemas.microsoft.com/office/drawing/2014/main" id="{C8D6BFAE-06D1-A588-475C-19086703B19D}"/>
+                <a16:creationId xmlns:a16="http://schemas.microsoft.com/office/drawing/2014/main" id="{8CC9C82A-3040-E57E-1E0F-508AC79D4627}"/>
               </a:ext>
             </a:extLst>
           </p:cNvPr>
@@ -3919,8 +3616,8 @@
         </p:nvSpPr>
         <p:spPr>
           <a:xfrm>
-            <a:off x="838200" y="365126"/>
-            <a:ext cx="10515600" cy="678334"/>
+            <a:off x="755822" y="63072"/>
+            <a:ext cx="10515600" cy="671470"/>
           </a:xfrm>
         </p:spPr>
         <p:txBody>
@@ -3935,10 +3632,9 @@
                 <a:solidFill>
                   <a:srgbClr val="FF0000"/>
                 </a:solidFill>
-                <a:latin typeface="Times New Roman" panose="02020603050405020304" pitchFamily="18" charset="0"/>
-                <a:cs typeface="Times New Roman" panose="02020603050405020304" pitchFamily="18" charset="0"/>
-              </a:rPr>
-              <a:t>UML Deployment Diagram</a:t>
+                <a:latin typeface="TimesNewRomanPSMT"/>
+              </a:rPr>
+              <a:t>Security:</a:t>
             </a:r>
           </a:p>
         </p:txBody>
@@ -3948,14 +3644,16 @@
           <p:cNvPr id="4" name="Immagine 4">
             <a:extLst>
               <a:ext uri="{FF2B5EF4-FFF2-40B4-BE49-F238E27FC236}">
-                <a16:creationId xmlns:a16="http://schemas.microsoft.com/office/drawing/2014/main" id="{E42B41AA-CFFA-674D-FF2E-8EC34441F344}"/>
+                <a16:creationId xmlns:a16="http://schemas.microsoft.com/office/drawing/2014/main" id="{87A30651-CFA5-C112-9134-C39B00937D02}"/>
               </a:ext>
             </a:extLst>
           </p:cNvPr>
           <p:cNvPicPr>
-            <a:picLocks noChangeAspect="1"/>
+            <a:picLocks noGrp="1" noChangeAspect="1"/>
           </p:cNvPicPr>
-          <p:nvPr/>
+          <p:nvPr>
+            <p:ph idx="1"/>
+          </p:nvPr>
         </p:nvPicPr>
         <p:blipFill>
           <a:blip r:embed="rId2">
@@ -3971,18 +3669,51 @@
         </p:blipFill>
         <p:spPr>
           <a:xfrm>
-            <a:off x="212935" y="1386704"/>
-            <a:ext cx="11766130" cy="4393513"/>
+            <a:off x="1572353" y="1049359"/>
+            <a:ext cx="8732135" cy="4572965"/>
+          </a:xfrm>
+        </p:spPr>
+      </p:pic>
+      <p:sp>
+        <p:nvSpPr>
+          <p:cNvPr id="3" name="CasellaDiTesto 2">
+            <a:extLst>
+              <a:ext uri="{FF2B5EF4-FFF2-40B4-BE49-F238E27FC236}">
+                <a16:creationId xmlns:a16="http://schemas.microsoft.com/office/drawing/2014/main" id="{9F11A714-DEE7-673B-3F43-970F42FC6F25}"/>
+              </a:ext>
+            </a:extLst>
+          </p:cNvPr>
+          <p:cNvSpPr txBox="1"/>
+          <p:nvPr/>
+        </p:nvSpPr>
+        <p:spPr>
+          <a:xfrm>
+            <a:off x="5014097" y="6005788"/>
+            <a:ext cx="2163805" cy="378535"/>
           </a:xfrm>
           <a:prstGeom prst="rect">
             <a:avLst/>
           </a:prstGeom>
-        </p:spPr>
-      </p:pic>
+          <a:noFill/>
+        </p:spPr>
+        <p:txBody>
+          <a:bodyPr wrap="square" rtlCol="0">
+            <a:spAutoFit/>
+          </a:bodyPr>
+          <a:lstStyle/>
+          <a:p>
+            <a:pPr algn="ctr"/>
+            <a:r>
+              <a:rPr lang="it-IT" dirty="0"/>
+              <a:t>JWT Authentication</a:t>
+            </a:r>
+          </a:p>
+        </p:txBody>
+      </p:sp>
     </p:spTree>
     <p:extLst>
       <p:ext uri="{BB962C8B-B14F-4D97-AF65-F5344CB8AC3E}">
-        <p14:creationId xmlns:p14="http://schemas.microsoft.com/office/powerpoint/2010/main" val="472087789"/>
+        <p14:creationId xmlns:p14="http://schemas.microsoft.com/office/powerpoint/2010/main" val="2080637047"/>
       </p:ext>
     </p:extLst>
   </p:cSld>
@@ -4009,149 +3740,77 @@
           <a:chExt cx="0" cy="0"/>
         </a:xfrm>
       </p:grpSpPr>
-      <p:sp>
-        <p:nvSpPr>
-          <p:cNvPr id="2" name="Titolo 1">
-            <a:extLst>
-              <a:ext uri="{FF2B5EF4-FFF2-40B4-BE49-F238E27FC236}">
-                <a16:creationId xmlns:a16="http://schemas.microsoft.com/office/drawing/2014/main" id="{E2946B8C-A9B3-5638-2B13-41D65C03DCB7}"/>
-              </a:ext>
-            </a:extLst>
-          </p:cNvPr>
-          <p:cNvSpPr>
-            <a:spLocks noGrp="1"/>
-          </p:cNvSpPr>
-          <p:nvPr>
-            <p:ph type="title"/>
-          </p:nvPr>
-        </p:nvSpPr>
-        <p:spPr>
-          <a:xfrm>
-            <a:off x="838200" y="0"/>
-            <a:ext cx="10515600" cy="784802"/>
-          </a:xfrm>
-        </p:spPr>
-        <p:txBody>
-          <a:bodyPr>
-            <a:normAutofit/>
+      <p:pic>
+        <p:nvPicPr>
+          <p:cNvPr id="4" name="Immagine 3">
+            <a:extLst>
+              <a:ext uri="{FF2B5EF4-FFF2-40B4-BE49-F238E27FC236}">
+                <a16:creationId xmlns:a16="http://schemas.microsoft.com/office/drawing/2014/main" id="{22486AC4-91F7-31F2-5DF3-9D821227DB29}"/>
+              </a:ext>
+            </a:extLst>
+          </p:cNvPr>
+          <p:cNvPicPr>
+            <a:picLocks noChangeAspect="1"/>
+          </p:cNvPicPr>
+          <p:nvPr/>
+        </p:nvPicPr>
+        <p:blipFill>
+          <a:blip r:embed="rId2"/>
+          <a:stretch>
+            <a:fillRect/>
+          </a:stretch>
+        </p:blipFill>
+        <p:spPr>
+          <a:xfrm>
+            <a:off x="592352" y="365382"/>
+            <a:ext cx="10801350" cy="5372100"/>
+          </a:xfrm>
+          <a:prstGeom prst="rect">
+            <a:avLst/>
+          </a:prstGeom>
+        </p:spPr>
+      </p:pic>
+      <p:sp>
+        <p:nvSpPr>
+          <p:cNvPr id="5" name="CasellaDiTesto 4">
+            <a:extLst>
+              <a:ext uri="{FF2B5EF4-FFF2-40B4-BE49-F238E27FC236}">
+                <a16:creationId xmlns:a16="http://schemas.microsoft.com/office/drawing/2014/main" id="{071009E9-227A-1EAB-4A07-B1DFCB5B26E6}"/>
+              </a:ext>
+            </a:extLst>
+          </p:cNvPr>
+          <p:cNvSpPr txBox="1"/>
+          <p:nvPr/>
+        </p:nvSpPr>
+        <p:spPr>
+          <a:xfrm>
+            <a:off x="4521414" y="5737482"/>
+            <a:ext cx="2943225" cy="381000"/>
+          </a:xfrm>
+          <a:prstGeom prst="rect">
+            <a:avLst/>
+          </a:prstGeom>
+          <a:noFill/>
+        </p:spPr>
+        <p:txBody>
+          <a:bodyPr wrap="square" rtlCol="0">
+            <a:spAutoFit/>
           </a:bodyPr>
           <a:lstStyle/>
           <a:p>
-            <a:pPr algn="ctr"/>
-            <a:r>
-              <a:rPr lang="it-IT" sz="3600" b="1" dirty="0">
-                <a:solidFill>
-                  <a:srgbClr val="FF0000"/>
-                </a:solidFill>
-                <a:latin typeface="TimesNewRomanPSMT"/>
-              </a:rPr>
-              <a:t>Testing:</a:t>
-            </a:r>
-          </a:p>
-        </p:txBody>
-      </p:sp>
-      <p:sp>
-        <p:nvSpPr>
-          <p:cNvPr id="3" name="Segnaposto contenuto 2">
-            <a:extLst>
-              <a:ext uri="{FF2B5EF4-FFF2-40B4-BE49-F238E27FC236}">
-                <a16:creationId xmlns:a16="http://schemas.microsoft.com/office/drawing/2014/main" id="{69A58D44-4085-706B-57B9-2693E1194726}"/>
-              </a:ext>
-            </a:extLst>
-          </p:cNvPr>
-          <p:cNvSpPr>
-            <a:spLocks noGrp="1"/>
-          </p:cNvSpPr>
-          <p:nvPr>
-            <p:ph idx="1"/>
-          </p:nvPr>
-        </p:nvSpPr>
-        <p:spPr>
-          <a:xfrm>
-            <a:off x="838200" y="1035916"/>
-            <a:ext cx="10515600" cy="4351338"/>
-          </a:xfrm>
-        </p:spPr>
-        <p:txBody>
-          <a:bodyPr>
-            <a:normAutofit/>
-          </a:bodyPr>
-          <a:lstStyle/>
-          <a:p>
-            <a:pPr algn="l"/>
-            <a:r>
-              <a:rPr lang="it-IT" sz="2400" b="1" i="0" u="none" strike="noStrike" baseline="0" dirty="0">
-                <a:latin typeface="TimesNewRomanPSMT"/>
-              </a:rPr>
-              <a:t>Analisi statica: </a:t>
-            </a:r>
-            <a:r>
-              <a:rPr lang="it-IT" sz="2400" b="0" i="0" u="none" strike="noStrike" baseline="0" dirty="0">
-                <a:latin typeface="TimesNewRomanPSMT"/>
-              </a:rPr>
-              <a:t>è stato utilizzato il framework JUnit Test. Quest’ultimo attraverso un’estensione è stato implementato all’interno dell’ IDE di sviluppo </a:t>
-            </a:r>
-            <a:r>
-              <a:rPr lang="it-IT" sz="2400" b="0" i="1" u="none" strike="noStrike" baseline="0" dirty="0">
-                <a:latin typeface="TimesNewRomanPSMT"/>
-              </a:rPr>
-              <a:t>Eclipse</a:t>
-            </a:r>
-            <a:r>
-              <a:rPr lang="it-IT" sz="2400" b="0" i="0" u="none" strike="noStrike" baseline="0" dirty="0">
-                <a:latin typeface="TimesNewRomanPSMT"/>
-              </a:rPr>
-              <a:t>.</a:t>
-            </a:r>
-          </a:p>
-          <a:p>
-            <a:pPr algn="l"/>
-            <a:endParaRPr lang="it-IT" sz="2400" b="0" i="0" u="none" strike="noStrike" baseline="0" dirty="0">
-              <a:latin typeface="TimesNewRomanPSMT"/>
-            </a:endParaRPr>
-          </a:p>
-          <a:p>
-            <a:pPr algn="l"/>
-            <a:r>
-              <a:rPr lang="it-IT" sz="2400" b="1" dirty="0">
-                <a:latin typeface="TimesNewRomanPSMT"/>
-              </a:rPr>
-              <a:t>Analisi dinamica: </a:t>
-            </a:r>
-            <a:r>
-              <a:rPr lang="it-IT" sz="2400" dirty="0">
-                <a:latin typeface="TimesNewRomanPSMT"/>
-              </a:rPr>
-              <a:t>è</a:t>
-            </a:r>
-            <a:r>
-              <a:rPr lang="it-IT" sz="2400" b="1" dirty="0">
-                <a:latin typeface="TimesNewRomanPSMT"/>
-              </a:rPr>
-              <a:t> </a:t>
-            </a:r>
-            <a:r>
-              <a:rPr lang="it-IT" sz="2400" b="0" i="0" u="none" strike="noStrike" baseline="0" dirty="0">
-                <a:latin typeface="TimesNewRomanPSMT"/>
-              </a:rPr>
-              <a:t>stato utilizzato Postman. Quest’ultimo è una piattaforma per creare, progettare, iterare e testare le proprie API. Postman ha confermato la correttezza delle API testate</a:t>
-            </a:r>
-            <a:r>
-              <a:rPr lang="it-IT" sz="1800" b="0" i="0" u="none" strike="noStrike" baseline="0" dirty="0">
-                <a:latin typeface="TimesNewRomanPSMT"/>
-              </a:rPr>
-              <a:t>.</a:t>
-            </a:r>
-            <a:endParaRPr lang="it-IT" sz="2000" b="1" dirty="0">
-              <a:latin typeface="TimesNewRomanPSMT"/>
-            </a:endParaRPr>
+            <a:r>
+              <a:rPr lang="it-IT" dirty="0">
+                <a:latin typeface="TimesNewRomanPSMT"/>
+              </a:rPr>
+              <a:t>Spring Security Architecture</a:t>
+            </a:r>
           </a:p>
         </p:txBody>
       </p:sp>
     </p:spTree>
     <p:extLst>
       <p:ext uri="{BB962C8B-B14F-4D97-AF65-F5344CB8AC3E}">
-        <p14:creationId xmlns:p14="http://schemas.microsoft.com/office/powerpoint/2010/main" val="1848339015"/>
+        <p14:creationId xmlns:p14="http://schemas.microsoft.com/office/powerpoint/2010/main" val="2868908344"/>
       </p:ext>
     </p:extLst>
   </p:cSld>
@@ -4183,7 +3842,7 @@
           <p:cNvPr id="2" name="Titolo 1">
             <a:extLst>
               <a:ext uri="{FF2B5EF4-FFF2-40B4-BE49-F238E27FC236}">
-                <a16:creationId xmlns:a16="http://schemas.microsoft.com/office/drawing/2014/main" id="{8CC9C82A-3040-E57E-1E0F-508AC79D4627}"/>
+                <a16:creationId xmlns:a16="http://schemas.microsoft.com/office/drawing/2014/main" id="{5A3A19FF-7F86-912E-E20E-A57820AD7AE4}"/>
               </a:ext>
             </a:extLst>
           </p:cNvPr>
@@ -4196,35 +3855,35 @@
         </p:nvSpPr>
         <p:spPr>
           <a:xfrm>
-            <a:off x="755822" y="63072"/>
-            <a:ext cx="10515600" cy="671470"/>
+            <a:off x="3634667" y="110579"/>
+            <a:ext cx="4452891" cy="719091"/>
           </a:xfrm>
         </p:spPr>
         <p:txBody>
           <a:bodyPr>
-            <a:normAutofit fontScale="90000"/>
+            <a:normAutofit/>
           </a:bodyPr>
           <a:lstStyle/>
           <a:p>
             <a:pPr algn="ctr"/>
             <a:r>
-              <a:rPr lang="it-IT" b="1" dirty="0">
+              <a:rPr lang="it-IT" sz="3600" b="1" dirty="0">
                 <a:solidFill>
                   <a:srgbClr val="FF0000"/>
                 </a:solidFill>
                 <a:latin typeface="TimesNewRomanPSMT"/>
               </a:rPr>
-              <a:t>Security:</a:t>
+              <a:t>Basic Authentication:</a:t>
             </a:r>
           </a:p>
         </p:txBody>
       </p:sp>
       <p:pic>
         <p:nvPicPr>
-          <p:cNvPr id="4" name="Immagine 4">
-            <a:extLst>
-              <a:ext uri="{FF2B5EF4-FFF2-40B4-BE49-F238E27FC236}">
-                <a16:creationId xmlns:a16="http://schemas.microsoft.com/office/drawing/2014/main" id="{87A30651-CFA5-C112-9134-C39B00937D02}"/>
+          <p:cNvPr id="5" name="Segnaposto contenuto 4">
+            <a:extLst>
+              <a:ext uri="{FF2B5EF4-FFF2-40B4-BE49-F238E27FC236}">
+                <a16:creationId xmlns:a16="http://schemas.microsoft.com/office/drawing/2014/main" id="{251CA0E1-FA26-FC9F-E7D8-085A2534DE8B}"/>
               </a:ext>
             </a:extLst>
           </p:cNvPr>
@@ -4236,64 +3895,22 @@
           </p:nvPr>
         </p:nvPicPr>
         <p:blipFill>
-          <a:blip r:embed="rId2">
-            <a:extLst>
-              <a:ext uri="{28A0092B-C50C-407E-A947-70E740481C1C}">
-                <a14:useLocalDpi xmlns:a14="http://schemas.microsoft.com/office/drawing/2010/main" val="0"/>
-              </a:ext>
-            </a:extLst>
-          </a:blip>
+          <a:blip r:embed="rId2"/>
           <a:stretch>
             <a:fillRect/>
           </a:stretch>
         </p:blipFill>
         <p:spPr>
           <a:xfrm>
-            <a:off x="1572353" y="1049359"/>
-            <a:ext cx="8732135" cy="4572965"/>
+            <a:off x="3871903" y="1111065"/>
+            <a:ext cx="4748315" cy="5276810"/>
           </a:xfrm>
         </p:spPr>
       </p:pic>
-      <p:sp>
-        <p:nvSpPr>
-          <p:cNvPr id="3" name="CasellaDiTesto 2">
-            <a:extLst>
-              <a:ext uri="{FF2B5EF4-FFF2-40B4-BE49-F238E27FC236}">
-                <a16:creationId xmlns:a16="http://schemas.microsoft.com/office/drawing/2014/main" id="{9F11A714-DEE7-673B-3F43-970F42FC6F25}"/>
-              </a:ext>
-            </a:extLst>
-          </p:cNvPr>
-          <p:cNvSpPr txBox="1"/>
-          <p:nvPr/>
-        </p:nvSpPr>
-        <p:spPr>
-          <a:xfrm>
-            <a:off x="5014097" y="6005788"/>
-            <a:ext cx="2163805" cy="378535"/>
-          </a:xfrm>
-          <a:prstGeom prst="rect">
-            <a:avLst/>
-          </a:prstGeom>
-          <a:noFill/>
-        </p:spPr>
-        <p:txBody>
-          <a:bodyPr wrap="square" rtlCol="0">
-            <a:spAutoFit/>
-          </a:bodyPr>
-          <a:lstStyle/>
-          <a:p>
-            <a:pPr algn="ctr"/>
-            <a:r>
-              <a:rPr lang="it-IT" dirty="0"/>
-              <a:t>JWT Authentication</a:t>
-            </a:r>
-          </a:p>
-        </p:txBody>
-      </p:sp>
     </p:spTree>
     <p:extLst>
       <p:ext uri="{BB962C8B-B14F-4D97-AF65-F5344CB8AC3E}">
-        <p14:creationId xmlns:p14="http://schemas.microsoft.com/office/powerpoint/2010/main" val="2080637047"/>
+        <p14:creationId xmlns:p14="http://schemas.microsoft.com/office/powerpoint/2010/main" val="227929039"/>
       </p:ext>
     </p:extLst>
   </p:cSld>
@@ -4322,10 +3939,10 @@
       </p:grpSpPr>
       <p:pic>
         <p:nvPicPr>
-          <p:cNvPr id="4" name="Immagine 3">
-            <a:extLst>
-              <a:ext uri="{FF2B5EF4-FFF2-40B4-BE49-F238E27FC236}">
-                <a16:creationId xmlns:a16="http://schemas.microsoft.com/office/drawing/2014/main" id="{22486AC4-91F7-31F2-5DF3-9D821227DB29}"/>
+          <p:cNvPr id="4" name="Immagine 4">
+            <a:extLst>
+              <a:ext uri="{FF2B5EF4-FFF2-40B4-BE49-F238E27FC236}">
+                <a16:creationId xmlns:a16="http://schemas.microsoft.com/office/drawing/2014/main" id="{26164A3E-9073-EB75-74A2-55D2CDDFBAE6}"/>
               </a:ext>
             </a:extLst>
           </p:cNvPr>
@@ -4335,15 +3952,21 @@
           <p:nvPr/>
         </p:nvPicPr>
         <p:blipFill>
-          <a:blip r:embed="rId2"/>
+          <a:blip r:embed="rId2">
+            <a:extLst>
+              <a:ext uri="{28A0092B-C50C-407E-A947-70E740481C1C}">
+                <a14:useLocalDpi xmlns:a14="http://schemas.microsoft.com/office/drawing/2010/main" val="0"/>
+              </a:ext>
+            </a:extLst>
+          </a:blip>
           <a:stretch>
             <a:fillRect/>
           </a:stretch>
         </p:blipFill>
         <p:spPr>
           <a:xfrm>
-            <a:off x="592352" y="365382"/>
-            <a:ext cx="10801350" cy="5372100"/>
+            <a:off x="3188650" y="390152"/>
+            <a:ext cx="4918757" cy="5418667"/>
           </a:xfrm>
           <a:prstGeom prst="rect">
             <a:avLst/>
@@ -4355,7 +3978,7 @@
           <p:cNvPr id="5" name="CasellaDiTesto 4">
             <a:extLst>
               <a:ext uri="{FF2B5EF4-FFF2-40B4-BE49-F238E27FC236}">
-                <a16:creationId xmlns:a16="http://schemas.microsoft.com/office/drawing/2014/main" id="{071009E9-227A-1EAB-4A07-B1DFCB5B26E6}"/>
+                <a16:creationId xmlns:a16="http://schemas.microsoft.com/office/drawing/2014/main" id="{5EE51CA9-D153-A2FC-E26B-758C5A170167}"/>
               </a:ext>
             </a:extLst>
           </p:cNvPr>
@@ -4364,8 +3987,8 @@
         </p:nvSpPr>
         <p:spPr>
           <a:xfrm>
-            <a:off x="4521414" y="5737482"/>
-            <a:ext cx="2943225" cy="381000"/>
+            <a:off x="4471772" y="5981813"/>
+            <a:ext cx="3248456" cy="369332"/>
           </a:xfrm>
           <a:prstGeom prst="rect">
             <a:avLst/>
@@ -4378,11 +4001,13 @@
           </a:bodyPr>
           <a:lstStyle/>
           <a:p>
+            <a:pPr algn="ctr"/>
             <a:r>
               <a:rPr lang="it-IT" dirty="0">
-                <a:latin typeface="TimesNewRomanPSMT"/>
-              </a:rPr>
-              <a:t>Spring Security Architecture</a:t>
+                <a:latin typeface="Times New Roman" panose="02020603050405020304" pitchFamily="18" charset="0"/>
+                <a:cs typeface="Times New Roman" panose="02020603050405020304" pitchFamily="18" charset="0"/>
+              </a:rPr>
+              <a:t>Interaction Sequence Diagram</a:t>
             </a:r>
           </a:p>
         </p:txBody>
@@ -4390,7 +4015,7 @@
     </p:spTree>
     <p:extLst>
       <p:ext uri="{BB962C8B-B14F-4D97-AF65-F5344CB8AC3E}">
-        <p14:creationId xmlns:p14="http://schemas.microsoft.com/office/powerpoint/2010/main" val="2868908344"/>
+        <p14:creationId xmlns:p14="http://schemas.microsoft.com/office/powerpoint/2010/main" val="2115169419"/>
       </p:ext>
     </p:extLst>
   </p:cSld>
@@ -4422,7 +4047,7 @@
           <p:cNvPr id="2" name="Titolo 1">
             <a:extLst>
               <a:ext uri="{FF2B5EF4-FFF2-40B4-BE49-F238E27FC236}">
-                <a16:creationId xmlns:a16="http://schemas.microsoft.com/office/drawing/2014/main" id="{5A3A19FF-7F86-912E-E20E-A57820AD7AE4}"/>
+                <a16:creationId xmlns:a16="http://schemas.microsoft.com/office/drawing/2014/main" id="{7C003F53-9739-D3EF-0195-58902F8C9D85}"/>
               </a:ext>
             </a:extLst>
           </p:cNvPr>
@@ -4435,62 +4060,221 @@
         </p:nvSpPr>
         <p:spPr>
           <a:xfrm>
-            <a:off x="3634667" y="110579"/>
-            <a:ext cx="4452891" cy="719091"/>
+            <a:off x="838200" y="238294"/>
+            <a:ext cx="10515600" cy="584786"/>
           </a:xfrm>
         </p:spPr>
         <p:txBody>
           <a:bodyPr>
-            <a:normAutofit/>
+            <a:normAutofit fontScale="90000"/>
           </a:bodyPr>
           <a:lstStyle/>
           <a:p>
             <a:pPr algn="ctr"/>
             <a:r>
-              <a:rPr lang="it-IT" sz="3600" b="1" dirty="0">
+              <a:rPr lang="it-IT" b="1" dirty="0">
                 <a:solidFill>
                   <a:srgbClr val="FF0000"/>
                 </a:solidFill>
                 <a:latin typeface="TimesNewRomanPSMT"/>
               </a:rPr>
-              <a:t>Basic Authentication:</a:t>
-            </a:r>
-          </a:p>
-        </p:txBody>
-      </p:sp>
-      <p:pic>
-        <p:nvPicPr>
-          <p:cNvPr id="5" name="Segnaposto contenuto 4">
-            <a:extLst>
-              <a:ext uri="{FF2B5EF4-FFF2-40B4-BE49-F238E27FC236}">
-                <a16:creationId xmlns:a16="http://schemas.microsoft.com/office/drawing/2014/main" id="{251CA0E1-FA26-FC9F-E7D8-085A2534DE8B}"/>
-              </a:ext>
-            </a:extLst>
-          </p:cNvPr>
-          <p:cNvPicPr>
-            <a:picLocks noGrp="1" noChangeAspect="1"/>
-          </p:cNvPicPr>
+              <a:t>Iterazione 2:</a:t>
+            </a:r>
+          </a:p>
+        </p:txBody>
+      </p:sp>
+      <p:sp>
+        <p:nvSpPr>
+          <p:cNvPr id="3" name="Segnaposto contenuto 2">
+            <a:extLst>
+              <a:ext uri="{FF2B5EF4-FFF2-40B4-BE49-F238E27FC236}">
+                <a16:creationId xmlns:a16="http://schemas.microsoft.com/office/drawing/2014/main" id="{C7254982-48DC-0B30-28BA-B7CF50FA9DD0}"/>
+              </a:ext>
+            </a:extLst>
+          </p:cNvPr>
+          <p:cNvSpPr>
+            <a:spLocks noGrp="1"/>
+          </p:cNvSpPr>
           <p:nvPr>
             <p:ph idx="1"/>
           </p:nvPr>
-        </p:nvPicPr>
-        <p:blipFill>
-          <a:blip r:embed="rId2"/>
-          <a:stretch>
-            <a:fillRect/>
-          </a:stretch>
-        </p:blipFill>
-        <p:spPr>
-          <a:xfrm>
-            <a:off x="3871903" y="1111065"/>
-            <a:ext cx="4748315" cy="5276810"/>
-          </a:xfrm>
-        </p:spPr>
-      </p:pic>
+        </p:nvSpPr>
+        <p:spPr>
+          <a:xfrm>
+            <a:off x="865659" y="1504376"/>
+            <a:ext cx="10515600" cy="4351338"/>
+          </a:xfrm>
+        </p:spPr>
+        <p:txBody>
+          <a:bodyPr/>
+          <a:lstStyle/>
+          <a:p>
+            <a:pPr marL="0" indent="0" algn="l">
+              <a:buNone/>
+            </a:pPr>
+            <a:r>
+              <a:rPr lang="it-IT" sz="1800" b="0" i="0" u="none" strike="noStrike" baseline="0" dirty="0">
+                <a:latin typeface="TimesNewRomanPSMT"/>
+              </a:rPr>
+              <a:t>Abbiamo scelto di implementare i seguenti casi d’uso:</a:t>
+            </a:r>
+          </a:p>
+          <a:p>
+            <a:pPr marL="0" indent="0" algn="l">
+              <a:buNone/>
+            </a:pPr>
+            <a:r>
+              <a:rPr lang="it-IT" sz="1800" b="0" i="0" u="none" strike="noStrike" baseline="0" dirty="0">
+                <a:latin typeface="TimesNewRomanPSMT"/>
+              </a:rPr>
+              <a:t>• Gestione torneo</a:t>
+            </a:r>
+          </a:p>
+          <a:p>
+            <a:pPr marL="0" indent="0" algn="l">
+              <a:buNone/>
+            </a:pPr>
+            <a:r>
+              <a:rPr lang="it-IT" sz="1800" b="1" i="0" u="none" strike="noStrike" baseline="0" dirty="0">
+                <a:latin typeface="TimesNewRomanPS-BoldMT"/>
+              </a:rPr>
+              <a:t>– UC5</a:t>
+            </a:r>
+            <a:r>
+              <a:rPr lang="it-IT" sz="1800" b="0" i="0" u="none" strike="noStrike" baseline="0" dirty="0">
+                <a:latin typeface="TimesNewRomanPSMT"/>
+              </a:rPr>
+              <a:t>: Preiscrizione Torneo</a:t>
+            </a:r>
+          </a:p>
+          <a:p>
+            <a:pPr marL="0" indent="0" algn="l">
+              <a:buNone/>
+            </a:pPr>
+            <a:r>
+              <a:rPr lang="it-IT" sz="1800" b="1" i="0" u="none" strike="noStrike" baseline="0" dirty="0">
+                <a:latin typeface="TimesNewRomanPS-BoldMT"/>
+              </a:rPr>
+              <a:t>– UC6</a:t>
+            </a:r>
+            <a:r>
+              <a:rPr lang="it-IT" sz="1800" b="0" i="0" u="none" strike="noStrike" baseline="0" dirty="0">
+                <a:latin typeface="TimesNewRomanPSMT"/>
+              </a:rPr>
+              <a:t>: Cancellazione Preiscrizione</a:t>
+            </a:r>
+          </a:p>
+          <a:p>
+            <a:pPr marL="0" indent="0" algn="l">
+              <a:buNone/>
+            </a:pPr>
+            <a:r>
+              <a:rPr lang="it-IT" sz="1800" b="1" i="0" u="none" strike="noStrike" baseline="0" dirty="0">
+                <a:latin typeface="TimesNewRomanPS-BoldMT"/>
+              </a:rPr>
+              <a:t>– UC18</a:t>
+            </a:r>
+            <a:r>
+              <a:rPr lang="it-IT" sz="1800" b="0" i="0" u="none" strike="noStrike" baseline="0" dirty="0">
+                <a:latin typeface="TimesNewRomanPSMT"/>
+              </a:rPr>
+              <a:t>: Inserimento punteggio torneo</a:t>
+            </a:r>
+          </a:p>
+          <a:p>
+            <a:pPr marL="0" indent="0" algn="l">
+              <a:buNone/>
+            </a:pPr>
+            <a:r>
+              <a:rPr lang="it-IT" sz="1800" b="1" i="0" u="none" strike="noStrike" baseline="0" dirty="0">
+                <a:latin typeface="TimesNewRomanPS-BoldMT"/>
+              </a:rPr>
+              <a:t>– UC19</a:t>
+            </a:r>
+            <a:r>
+              <a:rPr lang="it-IT" sz="1800" b="0" i="0" u="none" strike="noStrike" baseline="0" dirty="0">
+                <a:latin typeface="TimesNewRomanPSMT"/>
+              </a:rPr>
+              <a:t>: Generazione turni torneo</a:t>
+            </a:r>
+          </a:p>
+          <a:p>
+            <a:pPr marL="0" indent="0" algn="l">
+              <a:buNone/>
+            </a:pPr>
+            <a:r>
+              <a:rPr lang="it-IT" sz="1800" b="1" i="0" u="none" strike="noStrike" baseline="0" dirty="0">
+                <a:latin typeface="TimesNewRomanPS-BoldMT"/>
+              </a:rPr>
+              <a:t>– UCY</a:t>
+            </a:r>
+            <a:r>
+              <a:rPr lang="it-IT" sz="1800" b="0" i="0" u="none" strike="noStrike" baseline="0" dirty="0">
+                <a:latin typeface="TimesNewRomanPSMT"/>
+              </a:rPr>
+              <a:t>: Generazione classifica</a:t>
+            </a:r>
+          </a:p>
+          <a:p>
+            <a:pPr marL="0" indent="0" algn="l">
+              <a:buNone/>
+            </a:pPr>
+            <a:r>
+              <a:rPr lang="it-IT" sz="1800" dirty="0">
+                <a:latin typeface="TimesNewRomanPSMT"/>
+              </a:rPr>
+              <a:t>N</a:t>
+            </a:r>
+            <a:r>
+              <a:rPr lang="it-IT" sz="1800" b="0" i="0" u="none" strike="noStrike" baseline="0" dirty="0">
+                <a:latin typeface="TimesNewRomanPSMT"/>
+              </a:rPr>
+              <a:t>ei casi d’uso </a:t>
+            </a:r>
+            <a:r>
+              <a:rPr lang="it-IT" sz="1800" b="1" i="0" u="none" strike="noStrike" baseline="0" dirty="0">
+                <a:latin typeface="TimesNewRomanPS-BoldMT"/>
+              </a:rPr>
+              <a:t>UC19 </a:t>
+            </a:r>
+            <a:r>
+              <a:rPr lang="it-IT" sz="1800" b="0" i="0" u="none" strike="noStrike" baseline="0" dirty="0">
+                <a:latin typeface="TimesNewRomanPSMT"/>
+              </a:rPr>
+              <a:t>e </a:t>
+            </a:r>
+            <a:r>
+              <a:rPr lang="it-IT" sz="1800" b="1" i="0" u="none" strike="noStrike" baseline="0" dirty="0">
+                <a:latin typeface="TimesNewRomanPS-BoldMT"/>
+              </a:rPr>
+              <a:t>UCY </a:t>
+            </a:r>
+            <a:r>
+              <a:rPr lang="it-IT" sz="1800" b="0" i="0" u="none" strike="noStrike" baseline="0" dirty="0">
+                <a:latin typeface="TimesNewRomanPSMT"/>
+              </a:rPr>
+              <a:t>è stato utilizzato l’algoritmo di ordinamento </a:t>
+            </a:r>
+            <a:r>
+              <a:rPr lang="it-IT" sz="1800" b="1" i="1" u="none" strike="noStrike" baseline="0" dirty="0">
+                <a:latin typeface="TimesNewRomanPS-ItalicMT"/>
+              </a:rPr>
+              <a:t>MergeSort</a:t>
+            </a:r>
+            <a:r>
+              <a:rPr lang="it-IT" sz="1800" b="0" i="0" u="none" strike="noStrike" baseline="0" dirty="0">
+                <a:latin typeface="TimesNewRomanPSMT"/>
+              </a:rPr>
+              <a:t>.</a:t>
+            </a:r>
+            <a:endParaRPr lang="it-IT" dirty="0"/>
+          </a:p>
+        </p:txBody>
+      </p:sp>
     </p:spTree>
     <p:extLst>
       <p:ext uri="{BB962C8B-B14F-4D97-AF65-F5344CB8AC3E}">
-        <p14:creationId xmlns:p14="http://schemas.microsoft.com/office/powerpoint/2010/main" val="227929039"/>
+        <p14:creationId xmlns:p14="http://schemas.microsoft.com/office/powerpoint/2010/main" val="624419585"/>
       </p:ext>
     </p:extLst>
   </p:cSld>
@@ -4517,85 +4301,269 @@
           <a:chExt cx="0" cy="0"/>
         </a:xfrm>
       </p:grpSpPr>
-      <p:pic>
-        <p:nvPicPr>
-          <p:cNvPr id="4" name="Immagine 4">
-            <a:extLst>
-              <a:ext uri="{FF2B5EF4-FFF2-40B4-BE49-F238E27FC236}">
-                <a16:creationId xmlns:a16="http://schemas.microsoft.com/office/drawing/2014/main" id="{26164A3E-9073-EB75-74A2-55D2CDDFBAE6}"/>
-              </a:ext>
-            </a:extLst>
-          </p:cNvPr>
-          <p:cNvPicPr>
-            <a:picLocks noChangeAspect="1"/>
-          </p:cNvPicPr>
-          <p:nvPr/>
-        </p:nvPicPr>
-        <p:blipFill>
-          <a:blip r:embed="rId2">
-            <a:extLst>
-              <a:ext uri="{28A0092B-C50C-407E-A947-70E740481C1C}">
-                <a14:useLocalDpi xmlns:a14="http://schemas.microsoft.com/office/drawing/2010/main" val="0"/>
-              </a:ext>
-            </a:extLst>
-          </a:blip>
-          <a:stretch>
-            <a:fillRect/>
-          </a:stretch>
-        </p:blipFill>
-        <p:spPr>
-          <a:xfrm>
-            <a:off x="3188650" y="390152"/>
-            <a:ext cx="4918757" cy="5418667"/>
-          </a:xfrm>
-          <a:prstGeom prst="rect">
-            <a:avLst/>
-          </a:prstGeom>
-        </p:spPr>
-      </p:pic>
-      <p:sp>
-        <p:nvSpPr>
-          <p:cNvPr id="5" name="CasellaDiTesto 4">
-            <a:extLst>
-              <a:ext uri="{FF2B5EF4-FFF2-40B4-BE49-F238E27FC236}">
-                <a16:creationId xmlns:a16="http://schemas.microsoft.com/office/drawing/2014/main" id="{5EE51CA9-D153-A2FC-E26B-758C5A170167}"/>
-              </a:ext>
-            </a:extLst>
-          </p:cNvPr>
-          <p:cNvSpPr txBox="1"/>
-          <p:nvPr/>
-        </p:nvSpPr>
-        <p:spPr>
-          <a:xfrm>
-            <a:off x="4471772" y="5981813"/>
-            <a:ext cx="3248456" cy="369332"/>
-          </a:xfrm>
-          <a:prstGeom prst="rect">
-            <a:avLst/>
-          </a:prstGeom>
-          <a:noFill/>
-        </p:spPr>
-        <p:txBody>
-          <a:bodyPr wrap="square" rtlCol="0">
-            <a:spAutoFit/>
+      <p:sp>
+        <p:nvSpPr>
+          <p:cNvPr id="2" name="Titolo 1">
+            <a:extLst>
+              <a:ext uri="{FF2B5EF4-FFF2-40B4-BE49-F238E27FC236}">
+                <a16:creationId xmlns:a16="http://schemas.microsoft.com/office/drawing/2014/main" id="{05C5DAA0-9E12-6D07-DF2C-896E93A613D7}"/>
+              </a:ext>
+            </a:extLst>
+          </p:cNvPr>
+          <p:cNvSpPr>
+            <a:spLocks noGrp="1"/>
+          </p:cNvSpPr>
+          <p:nvPr>
+            <p:ph type="title"/>
+          </p:nvPr>
+        </p:nvSpPr>
+        <p:spPr>
+          <a:xfrm>
+            <a:off x="838200" y="125429"/>
+            <a:ext cx="10515600" cy="460498"/>
+          </a:xfrm>
+        </p:spPr>
+        <p:txBody>
+          <a:bodyPr>
+            <a:normAutofit fontScale="90000"/>
           </a:bodyPr>
           <a:lstStyle/>
           <a:p>
             <a:pPr algn="ctr"/>
             <a:r>
-              <a:rPr lang="it-IT" dirty="0">
-                <a:latin typeface="Times New Roman" panose="02020603050405020304" pitchFamily="18" charset="0"/>
-                <a:cs typeface="Times New Roman" panose="02020603050405020304" pitchFamily="18" charset="0"/>
-              </a:rPr>
-              <a:t>Interaction Sequence Diagram</a:t>
-            </a:r>
+              <a:rPr lang="it-IT" sz="3600" b="1" i="0" u="none" strike="noStrike" baseline="0" dirty="0">
+                <a:solidFill>
+                  <a:srgbClr val="FF0000"/>
+                </a:solidFill>
+                <a:latin typeface="TimesNewRomanPS-BoldMT"/>
+              </a:rPr>
+              <a:t>UML Component Diagram:</a:t>
+            </a:r>
+            <a:endParaRPr lang="it-IT" sz="3600" dirty="0"/>
+          </a:p>
+        </p:txBody>
+      </p:sp>
+      <p:sp>
+        <p:nvSpPr>
+          <p:cNvPr id="3" name="Segnaposto contenuto 2">
+            <a:extLst>
+              <a:ext uri="{FF2B5EF4-FFF2-40B4-BE49-F238E27FC236}">
+                <a16:creationId xmlns:a16="http://schemas.microsoft.com/office/drawing/2014/main" id="{23D874F4-B21F-E175-0DA2-B86B266C115E}"/>
+              </a:ext>
+            </a:extLst>
+          </p:cNvPr>
+          <p:cNvSpPr>
+            <a:spLocks noGrp="1"/>
+          </p:cNvSpPr>
+          <p:nvPr>
+            <p:ph idx="1"/>
+          </p:nvPr>
+        </p:nvSpPr>
+        <p:spPr>
+          <a:xfrm>
+            <a:off x="711900" y="1348243"/>
+            <a:ext cx="10515600" cy="4351338"/>
+          </a:xfrm>
+        </p:spPr>
+        <p:txBody>
+          <a:bodyPr/>
+          <a:lstStyle/>
+          <a:p>
+            <a:pPr marL="0" indent="0" algn="l">
+              <a:buNone/>
+            </a:pPr>
+            <a:r>
+              <a:rPr lang="it-IT" sz="1800" b="0" i="0" u="none" strike="noStrike" baseline="0" dirty="0">
+                <a:latin typeface="TimesNewRomanPSMT"/>
+              </a:rPr>
+              <a:t>I casi d’uso sono stati mappati in metodi resi disponibili dalle seguenti interfacce, nello specifico vediamo le nuove interfacce:</a:t>
+            </a:r>
+          </a:p>
+          <a:p>
+            <a:pPr marL="0" indent="0" algn="l">
+              <a:buNone/>
+            </a:pPr>
+            <a:r>
+              <a:rPr lang="it-IT" sz="1800" b="0" i="0" u="none" strike="noStrike" baseline="0" dirty="0">
+                <a:latin typeface="TimesNewRomanPSMT"/>
+              </a:rPr>
+              <a:t>• </a:t>
+            </a:r>
+            <a:r>
+              <a:rPr lang="it-IT" sz="1800" b="1" i="1" u="none" strike="noStrike" baseline="0" dirty="0">
+                <a:latin typeface="TimesNewRomanPS-ItalicMT"/>
+              </a:rPr>
+              <a:t>IscrizioneChessClubInterface</a:t>
+            </a:r>
+          </a:p>
+          <a:p>
+            <a:pPr marL="0" indent="0" algn="l">
+              <a:buNone/>
+            </a:pPr>
+            <a:r>
+              <a:rPr lang="it-IT" sz="1800" b="1" i="0" u="none" strike="noStrike" baseline="0" dirty="0">
+                <a:latin typeface="TimesNewRomanPS-BoldMT"/>
+              </a:rPr>
+              <a:t>– </a:t>
+            </a:r>
+            <a:r>
+              <a:rPr lang="it-IT" sz="1800" b="1" i="0" u="none" strike="noStrike" baseline="0" dirty="0">
+                <a:latin typeface="TimesNewRomanPSMT"/>
+              </a:rPr>
+              <a:t>UC5</a:t>
+            </a:r>
+            <a:r>
+              <a:rPr lang="it-IT" sz="1800" b="0" i="0" u="none" strike="noStrike" baseline="0" dirty="0">
+                <a:latin typeface="TimesNewRomanPSMT"/>
+              </a:rPr>
+              <a:t>: Preiscrizione Torneo</a:t>
+            </a:r>
+          </a:p>
+          <a:p>
+            <a:pPr marL="0" indent="0" algn="l">
+              <a:buNone/>
+            </a:pPr>
+            <a:r>
+              <a:rPr lang="it-IT" sz="1800" b="1" i="0" u="none" strike="noStrike" baseline="0" dirty="0">
+                <a:latin typeface="TimesNewRomanPS-BoldMT"/>
+              </a:rPr>
+              <a:t>– </a:t>
+            </a:r>
+            <a:r>
+              <a:rPr lang="it-IT" sz="1800" b="1" i="0" u="none" strike="noStrike" baseline="0" dirty="0">
+                <a:latin typeface="TimesNewRomanPSMT"/>
+              </a:rPr>
+              <a:t>UC6</a:t>
+            </a:r>
+            <a:r>
+              <a:rPr lang="it-IT" sz="1800" b="0" i="0" u="none" strike="noStrike" baseline="0" dirty="0">
+                <a:latin typeface="TimesNewRomanPSMT"/>
+              </a:rPr>
+              <a:t>: Cancellazione Preiscrizione Torneo</a:t>
+            </a:r>
+          </a:p>
+          <a:p>
+            <a:pPr marL="0" indent="0" algn="l">
+              <a:buNone/>
+            </a:pPr>
+            <a:r>
+              <a:rPr lang="it-IT" sz="1800" b="0" i="0" u="none" strike="noStrike" baseline="0" dirty="0">
+                <a:latin typeface="TimesNewRomanPSMT"/>
+              </a:rPr>
+              <a:t>• </a:t>
+            </a:r>
+            <a:r>
+              <a:rPr lang="it-IT" sz="1800" b="1" i="1" u="none" strike="noStrike" baseline="0" dirty="0">
+                <a:latin typeface="TimesNewRomanPS-ItalicMT"/>
+              </a:rPr>
+              <a:t>PartitaChessClubInterface</a:t>
+            </a:r>
+          </a:p>
+          <a:p>
+            <a:pPr marL="0" indent="0" algn="l">
+              <a:buNone/>
+            </a:pPr>
+            <a:r>
+              <a:rPr lang="it-IT" sz="1800" b="0" i="0" u="none" strike="noStrike" baseline="0" dirty="0">
+                <a:latin typeface="TimesNewRomanPSMT"/>
+              </a:rPr>
+              <a:t>• </a:t>
+            </a:r>
+            <a:r>
+              <a:rPr lang="it-IT" sz="1800" b="1" i="0" u="none" strike="noStrike" baseline="0" dirty="0">
+                <a:latin typeface="TimesNewRomanPSMT"/>
+              </a:rPr>
+              <a:t>UC18</a:t>
+            </a:r>
+            <a:r>
+              <a:rPr lang="it-IT" sz="1800" b="0" i="0" u="none" strike="noStrike" baseline="0" dirty="0">
+                <a:latin typeface="TimesNewRomanPSMT"/>
+              </a:rPr>
+              <a:t>: Inserimento Punteggio Torneo</a:t>
+            </a:r>
+          </a:p>
+          <a:p>
+            <a:pPr marL="0" indent="0" algn="l">
+              <a:buNone/>
+            </a:pPr>
+            <a:r>
+              <a:rPr lang="it-IT" sz="1800" b="0" i="0" u="none" strike="noStrike" baseline="0" dirty="0">
+                <a:latin typeface="TimesNewRomanPSMT"/>
+              </a:rPr>
+              <a:t>Mentre nell’interfaccia </a:t>
+            </a:r>
+            <a:r>
+              <a:rPr lang="it-IT" sz="1800" b="1" i="1" u="none" strike="noStrike" baseline="0" dirty="0">
+                <a:latin typeface="TimesNewRomanPS-ItalicMT"/>
+              </a:rPr>
+              <a:t>TorneoChessClubInterface</a:t>
+            </a:r>
+            <a:r>
+              <a:rPr lang="it-IT" sz="1800" b="0" i="1" u="none" strike="noStrike" baseline="0" dirty="0">
+                <a:latin typeface="TimesNewRomanPS-ItalicMT"/>
+              </a:rPr>
+              <a:t> </a:t>
+            </a:r>
+            <a:r>
+              <a:rPr lang="it-IT" sz="1800" b="0" i="0" u="none" strike="noStrike" baseline="0" dirty="0">
+                <a:latin typeface="TimesNewRomanPSMT"/>
+              </a:rPr>
+              <a:t>abbiamo aggiunto dei metodi per i casi d’uso:</a:t>
+            </a:r>
+          </a:p>
+          <a:p>
+            <a:pPr marL="0" indent="0" algn="l">
+              <a:buNone/>
+            </a:pPr>
+            <a:r>
+              <a:rPr lang="it-IT" sz="1800" b="0" i="0" u="none" strike="noStrike" baseline="0" dirty="0">
+                <a:latin typeface="TimesNewRomanPSMT"/>
+              </a:rPr>
+              <a:t>• </a:t>
+            </a:r>
+            <a:r>
+              <a:rPr lang="it-IT" sz="1800" b="1" i="0" u="none" strike="noStrike" baseline="0" dirty="0">
+                <a:latin typeface="TimesNewRomanPSMT"/>
+              </a:rPr>
+              <a:t>UC19</a:t>
+            </a:r>
+            <a:r>
+              <a:rPr lang="it-IT" sz="1800" b="0" i="0" u="none" strike="noStrike" baseline="0" dirty="0">
+                <a:latin typeface="TimesNewRomanPSMT"/>
+              </a:rPr>
+              <a:t>: Generazione Turni</a:t>
+            </a:r>
+          </a:p>
+          <a:p>
+            <a:pPr marL="0" indent="0">
+              <a:buNone/>
+            </a:pPr>
+            <a:r>
+              <a:rPr lang="it-IT" sz="1800" b="0" i="0" u="none" strike="noStrike" baseline="0" dirty="0">
+                <a:latin typeface="TimesNewRomanPSMT"/>
+              </a:rPr>
+              <a:t>• </a:t>
+            </a:r>
+            <a:r>
+              <a:rPr lang="it-IT" sz="1800" b="1" i="0" u="none" strike="noStrike" baseline="0" dirty="0">
+                <a:latin typeface="TimesNewRomanPSMT"/>
+              </a:rPr>
+              <a:t>UCY</a:t>
+            </a:r>
+            <a:r>
+              <a:rPr lang="it-IT" sz="1800" b="0" i="0" u="none" strike="noStrike" baseline="0" dirty="0">
+                <a:latin typeface="TimesNewRomanPSMT"/>
+              </a:rPr>
+              <a:t>: Generazione Classifica</a:t>
+            </a:r>
+            <a:endParaRPr lang="it-IT" dirty="0"/>
           </a:p>
         </p:txBody>
       </p:sp>
     </p:spTree>
     <p:extLst>
       <p:ext uri="{BB962C8B-B14F-4D97-AF65-F5344CB8AC3E}">
-        <p14:creationId xmlns:p14="http://schemas.microsoft.com/office/powerpoint/2010/main" val="2115169419"/>
+        <p14:creationId xmlns:p14="http://schemas.microsoft.com/office/powerpoint/2010/main" val="939680035"/>
       </p:ext>
     </p:extLst>
   </p:cSld>
@@ -4627,7 +4595,7 @@
           <p:cNvPr id="2" name="Titolo 1">
             <a:extLst>
               <a:ext uri="{FF2B5EF4-FFF2-40B4-BE49-F238E27FC236}">
-                <a16:creationId xmlns:a16="http://schemas.microsoft.com/office/drawing/2014/main" id="{7C003F53-9739-D3EF-0195-58902F8C9D85}"/>
+                <a16:creationId xmlns:a16="http://schemas.microsoft.com/office/drawing/2014/main" id="{CCA9F17B-BBD7-C9CD-943B-BD64C4BA482A}"/>
               </a:ext>
             </a:extLst>
           </p:cNvPr>
@@ -4640,221 +4608,180 @@
         </p:nvSpPr>
         <p:spPr>
           <a:xfrm>
-            <a:off x="838200" y="238294"/>
-            <a:ext cx="10515600" cy="584786"/>
+            <a:off x="3081779" y="172186"/>
+            <a:ext cx="10515600" cy="1388993"/>
           </a:xfrm>
         </p:spPr>
         <p:txBody>
           <a:bodyPr>
-            <a:normAutofit fontScale="90000"/>
+            <a:normAutofit/>
           </a:bodyPr>
           <a:lstStyle/>
           <a:p>
             <a:pPr algn="ctr"/>
             <a:r>
-              <a:rPr lang="it-IT" b="1" dirty="0">
+              <a:rPr lang="it-IT" sz="3600" b="1" dirty="0">
                 <a:solidFill>
                   <a:srgbClr val="FF0000"/>
                 </a:solidFill>
                 <a:latin typeface="TimesNewRomanPSMT"/>
               </a:rPr>
-              <a:t>Iterazione 2:</a:t>
-            </a:r>
-          </a:p>
-        </p:txBody>
-      </p:sp>
-      <p:sp>
-        <p:nvSpPr>
-          <p:cNvPr id="3" name="Segnaposto contenuto 2">
-            <a:extLst>
-              <a:ext uri="{FF2B5EF4-FFF2-40B4-BE49-F238E27FC236}">
-                <a16:creationId xmlns:a16="http://schemas.microsoft.com/office/drawing/2014/main" id="{C7254982-48DC-0B30-28BA-B7CF50FA9DD0}"/>
-              </a:ext>
-            </a:extLst>
-          </p:cNvPr>
-          <p:cNvSpPr>
-            <a:spLocks noGrp="1"/>
-          </p:cNvSpPr>
-          <p:nvPr>
-            <p:ph idx="1"/>
-          </p:nvPr>
-        </p:nvSpPr>
-        <p:spPr>
-          <a:xfrm>
-            <a:off x="865659" y="1504376"/>
-            <a:ext cx="10515600" cy="4351338"/>
-          </a:xfrm>
-        </p:spPr>
-        <p:txBody>
-          <a:bodyPr/>
-          <a:lstStyle/>
-          <a:p>
-            <a:pPr marL="0" indent="0" algn="l">
-              <a:buNone/>
-            </a:pPr>
-            <a:r>
-              <a:rPr lang="it-IT" sz="1800" b="0" i="0" u="none" strike="noStrike" baseline="0" dirty="0">
-                <a:latin typeface="TimesNewRomanPSMT"/>
-              </a:rPr>
-              <a:t>Abbiamo scelto di implementare i seguenti casi d’uso:</a:t>
-            </a:r>
-          </a:p>
-          <a:p>
-            <a:pPr marL="0" indent="0" algn="l">
-              <a:buNone/>
-            </a:pPr>
-            <a:r>
-              <a:rPr lang="it-IT" sz="1800" b="0" i="0" u="none" strike="noStrike" baseline="0" dirty="0">
-                <a:latin typeface="TimesNewRomanPSMT"/>
-              </a:rPr>
-              <a:t>• Gestione torneo</a:t>
-            </a:r>
-          </a:p>
-          <a:p>
-            <a:pPr marL="0" indent="0" algn="l">
-              <a:buNone/>
-            </a:pPr>
-            <a:r>
-              <a:rPr lang="it-IT" sz="1800" b="1" i="0" u="none" strike="noStrike" baseline="0" dirty="0">
-                <a:latin typeface="TimesNewRomanPS-BoldMT"/>
-              </a:rPr>
-              <a:t>– UC5</a:t>
-            </a:r>
-            <a:r>
-              <a:rPr lang="it-IT" sz="1800" b="0" i="0" u="none" strike="noStrike" baseline="0" dirty="0">
-                <a:latin typeface="TimesNewRomanPSMT"/>
-              </a:rPr>
-              <a:t>: Preiscrizione Torneo</a:t>
-            </a:r>
-          </a:p>
-          <a:p>
-            <a:pPr marL="0" indent="0" algn="l">
-              <a:buNone/>
-            </a:pPr>
-            <a:r>
-              <a:rPr lang="it-IT" sz="1800" b="1" i="0" u="none" strike="noStrike" baseline="0" dirty="0">
-                <a:latin typeface="TimesNewRomanPS-BoldMT"/>
-              </a:rPr>
-              <a:t>– UC6</a:t>
-            </a:r>
-            <a:r>
-              <a:rPr lang="it-IT" sz="1800" b="0" i="0" u="none" strike="noStrike" baseline="0" dirty="0">
-                <a:latin typeface="TimesNewRomanPSMT"/>
-              </a:rPr>
-              <a:t>: Cancellazione Preiscrizione</a:t>
-            </a:r>
-          </a:p>
-          <a:p>
-            <a:pPr marL="0" indent="0" algn="l">
-              <a:buNone/>
-            </a:pPr>
-            <a:r>
-              <a:rPr lang="it-IT" sz="1800" b="1" i="0" u="none" strike="noStrike" baseline="0" dirty="0">
-                <a:latin typeface="TimesNewRomanPS-BoldMT"/>
-              </a:rPr>
-              <a:t>– UC18</a:t>
-            </a:r>
-            <a:r>
-              <a:rPr lang="it-IT" sz="1800" b="0" i="0" u="none" strike="noStrike" baseline="0" dirty="0">
-                <a:latin typeface="TimesNewRomanPSMT"/>
-              </a:rPr>
-              <a:t>: Inserimento punteggio torneo</a:t>
-            </a:r>
-          </a:p>
-          <a:p>
-            <a:pPr marL="0" indent="0" algn="l">
-              <a:buNone/>
-            </a:pPr>
-            <a:r>
-              <a:rPr lang="it-IT" sz="1800" b="1" i="0" u="none" strike="noStrike" baseline="0" dirty="0">
-                <a:latin typeface="TimesNewRomanPS-BoldMT"/>
-              </a:rPr>
-              <a:t>– UC19</a:t>
-            </a:r>
-            <a:r>
-              <a:rPr lang="it-IT" sz="1800" b="0" i="0" u="none" strike="noStrike" baseline="0" dirty="0">
-                <a:latin typeface="TimesNewRomanPSMT"/>
-              </a:rPr>
-              <a:t>: Generazione turni torneo</a:t>
-            </a:r>
-          </a:p>
-          <a:p>
-            <a:pPr marL="0" indent="0" algn="l">
-              <a:buNone/>
-            </a:pPr>
-            <a:r>
-              <a:rPr lang="it-IT" sz="1800" b="1" i="0" u="none" strike="noStrike" baseline="0" dirty="0">
-                <a:latin typeface="TimesNewRomanPS-BoldMT"/>
-              </a:rPr>
-              <a:t>– UCY</a:t>
-            </a:r>
-            <a:r>
-              <a:rPr lang="it-IT" sz="1800" b="0" i="0" u="none" strike="noStrike" baseline="0" dirty="0">
-                <a:latin typeface="TimesNewRomanPSMT"/>
-              </a:rPr>
-              <a:t>: Generazione classifica</a:t>
-            </a:r>
-          </a:p>
-          <a:p>
-            <a:pPr marL="0" indent="0" algn="l">
-              <a:buNone/>
-            </a:pPr>
-            <a:r>
-              <a:rPr lang="it-IT" sz="1800" dirty="0">
-                <a:latin typeface="TimesNewRomanPSMT"/>
-              </a:rPr>
-              <a:t>N</a:t>
-            </a:r>
-            <a:r>
-              <a:rPr lang="it-IT" sz="1800" b="0" i="0" u="none" strike="noStrike" baseline="0" dirty="0">
-                <a:latin typeface="TimesNewRomanPSMT"/>
-              </a:rPr>
-              <a:t>ei casi d’uso </a:t>
-            </a:r>
-            <a:r>
-              <a:rPr lang="it-IT" sz="1800" b="1" i="0" u="none" strike="noStrike" baseline="0" dirty="0">
-                <a:latin typeface="TimesNewRomanPS-BoldMT"/>
-              </a:rPr>
-              <a:t>UC19 </a:t>
-            </a:r>
-            <a:r>
-              <a:rPr lang="it-IT" sz="1800" b="0" i="0" u="none" strike="noStrike" baseline="0" dirty="0">
-                <a:latin typeface="TimesNewRomanPSMT"/>
-              </a:rPr>
-              <a:t>e </a:t>
-            </a:r>
-            <a:r>
-              <a:rPr lang="it-IT" sz="1800" b="1" i="0" u="none" strike="noStrike" baseline="0" dirty="0">
-                <a:latin typeface="TimesNewRomanPS-BoldMT"/>
-              </a:rPr>
-              <a:t>UCY </a:t>
-            </a:r>
-            <a:r>
-              <a:rPr lang="it-IT" sz="1800" b="0" i="0" u="none" strike="noStrike" baseline="0" dirty="0">
-                <a:latin typeface="TimesNewRomanPSMT"/>
-              </a:rPr>
-              <a:t>è stato utilizzato l’algoritmo di ordinamento </a:t>
-            </a:r>
-            <a:r>
-              <a:rPr lang="it-IT" sz="1800" b="1" i="1" u="none" strike="noStrike" baseline="0" dirty="0">
-                <a:latin typeface="TimesNewRomanPS-ItalicMT"/>
-              </a:rPr>
-              <a:t>MergeSort</a:t>
-            </a:r>
-            <a:r>
-              <a:rPr lang="it-IT" sz="1800" b="0" i="0" u="none" strike="noStrike" baseline="0" dirty="0">
-                <a:latin typeface="TimesNewRomanPSMT"/>
-              </a:rPr>
-              <a:t>.</a:t>
-            </a:r>
-            <a:endParaRPr lang="it-IT" dirty="0"/>
-          </a:p>
-        </p:txBody>
-      </p:sp>
+              <a:t>Algoritmo di Ordinamento:</a:t>
+            </a:r>
+            <a:br>
+              <a:rPr lang="it-IT" sz="3600" b="1" dirty="0">
+                <a:solidFill>
+                  <a:srgbClr val="FF0000"/>
+                </a:solidFill>
+                <a:latin typeface="TimesNewRomanPSMT"/>
+              </a:rPr>
+            </a:br>
+            <a:r>
+              <a:rPr lang="it-IT" sz="3600" b="1" dirty="0">
+                <a:solidFill>
+                  <a:srgbClr val="FF0000"/>
+                </a:solidFill>
+                <a:latin typeface="TimesNewRomanPSMT"/>
+              </a:rPr>
+              <a:t>Mergesort</a:t>
+            </a:r>
+            <a:r>
+              <a:rPr lang="it-IT" sz="3600" b="1" dirty="0">
+                <a:solidFill>
+                  <a:srgbClr val="FF0000"/>
+                </a:solidFill>
+                <a:latin typeface="TimesNewRomanPSMT"/>
+                <a:ea typeface="Cambria Math" panose="02040503050406030204" pitchFamily="18" charset="0"/>
+              </a:rPr>
+              <a:t>→Generazione Turno</a:t>
+            </a:r>
+            <a:endParaRPr lang="it-IT" sz="3600" b="1" dirty="0">
+              <a:solidFill>
+                <a:srgbClr val="FF0000"/>
+              </a:solidFill>
+              <a:latin typeface="TimesNewRomanPSMT"/>
+            </a:endParaRPr>
+          </a:p>
+        </p:txBody>
+      </p:sp>
+      <p:pic>
+        <p:nvPicPr>
+          <p:cNvPr id="14" name="Immagine 13" descr="Immagine che contiene diagramma, testo, schizzo, disegno">
+            <a:extLst>
+              <a:ext uri="{FF2B5EF4-FFF2-40B4-BE49-F238E27FC236}">
+                <a16:creationId xmlns:a16="http://schemas.microsoft.com/office/drawing/2014/main" id="{A27C8638-472B-DC55-AF99-165A0F0B5BB0}"/>
+              </a:ext>
+            </a:extLst>
+          </p:cNvPr>
+          <p:cNvPicPr>
+            <a:picLocks noChangeAspect="1"/>
+          </p:cNvPicPr>
+          <p:nvPr/>
+        </p:nvPicPr>
+        <p:blipFill>
+          <a:blip r:embed="rId2">
+            <a:extLst>
+              <a:ext uri="{28A0092B-C50C-407E-A947-70E740481C1C}">
+                <a14:useLocalDpi xmlns:a14="http://schemas.microsoft.com/office/drawing/2010/main" val="0"/>
+              </a:ext>
+            </a:extLst>
+          </a:blip>
+          <a:stretch>
+            <a:fillRect/>
+          </a:stretch>
+        </p:blipFill>
+        <p:spPr>
+          <a:xfrm>
+            <a:off x="122548" y="843699"/>
+            <a:ext cx="4506800" cy="6014301"/>
+          </a:xfrm>
+          <a:prstGeom prst="rect">
+            <a:avLst/>
+          </a:prstGeom>
+        </p:spPr>
+      </p:pic>
+      <p:pic>
+        <p:nvPicPr>
+          <p:cNvPr id="16" name="Immagine 15" descr="Immagine che contiene testo, diagramma, schermata, Piano">
+            <a:extLst>
+              <a:ext uri="{FF2B5EF4-FFF2-40B4-BE49-F238E27FC236}">
+                <a16:creationId xmlns:a16="http://schemas.microsoft.com/office/drawing/2014/main" id="{924B6480-8E8B-3452-163F-1610BAA5ABD2}"/>
+              </a:ext>
+            </a:extLst>
+          </p:cNvPr>
+          <p:cNvPicPr>
+            <a:picLocks noChangeAspect="1"/>
+          </p:cNvPicPr>
+          <p:nvPr/>
+        </p:nvPicPr>
+        <p:blipFill>
+          <a:blip r:embed="rId3">
+            <a:extLst>
+              <a:ext uri="{28A0092B-C50C-407E-A947-70E740481C1C}">
+                <a14:useLocalDpi xmlns:a14="http://schemas.microsoft.com/office/drawing/2010/main" val="0"/>
+              </a:ext>
+            </a:extLst>
+          </a:blip>
+          <a:stretch>
+            <a:fillRect/>
+          </a:stretch>
+        </p:blipFill>
+        <p:spPr>
+          <a:xfrm>
+            <a:off x="7083675" y="1931664"/>
+            <a:ext cx="4985777" cy="4754150"/>
+          </a:xfrm>
+          <a:prstGeom prst="rect">
+            <a:avLst/>
+          </a:prstGeom>
+        </p:spPr>
+      </p:pic>
+      <p:cxnSp>
+        <p:nvCxnSpPr>
+          <p:cNvPr id="19" name="Connettore 2 18">
+            <a:extLst>
+              <a:ext uri="{FF2B5EF4-FFF2-40B4-BE49-F238E27FC236}">
+                <a16:creationId xmlns:a16="http://schemas.microsoft.com/office/drawing/2014/main" id="{55185AF6-C066-8DBC-E231-7DAB35CD591F}"/>
+              </a:ext>
+            </a:extLst>
+          </p:cNvPr>
+          <p:cNvCxnSpPr/>
+          <p:nvPr/>
+        </p:nvCxnSpPr>
+        <p:spPr>
+          <a:xfrm>
+            <a:off x="4629348" y="3987538"/>
+            <a:ext cx="2120244" cy="0"/>
+          </a:xfrm>
+          <a:prstGeom prst="straightConnector1">
+            <a:avLst/>
+          </a:prstGeom>
+          <a:ln w="76200">
+            <a:solidFill>
+              <a:srgbClr val="FF0000"/>
+            </a:solidFill>
+            <a:tailEnd type="triangle"/>
+          </a:ln>
+        </p:spPr>
+        <p:style>
+          <a:lnRef idx="3">
+            <a:schemeClr val="accent6"/>
+          </a:lnRef>
+          <a:fillRef idx="0">
+            <a:schemeClr val="accent6"/>
+          </a:fillRef>
+          <a:effectRef idx="2">
+            <a:schemeClr val="accent6"/>
+          </a:effectRef>
+          <a:fontRef idx="minor">
+            <a:schemeClr val="tx1"/>
+          </a:fontRef>
+        </p:style>
+      </p:cxnSp>
     </p:spTree>
     <p:extLst>
       <p:ext uri="{BB962C8B-B14F-4D97-AF65-F5344CB8AC3E}">
-        <p14:creationId xmlns:p14="http://schemas.microsoft.com/office/powerpoint/2010/main" val="624419585"/>
+        <p14:creationId xmlns:p14="http://schemas.microsoft.com/office/powerpoint/2010/main" val="2429292942"/>
       </p:ext>
     </p:extLst>
   </p:cSld>
@@ -4886,7 +4813,7 @@
           <p:cNvPr id="2" name="Titolo 1">
             <a:extLst>
               <a:ext uri="{FF2B5EF4-FFF2-40B4-BE49-F238E27FC236}">
-                <a16:creationId xmlns:a16="http://schemas.microsoft.com/office/drawing/2014/main" id="{05C5DAA0-9E12-6D07-DF2C-896E93A613D7}"/>
+                <a16:creationId xmlns:a16="http://schemas.microsoft.com/office/drawing/2014/main" id="{F1E9A920-F50C-9359-E8D1-EE3AEB3222F9}"/>
               </a:ext>
             </a:extLst>
           </p:cNvPr>
@@ -4899,251 +4826,175 @@
         </p:nvSpPr>
         <p:spPr>
           <a:xfrm>
-            <a:off x="838200" y="125429"/>
-            <a:ext cx="10515600" cy="460498"/>
+            <a:off x="838200" y="0"/>
+            <a:ext cx="10515600" cy="1325563"/>
           </a:xfrm>
         </p:spPr>
         <p:txBody>
           <a:bodyPr>
-            <a:normAutofit fontScale="90000"/>
+            <a:normAutofit/>
           </a:bodyPr>
           <a:lstStyle/>
           <a:p>
             <a:pPr algn="ctr"/>
             <a:r>
-              <a:rPr lang="it-IT" sz="3600" b="1" i="0" u="none" strike="noStrike" baseline="0" dirty="0">
+              <a:rPr lang="it-IT" sz="3600" b="1" dirty="0">
                 <a:solidFill>
                   <a:srgbClr val="FF0000"/>
                 </a:solidFill>
-                <a:latin typeface="TimesNewRomanPS-BoldMT"/>
-              </a:rPr>
-              <a:t>UML Component Diagram:</a:t>
+                <a:latin typeface="TimesNewRomanPSMT"/>
+              </a:rPr>
+              <a:t>Algoritmo di Ordinamento:</a:t>
+            </a:r>
+            <a:br>
+              <a:rPr lang="it-IT" sz="3600" b="1" dirty="0">
+                <a:solidFill>
+                  <a:srgbClr val="FF0000"/>
+                </a:solidFill>
+                <a:latin typeface="TimesNewRomanPSMT"/>
+              </a:rPr>
+            </a:br>
+            <a:r>
+              <a:rPr lang="it-IT" sz="3600" b="1" dirty="0">
+                <a:solidFill>
+                  <a:srgbClr val="FF0000"/>
+                </a:solidFill>
+                <a:latin typeface="TimesNewRomanPSMT"/>
+              </a:rPr>
+              <a:t>Mergesort</a:t>
+            </a:r>
+            <a:r>
+              <a:rPr lang="it-IT" sz="3600" b="1" dirty="0">
+                <a:solidFill>
+                  <a:srgbClr val="FF0000"/>
+                </a:solidFill>
+                <a:latin typeface="TimesNewRomanPSMT"/>
+                <a:ea typeface="Cambria Math" panose="02040503050406030204" pitchFamily="18" charset="0"/>
+              </a:rPr>
+              <a:t>→Classifica</a:t>
             </a:r>
             <a:endParaRPr lang="it-IT" sz="3600" dirty="0"/>
           </a:p>
         </p:txBody>
       </p:sp>
-      <p:sp>
-        <p:nvSpPr>
-          <p:cNvPr id="3" name="Segnaposto contenuto 2">
-            <a:extLst>
-              <a:ext uri="{FF2B5EF4-FFF2-40B4-BE49-F238E27FC236}">
-                <a16:creationId xmlns:a16="http://schemas.microsoft.com/office/drawing/2014/main" id="{23D874F4-B21F-E175-0DA2-B86B266C115E}"/>
-              </a:ext>
-            </a:extLst>
-          </p:cNvPr>
-          <p:cNvSpPr>
-            <a:spLocks noGrp="1"/>
-          </p:cNvSpPr>
-          <p:nvPr>
-            <p:ph idx="1"/>
-          </p:nvPr>
-        </p:nvSpPr>
-        <p:spPr>
-          <a:xfrm>
-            <a:off x="711900" y="1348243"/>
-            <a:ext cx="10515600" cy="4351338"/>
-          </a:xfrm>
-        </p:spPr>
-        <p:txBody>
-          <a:bodyPr/>
-          <a:lstStyle/>
-          <a:p>
-            <a:pPr marL="0" indent="0" algn="l">
-              <a:buNone/>
-            </a:pPr>
-            <a:r>
-              <a:rPr lang="it-IT" sz="1800" b="0" i="0" u="none" strike="noStrike" baseline="0" dirty="0">
-                <a:latin typeface="TimesNewRomanPSMT"/>
-              </a:rPr>
-              <a:t>I casi d’uso sono stati mappati in metodi resi disponibili dalle seguenti interfacce, nello specifico vediamo le nuove interfacce:</a:t>
-            </a:r>
-          </a:p>
-          <a:p>
-            <a:pPr marL="0" indent="0" algn="l">
-              <a:buNone/>
-            </a:pPr>
-            <a:r>
-              <a:rPr lang="it-IT" sz="1800" b="0" i="0" u="none" strike="noStrike" baseline="0" dirty="0">
-                <a:latin typeface="TimesNewRomanPSMT"/>
-              </a:rPr>
-              <a:t>• </a:t>
-            </a:r>
-            <a:r>
-              <a:rPr lang="it-IT" sz="1800" b="1" i="1" u="none" strike="noStrike" baseline="0" dirty="0">
-                <a:latin typeface="TimesNewRomanPS-ItalicMT"/>
-              </a:rPr>
-              <a:t>IscrizioneChessClubInterface</a:t>
-            </a:r>
-          </a:p>
-          <a:p>
-            <a:pPr marL="0" indent="0" algn="l">
-              <a:buNone/>
-            </a:pPr>
-            <a:r>
-              <a:rPr lang="it-IT" sz="1800" b="1" i="0" u="none" strike="noStrike" baseline="0" dirty="0">
-                <a:latin typeface="TimesNewRomanPS-BoldMT"/>
-              </a:rPr>
-              <a:t>– </a:t>
-            </a:r>
-            <a:r>
-              <a:rPr lang="it-IT" sz="1800" b="1" i="0" u="none" strike="noStrike" baseline="0" dirty="0">
-                <a:latin typeface="TimesNewRomanPSMT"/>
-              </a:rPr>
-              <a:t>UC5</a:t>
-            </a:r>
-            <a:r>
-              <a:rPr lang="it-IT" sz="1800" b="0" i="0" u="none" strike="noStrike" baseline="0" dirty="0">
-                <a:latin typeface="TimesNewRomanPSMT"/>
-              </a:rPr>
-              <a:t>: Preiscrizione Torneo</a:t>
-            </a:r>
-          </a:p>
-          <a:p>
-            <a:pPr marL="0" indent="0" algn="l">
-              <a:buNone/>
-            </a:pPr>
-            <a:r>
-              <a:rPr lang="it-IT" sz="1800" b="1" i="0" u="none" strike="noStrike" baseline="0" dirty="0">
-                <a:latin typeface="TimesNewRomanPS-BoldMT"/>
-              </a:rPr>
-              <a:t>– </a:t>
-            </a:r>
-            <a:r>
-              <a:rPr lang="it-IT" sz="1800" b="1" i="0" u="none" strike="noStrike" baseline="0" dirty="0">
-                <a:latin typeface="TimesNewRomanPSMT"/>
-              </a:rPr>
-              <a:t>UC6</a:t>
-            </a:r>
-            <a:r>
-              <a:rPr lang="it-IT" sz="1800" b="0" i="0" u="none" strike="noStrike" baseline="0" dirty="0">
-                <a:latin typeface="TimesNewRomanPSMT"/>
-              </a:rPr>
-              <a:t>: Cancellazione Preiscrizione Torneo</a:t>
-            </a:r>
-          </a:p>
-          <a:p>
-            <a:pPr marL="0" indent="0" algn="l">
-              <a:buNone/>
-            </a:pPr>
-            <a:r>
-              <a:rPr lang="it-IT" sz="1800" b="0" i="0" u="none" strike="noStrike" baseline="0" dirty="0">
-                <a:latin typeface="TimesNewRomanPSMT"/>
-              </a:rPr>
-              <a:t>• </a:t>
-            </a:r>
-            <a:r>
-              <a:rPr lang="it-IT" sz="1800" b="1" i="1" u="none" strike="noStrike" baseline="0" dirty="0">
-                <a:latin typeface="TimesNewRomanPS-ItalicMT"/>
-              </a:rPr>
-              <a:t>PartitaChessClubInterface</a:t>
-            </a:r>
-          </a:p>
-          <a:p>
-            <a:pPr marL="0" indent="0" algn="l">
-              <a:buNone/>
-            </a:pPr>
-            <a:r>
-              <a:rPr lang="it-IT" sz="1800" b="0" i="0" u="none" strike="noStrike" baseline="0" dirty="0">
-                <a:latin typeface="TimesNewRomanPSMT"/>
-              </a:rPr>
-              <a:t>• </a:t>
-            </a:r>
-            <a:r>
-              <a:rPr lang="it-IT" sz="1800" b="1" i="0" u="none" strike="noStrike" baseline="0" dirty="0">
-                <a:latin typeface="TimesNewRomanPSMT"/>
-              </a:rPr>
-              <a:t>UC18</a:t>
-            </a:r>
-            <a:r>
-              <a:rPr lang="it-IT" sz="1800" b="0" i="0" u="none" strike="noStrike" baseline="0" dirty="0">
-                <a:latin typeface="TimesNewRomanPSMT"/>
-              </a:rPr>
-              <a:t>: Inserimento Punteggio Torneo</a:t>
-            </a:r>
-          </a:p>
-          <a:p>
-            <a:pPr marL="0" indent="0" algn="l">
-              <a:buNone/>
-            </a:pPr>
-            <a:r>
-              <a:rPr lang="it-IT" sz="1800" b="0" i="0" u="none" strike="noStrike" baseline="0" dirty="0">
-                <a:latin typeface="TimesNewRomanPSMT"/>
-              </a:rPr>
-              <a:t>Mentre nell’interfaccia </a:t>
-            </a:r>
-            <a:r>
-              <a:rPr lang="it-IT" sz="1800" b="1" i="1" u="none" strike="noStrike" baseline="0" dirty="0">
-                <a:latin typeface="TimesNewRomanPS-ItalicMT"/>
-              </a:rPr>
-              <a:t>TorneoChessClubInterface</a:t>
-            </a:r>
-            <a:r>
-              <a:rPr lang="it-IT" sz="1800" b="0" i="1" u="none" strike="noStrike" baseline="0" dirty="0">
-                <a:latin typeface="TimesNewRomanPS-ItalicMT"/>
-              </a:rPr>
-              <a:t> </a:t>
-            </a:r>
-            <a:r>
-              <a:rPr lang="it-IT" sz="1800" b="0" i="0" u="none" strike="noStrike" baseline="0" dirty="0">
-                <a:latin typeface="TimesNewRomanPSMT"/>
-              </a:rPr>
-              <a:t>abbiamo aggiunto dei metodi per i casi d’uso:</a:t>
-            </a:r>
-          </a:p>
-          <a:p>
-            <a:pPr marL="0" indent="0" algn="l">
-              <a:buNone/>
-            </a:pPr>
-            <a:r>
-              <a:rPr lang="it-IT" sz="1800" b="0" i="0" u="none" strike="noStrike" baseline="0" dirty="0">
-                <a:latin typeface="TimesNewRomanPSMT"/>
-              </a:rPr>
-              <a:t>• </a:t>
-            </a:r>
-            <a:r>
-              <a:rPr lang="it-IT" sz="1800" b="1" i="0" u="none" strike="noStrike" baseline="0" dirty="0">
-                <a:latin typeface="TimesNewRomanPSMT"/>
-              </a:rPr>
-              <a:t>UC19</a:t>
-            </a:r>
-            <a:r>
-              <a:rPr lang="it-IT" sz="1800" b="0" i="0" u="none" strike="noStrike" baseline="0" dirty="0">
-                <a:latin typeface="TimesNewRomanPSMT"/>
-              </a:rPr>
-              <a:t>: Generazione Turni</a:t>
-            </a:r>
-          </a:p>
-          <a:p>
-            <a:pPr marL="0" indent="0">
-              <a:buNone/>
-            </a:pPr>
-            <a:r>
-              <a:rPr lang="it-IT" sz="1800" b="0" i="0" u="none" strike="noStrike" baseline="0" dirty="0">
-                <a:latin typeface="TimesNewRomanPSMT"/>
-              </a:rPr>
-              <a:t>• </a:t>
-            </a:r>
-            <a:r>
-              <a:rPr lang="it-IT" sz="1800" b="1" i="0" u="none" strike="noStrike" baseline="0" dirty="0">
-                <a:latin typeface="TimesNewRomanPSMT"/>
-              </a:rPr>
-              <a:t>UCY</a:t>
-            </a:r>
-            <a:r>
-              <a:rPr lang="it-IT" sz="1800" b="0" i="0" u="none" strike="noStrike" baseline="0" dirty="0">
-                <a:latin typeface="TimesNewRomanPSMT"/>
-              </a:rPr>
-              <a:t>: Generazione Classifica</a:t>
-            </a:r>
-            <a:endParaRPr lang="it-IT" dirty="0"/>
-          </a:p>
-        </p:txBody>
-      </p:sp>
+      <p:pic>
+        <p:nvPicPr>
+          <p:cNvPr id="7" name="Immagine 6" descr="Immagine che contiene testo, diagramma, schermata, design&#10;&#10;Descrizione generata automaticamente">
+            <a:extLst>
+              <a:ext uri="{FF2B5EF4-FFF2-40B4-BE49-F238E27FC236}">
+                <a16:creationId xmlns:a16="http://schemas.microsoft.com/office/drawing/2014/main" id="{65CA7538-EA49-D9E7-573D-6C09C8089110}"/>
+              </a:ext>
+            </a:extLst>
+          </p:cNvPr>
+          <p:cNvPicPr>
+            <a:picLocks noChangeAspect="1"/>
+          </p:cNvPicPr>
+          <p:nvPr/>
+        </p:nvPicPr>
+        <p:blipFill>
+          <a:blip r:embed="rId2">
+            <a:extLst>
+              <a:ext uri="{28A0092B-C50C-407E-A947-70E740481C1C}">
+                <a14:useLocalDpi xmlns:a14="http://schemas.microsoft.com/office/drawing/2010/main" val="0"/>
+              </a:ext>
+            </a:extLst>
+          </a:blip>
+          <a:stretch>
+            <a:fillRect/>
+          </a:stretch>
+        </p:blipFill>
+        <p:spPr>
+          <a:xfrm>
+            <a:off x="1241550" y="1125537"/>
+            <a:ext cx="3559049" cy="5682881"/>
+          </a:xfrm>
+          <a:prstGeom prst="rect">
+            <a:avLst/>
+          </a:prstGeom>
+        </p:spPr>
+      </p:pic>
+      <p:pic>
+        <p:nvPicPr>
+          <p:cNvPr id="9" name="Immagine 8" descr="Immagine che contiene testo, diagramma, schermata, design&#10;&#10;Descrizione generata automaticamente">
+            <a:extLst>
+              <a:ext uri="{FF2B5EF4-FFF2-40B4-BE49-F238E27FC236}">
+                <a16:creationId xmlns:a16="http://schemas.microsoft.com/office/drawing/2014/main" id="{74502DF0-F0C1-496E-88E1-F603489CDDCB}"/>
+              </a:ext>
+            </a:extLst>
+          </p:cNvPr>
+          <p:cNvPicPr>
+            <a:picLocks noChangeAspect="1"/>
+          </p:cNvPicPr>
+          <p:nvPr/>
+        </p:nvPicPr>
+        <p:blipFill>
+          <a:blip r:embed="rId3">
+            <a:extLst>
+              <a:ext uri="{28A0092B-C50C-407E-A947-70E740481C1C}">
+                <a14:useLocalDpi xmlns:a14="http://schemas.microsoft.com/office/drawing/2010/main" val="0"/>
+              </a:ext>
+            </a:extLst>
+          </a:blip>
+          <a:stretch>
+            <a:fillRect/>
+          </a:stretch>
+        </p:blipFill>
+        <p:spPr>
+          <a:xfrm>
+            <a:off x="7486652" y="2102014"/>
+            <a:ext cx="4467223" cy="4430831"/>
+          </a:xfrm>
+          <a:prstGeom prst="rect">
+            <a:avLst/>
+          </a:prstGeom>
+        </p:spPr>
+      </p:pic>
+      <p:cxnSp>
+        <p:nvCxnSpPr>
+          <p:cNvPr id="10" name="Connettore 2 9">
+            <a:extLst>
+              <a:ext uri="{FF2B5EF4-FFF2-40B4-BE49-F238E27FC236}">
+                <a16:creationId xmlns:a16="http://schemas.microsoft.com/office/drawing/2014/main" id="{29C7437B-D114-6B41-D33C-9592BAA8786F}"/>
+              </a:ext>
+            </a:extLst>
+          </p:cNvPr>
+          <p:cNvCxnSpPr/>
+          <p:nvPr/>
+        </p:nvCxnSpPr>
+        <p:spPr>
+          <a:xfrm>
+            <a:off x="4629348" y="3987538"/>
+            <a:ext cx="2120244" cy="0"/>
+          </a:xfrm>
+          <a:prstGeom prst="straightConnector1">
+            <a:avLst/>
+          </a:prstGeom>
+          <a:ln w="76200">
+            <a:solidFill>
+              <a:srgbClr val="FF0000"/>
+            </a:solidFill>
+            <a:tailEnd type="triangle"/>
+          </a:ln>
+        </p:spPr>
+        <p:style>
+          <a:lnRef idx="3">
+            <a:schemeClr val="accent6"/>
+          </a:lnRef>
+          <a:fillRef idx="0">
+            <a:schemeClr val="accent6"/>
+          </a:fillRef>
+          <a:effectRef idx="2">
+            <a:schemeClr val="accent6"/>
+          </a:effectRef>
+          <a:fontRef idx="minor">
+            <a:schemeClr val="tx1"/>
+          </a:fontRef>
+        </p:style>
+      </p:cxnSp>
     </p:spTree>
     <p:extLst>
       <p:ext uri="{BB962C8B-B14F-4D97-AF65-F5344CB8AC3E}">
-        <p14:creationId xmlns:p14="http://schemas.microsoft.com/office/powerpoint/2010/main" val="939680035"/>
+        <p14:creationId xmlns:p14="http://schemas.microsoft.com/office/powerpoint/2010/main" val="3483509069"/>
       </p:ext>
     </p:extLst>
   </p:cSld>
@@ -5175,7 +5026,7 @@
           <p:cNvPr id="2" name="Titolo 1">
             <a:extLst>
               <a:ext uri="{FF2B5EF4-FFF2-40B4-BE49-F238E27FC236}">
-                <a16:creationId xmlns:a16="http://schemas.microsoft.com/office/drawing/2014/main" id="{CCA9F17B-BBD7-C9CD-943B-BD64C4BA482A}"/>
+                <a16:creationId xmlns:a16="http://schemas.microsoft.com/office/drawing/2014/main" id="{43506392-6955-FB06-C135-9CCB8E31D34D}"/>
               </a:ext>
             </a:extLst>
           </p:cNvPr>
@@ -5188,68 +5039,41 @@
         </p:nvSpPr>
         <p:spPr>
           <a:xfrm>
-            <a:off x="3081779" y="172186"/>
-            <a:ext cx="10515600" cy="1388993"/>
+            <a:off x="838200" y="365126"/>
+            <a:ext cx="10515600" cy="629174"/>
           </a:xfrm>
         </p:spPr>
         <p:txBody>
           <a:bodyPr>
-            <a:normAutofit/>
+            <a:normAutofit fontScale="90000"/>
           </a:bodyPr>
           <a:lstStyle/>
           <a:p>
             <a:pPr algn="ctr"/>
             <a:r>
-              <a:rPr lang="it-IT" sz="3600" b="1" dirty="0">
+              <a:rPr lang="it-IT" b="1">
                 <a:solidFill>
                   <a:srgbClr val="FF0000"/>
                 </a:solidFill>
-                <a:latin typeface="TimesNewRomanPSMT"/>
-              </a:rPr>
-              <a:t>Algoritmo di Ordinamento:</a:t>
-            </a:r>
-            <a:br>
-              <a:rPr lang="it-IT" sz="3600" b="1" dirty="0">
-                <a:solidFill>
-                  <a:srgbClr val="FF0000"/>
-                </a:solidFill>
-                <a:latin typeface="TimesNewRomanPSMT"/>
-              </a:rPr>
-            </a:br>
-            <a:r>
-              <a:rPr lang="it-IT" sz="3600" b="1" dirty="0">
-                <a:solidFill>
-                  <a:srgbClr val="FF0000"/>
-                </a:solidFill>
-                <a:latin typeface="TimesNewRomanPSMT"/>
-              </a:rPr>
-              <a:t>Mergesort</a:t>
-            </a:r>
-            <a:r>
-              <a:rPr lang="it-IT" sz="3600" b="1" dirty="0">
-                <a:solidFill>
-                  <a:srgbClr val="FF0000"/>
-                </a:solidFill>
-                <a:latin typeface="TimesNewRomanPSMT"/>
-                <a:ea typeface="Cambria Math" panose="02040503050406030204" pitchFamily="18" charset="0"/>
-              </a:rPr>
-              <a:t>→Generazione Turno</a:t>
-            </a:r>
-            <a:endParaRPr lang="it-IT" sz="3600" b="1" dirty="0">
+                <a:latin typeface="TimesNewRomanPS-BoldMT"/>
+              </a:rPr>
+              <a:t>Test dell’app:</a:t>
+            </a:r>
+            <a:endParaRPr lang="it-IT" b="1" dirty="0">
               <a:solidFill>
                 <a:srgbClr val="FF0000"/>
               </a:solidFill>
-              <a:latin typeface="TimesNewRomanPSMT"/>
+              <a:latin typeface="TimesNewRomanPS-BoldMT"/>
             </a:endParaRPr>
           </a:p>
         </p:txBody>
       </p:sp>
       <p:pic>
         <p:nvPicPr>
-          <p:cNvPr id="14" name="Immagine 13" descr="Immagine che contiene diagramma, testo, schizzo, disegno">
-            <a:extLst>
-              <a:ext uri="{FF2B5EF4-FFF2-40B4-BE49-F238E27FC236}">
-                <a16:creationId xmlns:a16="http://schemas.microsoft.com/office/drawing/2014/main" id="{A27C8638-472B-DC55-AF99-165A0F0B5BB0}"/>
+          <p:cNvPr id="4" name="Immagine 3" descr="Immagine che contiene testo, Cellulare, schermata, gadget&#10;&#10;Descrizione generata automaticamente">
+            <a:extLst>
+              <a:ext uri="{FF2B5EF4-FFF2-40B4-BE49-F238E27FC236}">
+                <a16:creationId xmlns:a16="http://schemas.microsoft.com/office/drawing/2014/main" id="{30EE84A0-6025-04C8-80E1-F4EB40CB7A85}"/>
               </a:ext>
             </a:extLst>
           </p:cNvPr>
@@ -5272,8 +5096,8 @@
         </p:blipFill>
         <p:spPr>
           <a:xfrm>
-            <a:off x="122548" y="843699"/>
-            <a:ext cx="4506800" cy="6014301"/>
+            <a:off x="8703663" y="913306"/>
+            <a:ext cx="2705334" cy="5532599"/>
           </a:xfrm>
           <a:prstGeom prst="rect">
             <a:avLst/>
@@ -5282,10 +5106,10 @@
       </p:pic>
       <p:pic>
         <p:nvPicPr>
-          <p:cNvPr id="16" name="Immagine 15" descr="Immagine che contiene testo, diagramma, schermata, Piano">
-            <a:extLst>
-              <a:ext uri="{FF2B5EF4-FFF2-40B4-BE49-F238E27FC236}">
-                <a16:creationId xmlns:a16="http://schemas.microsoft.com/office/drawing/2014/main" id="{924B6480-8E8B-3452-163F-1610BAA5ABD2}"/>
+          <p:cNvPr id="8" name="Immagine 7" descr="Immagine che contiene testo, Cellulare, schermata, gadget&#10;&#10;Descrizione generata automaticamente">
+            <a:extLst>
+              <a:ext uri="{FF2B5EF4-FFF2-40B4-BE49-F238E27FC236}">
+                <a16:creationId xmlns:a16="http://schemas.microsoft.com/office/drawing/2014/main" id="{D3FD3541-E204-BA87-A365-9C4DC8575BCA}"/>
               </a:ext>
             </a:extLst>
           </p:cNvPr>
@@ -5308,60 +5132,54 @@
         </p:blipFill>
         <p:spPr>
           <a:xfrm>
-            <a:off x="7083675" y="1931664"/>
-            <a:ext cx="4985777" cy="4754150"/>
+            <a:off x="783003" y="824690"/>
+            <a:ext cx="2629128" cy="5540220"/>
           </a:xfrm>
           <a:prstGeom prst="rect">
             <a:avLst/>
           </a:prstGeom>
         </p:spPr>
       </p:pic>
-      <p:cxnSp>
-        <p:nvCxnSpPr>
-          <p:cNvPr id="19" name="Connettore 2 18">
-            <a:extLst>
-              <a:ext uri="{FF2B5EF4-FFF2-40B4-BE49-F238E27FC236}">
-                <a16:creationId xmlns:a16="http://schemas.microsoft.com/office/drawing/2014/main" id="{55185AF6-C066-8DBC-E231-7DAB35CD591F}"/>
-              </a:ext>
-            </a:extLst>
-          </p:cNvPr>
-          <p:cNvCxnSpPr/>
+      <p:pic>
+        <p:nvPicPr>
+          <p:cNvPr id="11" name="Immagine 10" descr="Immagine che contiene testo, schermata, Carattere&#10;&#10;Descrizione generata automaticamente">
+            <a:extLst>
+              <a:ext uri="{FF2B5EF4-FFF2-40B4-BE49-F238E27FC236}">
+                <a16:creationId xmlns:a16="http://schemas.microsoft.com/office/drawing/2014/main" id="{DAA08C36-544D-B7DB-F20E-603772230FF3}"/>
+              </a:ext>
+            </a:extLst>
+          </p:cNvPr>
+          <p:cNvPicPr>
+            <a:picLocks noChangeAspect="1"/>
+          </p:cNvPicPr>
           <p:nvPr/>
-        </p:nvCxnSpPr>
-        <p:spPr>
-          <a:xfrm>
-            <a:off x="4629348" y="3987538"/>
-            <a:ext cx="2120244" cy="0"/>
-          </a:xfrm>
-          <a:prstGeom prst="straightConnector1">
+        </p:nvPicPr>
+        <p:blipFill>
+          <a:blip r:embed="rId4">
+            <a:extLst>
+              <a:ext uri="{28A0092B-C50C-407E-A947-70E740481C1C}">
+                <a14:useLocalDpi xmlns:a14="http://schemas.microsoft.com/office/drawing/2010/main" val="0"/>
+              </a:ext>
+            </a:extLst>
+          </a:blip>
+          <a:stretch>
+            <a:fillRect/>
+          </a:stretch>
+        </p:blipFill>
+        <p:spPr>
+          <a:xfrm>
+            <a:off x="4476609" y="2616401"/>
+            <a:ext cx="3238781" cy="1806097"/>
+          </a:xfrm>
+          <a:prstGeom prst="rect">
             <a:avLst/>
           </a:prstGeom>
-          <a:ln w="76200">
-            <a:solidFill>
-              <a:srgbClr val="FF0000"/>
-            </a:solidFill>
-            <a:tailEnd type="triangle"/>
-          </a:ln>
-        </p:spPr>
-        <p:style>
-          <a:lnRef idx="3">
-            <a:schemeClr val="accent6"/>
-          </a:lnRef>
-          <a:fillRef idx="0">
-            <a:schemeClr val="accent6"/>
-          </a:fillRef>
-          <a:effectRef idx="2">
-            <a:schemeClr val="accent6"/>
-          </a:effectRef>
-          <a:fontRef idx="minor">
-            <a:schemeClr val="tx1"/>
-          </a:fontRef>
-        </p:style>
-      </p:cxnSp>
+        </p:spPr>
+      </p:pic>
     </p:spTree>
     <p:extLst>
       <p:ext uri="{BB962C8B-B14F-4D97-AF65-F5344CB8AC3E}">
-        <p14:creationId xmlns:p14="http://schemas.microsoft.com/office/powerpoint/2010/main" val="2429292942"/>
+        <p14:creationId xmlns:p14="http://schemas.microsoft.com/office/powerpoint/2010/main" val="3882639188"/>
       </p:ext>
     </p:extLst>
   </p:cSld>
@@ -5598,81 +5416,12 @@
           <a:chExt cx="0" cy="0"/>
         </a:xfrm>
       </p:grpSpPr>
-      <p:sp>
-        <p:nvSpPr>
-          <p:cNvPr id="2" name="Titolo 1">
-            <a:extLst>
-              <a:ext uri="{FF2B5EF4-FFF2-40B4-BE49-F238E27FC236}">
-                <a16:creationId xmlns:a16="http://schemas.microsoft.com/office/drawing/2014/main" id="{F1E9A920-F50C-9359-E8D1-EE3AEB3222F9}"/>
-              </a:ext>
-            </a:extLst>
-          </p:cNvPr>
-          <p:cNvSpPr>
-            <a:spLocks noGrp="1"/>
-          </p:cNvSpPr>
-          <p:nvPr>
-            <p:ph type="title"/>
-          </p:nvPr>
-        </p:nvSpPr>
-        <p:spPr>
-          <a:xfrm>
-            <a:off x="838200" y="0"/>
-            <a:ext cx="10515600" cy="1325563"/>
-          </a:xfrm>
-        </p:spPr>
-        <p:txBody>
-          <a:bodyPr>
-            <a:normAutofit/>
-          </a:bodyPr>
-          <a:lstStyle/>
-          <a:p>
-            <a:pPr algn="ctr"/>
-            <a:r>
-              <a:rPr lang="it-IT" sz="3600" b="1" dirty="0">
-                <a:solidFill>
-                  <a:srgbClr val="FF0000"/>
-                </a:solidFill>
-                <a:latin typeface="TimesNewRomanPSMT"/>
-              </a:rPr>
-              <a:t>Algoritmo di Ordinamento:</a:t>
-            </a:r>
-            <a:br>
-              <a:rPr lang="it-IT" sz="3600" b="1" dirty="0">
-                <a:solidFill>
-                  <a:srgbClr val="FF0000"/>
-                </a:solidFill>
-                <a:latin typeface="TimesNewRomanPSMT"/>
-              </a:rPr>
-            </a:br>
-            <a:r>
-              <a:rPr lang="it-IT" sz="3600" b="1" dirty="0">
-                <a:solidFill>
-                  <a:srgbClr val="FF0000"/>
-                </a:solidFill>
-                <a:latin typeface="TimesNewRomanPSMT"/>
-              </a:rPr>
-              <a:t>Mergesort</a:t>
-            </a:r>
-            <a:r>
-              <a:rPr lang="it-IT" sz="3600" b="1" dirty="0">
-                <a:solidFill>
-                  <a:srgbClr val="FF0000"/>
-                </a:solidFill>
-                <a:latin typeface="TimesNewRomanPSMT"/>
-                <a:ea typeface="Cambria Math" panose="02040503050406030204" pitchFamily="18" charset="0"/>
-              </a:rPr>
-              <a:t>→Classifica</a:t>
-            </a:r>
-            <a:endParaRPr lang="it-IT" sz="3600" dirty="0"/>
-          </a:p>
-        </p:txBody>
-      </p:sp>
       <p:pic>
         <p:nvPicPr>
-          <p:cNvPr id="7" name="Immagine 6" descr="Immagine che contiene testo, diagramma, schermata, design&#10;&#10;Descrizione generata automaticamente">
-            <a:extLst>
-              <a:ext uri="{FF2B5EF4-FFF2-40B4-BE49-F238E27FC236}">
-                <a16:creationId xmlns:a16="http://schemas.microsoft.com/office/drawing/2014/main" id="{65CA7538-EA49-D9E7-573D-6C09C8089110}"/>
+          <p:cNvPr id="3" name="Immagine 2" descr="Immagine che contiene testo, Cellulare, gadget, schermata&#10;&#10;Descrizione generata automaticamente">
+            <a:extLst>
+              <a:ext uri="{FF2B5EF4-FFF2-40B4-BE49-F238E27FC236}">
+                <a16:creationId xmlns:a16="http://schemas.microsoft.com/office/drawing/2014/main" id="{07814844-2766-AE50-DB2A-9DAA357B4860}"/>
               </a:ext>
             </a:extLst>
           </p:cNvPr>
@@ -5695,8 +5444,8 @@
         </p:blipFill>
         <p:spPr>
           <a:xfrm>
-            <a:off x="1241550" y="1125537"/>
-            <a:ext cx="3559049" cy="5682881"/>
+            <a:off x="6829967" y="975243"/>
+            <a:ext cx="2352060" cy="5056224"/>
           </a:xfrm>
           <a:prstGeom prst="rect">
             <a:avLst/>
@@ -5705,10 +5454,10 @@
       </p:pic>
       <p:pic>
         <p:nvPicPr>
-          <p:cNvPr id="9" name="Immagine 8" descr="Immagine che contiene testo, diagramma, schermata, design&#10;&#10;Descrizione generata automaticamente">
-            <a:extLst>
-              <a:ext uri="{FF2B5EF4-FFF2-40B4-BE49-F238E27FC236}">
-                <a16:creationId xmlns:a16="http://schemas.microsoft.com/office/drawing/2014/main" id="{74502DF0-F0C1-496E-88E1-F603489CDDCB}"/>
+          <p:cNvPr id="6" name="Immagine 5" descr="Immagine che contiene testo, Cellulare, schermata, gadget&#10;&#10;Descrizione generata automaticamente">
+            <a:extLst>
+              <a:ext uri="{FF2B5EF4-FFF2-40B4-BE49-F238E27FC236}">
+                <a16:creationId xmlns:a16="http://schemas.microsoft.com/office/drawing/2014/main" id="{1B2A1972-2053-8B4E-21C6-C501275A9C05}"/>
               </a:ext>
             </a:extLst>
           </p:cNvPr>
@@ -5731,60 +5480,636 @@
         </p:blipFill>
         <p:spPr>
           <a:xfrm>
-            <a:off x="7486652" y="2102014"/>
-            <a:ext cx="4467223" cy="4430831"/>
+            <a:off x="9529687" y="981973"/>
+            <a:ext cx="2288373" cy="5049494"/>
           </a:xfrm>
           <a:prstGeom prst="rect">
             <a:avLst/>
           </a:prstGeom>
         </p:spPr>
       </p:pic>
-      <p:cxnSp>
-        <p:nvCxnSpPr>
-          <p:cNvPr id="10" name="Connettore 2 9">
-            <a:extLst>
-              <a:ext uri="{FF2B5EF4-FFF2-40B4-BE49-F238E27FC236}">
-                <a16:creationId xmlns:a16="http://schemas.microsoft.com/office/drawing/2014/main" id="{29C7437B-D114-6B41-D33C-9592BAA8786F}"/>
-              </a:ext>
-            </a:extLst>
-          </p:cNvPr>
-          <p:cNvCxnSpPr/>
+      <p:pic>
+        <p:nvPicPr>
+          <p:cNvPr id="10" name="Immagine 9" descr="Immagine che contiene testo, schermata, Carattere&#10;&#10;Descrizione generata automaticamente">
+            <a:extLst>
+              <a:ext uri="{FF2B5EF4-FFF2-40B4-BE49-F238E27FC236}">
+                <a16:creationId xmlns:a16="http://schemas.microsoft.com/office/drawing/2014/main" id="{7D89FC56-F14E-3E96-8F52-62F08203A826}"/>
+              </a:ext>
+            </a:extLst>
+          </p:cNvPr>
+          <p:cNvPicPr>
+            <a:picLocks noChangeAspect="1"/>
+          </p:cNvPicPr>
           <p:nvPr/>
-        </p:nvCxnSpPr>
-        <p:spPr>
-          <a:xfrm>
-            <a:off x="4629348" y="3987538"/>
-            <a:ext cx="2120244" cy="0"/>
-          </a:xfrm>
-          <a:prstGeom prst="straightConnector1">
+        </p:nvPicPr>
+        <p:blipFill>
+          <a:blip r:embed="rId4">
+            <a:extLst>
+              <a:ext uri="{28A0092B-C50C-407E-A947-70E740481C1C}">
+                <a14:useLocalDpi xmlns:a14="http://schemas.microsoft.com/office/drawing/2010/main" val="0"/>
+              </a:ext>
+            </a:extLst>
+          </a:blip>
+          <a:stretch>
+            <a:fillRect/>
+          </a:stretch>
+        </p:blipFill>
+        <p:spPr>
+          <a:xfrm>
+            <a:off x="2696983" y="2273564"/>
+            <a:ext cx="4013236" cy="2310871"/>
+          </a:xfrm>
+          <a:prstGeom prst="rect">
             <a:avLst/>
           </a:prstGeom>
-          <a:ln w="76200">
-            <a:solidFill>
-              <a:srgbClr val="FF0000"/>
-            </a:solidFill>
-            <a:tailEnd type="triangle"/>
-          </a:ln>
-        </p:spPr>
-        <p:style>
-          <a:lnRef idx="3">
-            <a:schemeClr val="accent6"/>
-          </a:lnRef>
-          <a:fillRef idx="0">
-            <a:schemeClr val="accent6"/>
-          </a:fillRef>
-          <a:effectRef idx="2">
-            <a:schemeClr val="accent6"/>
-          </a:effectRef>
-          <a:fontRef idx="minor">
-            <a:schemeClr val="tx1"/>
-          </a:fontRef>
-        </p:style>
-      </p:cxnSp>
+        </p:spPr>
+      </p:pic>
+      <p:pic>
+        <p:nvPicPr>
+          <p:cNvPr id="12" name="Immagine 11" descr="Immagine che contiene testo, Cellulare, gadget, schermata&#10;&#10;Descrizione generata automaticamente">
+            <a:extLst>
+              <a:ext uri="{FF2B5EF4-FFF2-40B4-BE49-F238E27FC236}">
+                <a16:creationId xmlns:a16="http://schemas.microsoft.com/office/drawing/2014/main" id="{DE06A485-3648-13DC-1C23-C4AB7F38489F}"/>
+              </a:ext>
+            </a:extLst>
+          </p:cNvPr>
+          <p:cNvPicPr>
+            <a:picLocks noChangeAspect="1"/>
+          </p:cNvPicPr>
+          <p:nvPr/>
+        </p:nvPicPr>
+        <p:blipFill>
+          <a:blip r:embed="rId5">
+            <a:extLst>
+              <a:ext uri="{28A0092B-C50C-407E-A947-70E740481C1C}">
+                <a14:useLocalDpi xmlns:a14="http://schemas.microsoft.com/office/drawing/2010/main" val="0"/>
+              </a:ext>
+            </a:extLst>
+          </a:blip>
+          <a:stretch>
+            <a:fillRect/>
+          </a:stretch>
+        </p:blipFill>
+        <p:spPr>
+          <a:xfrm>
+            <a:off x="268027" y="975243"/>
+            <a:ext cx="2288373" cy="4907514"/>
+          </a:xfrm>
+          <a:prstGeom prst="rect">
+            <a:avLst/>
+          </a:prstGeom>
+        </p:spPr>
+      </p:pic>
     </p:spTree>
     <p:extLst>
       <p:ext uri="{BB962C8B-B14F-4D97-AF65-F5344CB8AC3E}">
-        <p14:creationId xmlns:p14="http://schemas.microsoft.com/office/powerpoint/2010/main" val="3483509069"/>
+        <p14:creationId xmlns:p14="http://schemas.microsoft.com/office/powerpoint/2010/main" val="2070227596"/>
+      </p:ext>
+    </p:extLst>
+  </p:cSld>
+  <p:clrMapOvr>
+    <a:masterClrMapping/>
+  </p:clrMapOvr>
+</p:sld>
+</file>
+
+<file path=ppt/slides/slide21.xml><?xml version="1.0" encoding="utf-8"?>
+<p:sld xmlns:a="http://schemas.openxmlformats.org/drawingml/2006/main" xmlns:r="http://schemas.openxmlformats.org/officeDocument/2006/relationships" xmlns:p="http://schemas.openxmlformats.org/presentationml/2006/main">
+  <p:cSld>
+    <p:spTree>
+      <p:nvGrpSpPr>
+        <p:cNvPr id="1" name=""/>
+        <p:cNvGrpSpPr/>
+        <p:nvPr/>
+      </p:nvGrpSpPr>
+      <p:grpSpPr>
+        <a:xfrm>
+          <a:off x="0" y="0"/>
+          <a:ext cx="0" cy="0"/>
+          <a:chOff x="0" y="0"/>
+          <a:chExt cx="0" cy="0"/>
+        </a:xfrm>
+      </p:grpSpPr>
+      <p:pic>
+        <p:nvPicPr>
+          <p:cNvPr id="5" name="Immagine 4" descr="Immagine che contiene testo, Cellulare, schermata, gadget&#10;&#10;Descrizione generata automaticamente">
+            <a:extLst>
+              <a:ext uri="{FF2B5EF4-FFF2-40B4-BE49-F238E27FC236}">
+                <a16:creationId xmlns:a16="http://schemas.microsoft.com/office/drawing/2014/main" id="{BDC9121E-433A-4E73-2AD1-459C65D979CB}"/>
+              </a:ext>
+            </a:extLst>
+          </p:cNvPr>
+          <p:cNvPicPr>
+            <a:picLocks noChangeAspect="1"/>
+          </p:cNvPicPr>
+          <p:nvPr/>
+        </p:nvPicPr>
+        <p:blipFill>
+          <a:blip r:embed="rId2">
+            <a:extLst>
+              <a:ext uri="{28A0092B-C50C-407E-A947-70E740481C1C}">
+                <a14:useLocalDpi xmlns:a14="http://schemas.microsoft.com/office/drawing/2010/main" val="0"/>
+              </a:ext>
+            </a:extLst>
+          </a:blip>
+          <a:stretch>
+            <a:fillRect/>
+          </a:stretch>
+        </p:blipFill>
+        <p:spPr>
+          <a:xfrm>
+            <a:off x="2630378" y="742716"/>
+            <a:ext cx="2651990" cy="5372566"/>
+          </a:xfrm>
+          <a:prstGeom prst="rect">
+            <a:avLst/>
+          </a:prstGeom>
+        </p:spPr>
+      </p:pic>
+      <p:pic>
+        <p:nvPicPr>
+          <p:cNvPr id="12" name="Immagine 11" descr="Immagine che contiene gadget, multimediale, Dispositivo elettronico, Dispositivo di comunicazione&#10;&#10;Descrizione generata automaticamente">
+            <a:extLst>
+              <a:ext uri="{FF2B5EF4-FFF2-40B4-BE49-F238E27FC236}">
+                <a16:creationId xmlns:a16="http://schemas.microsoft.com/office/drawing/2014/main" id="{78A3DBC0-3BF3-DE72-2F58-E16E4CF8C766}"/>
+              </a:ext>
+            </a:extLst>
+          </p:cNvPr>
+          <p:cNvPicPr>
+            <a:picLocks noChangeAspect="1"/>
+          </p:cNvPicPr>
+          <p:nvPr/>
+        </p:nvPicPr>
+        <p:blipFill>
+          <a:blip r:embed="rId3">
+            <a:extLst>
+              <a:ext uri="{28A0092B-C50C-407E-A947-70E740481C1C}">
+                <a14:useLocalDpi xmlns:a14="http://schemas.microsoft.com/office/drawing/2010/main" val="0"/>
+              </a:ext>
+            </a:extLst>
+          </a:blip>
+          <a:stretch>
+            <a:fillRect/>
+          </a:stretch>
+        </p:blipFill>
+        <p:spPr>
+          <a:xfrm>
+            <a:off x="7021716" y="742717"/>
+            <a:ext cx="2560824" cy="5372566"/>
+          </a:xfrm>
+          <a:prstGeom prst="rect">
+            <a:avLst/>
+          </a:prstGeom>
+        </p:spPr>
+      </p:pic>
+    </p:spTree>
+    <p:extLst>
+      <p:ext uri="{BB962C8B-B14F-4D97-AF65-F5344CB8AC3E}">
+        <p14:creationId xmlns:p14="http://schemas.microsoft.com/office/powerpoint/2010/main" val="2257144988"/>
+      </p:ext>
+    </p:extLst>
+  </p:cSld>
+  <p:clrMapOvr>
+    <a:masterClrMapping/>
+  </p:clrMapOvr>
+</p:sld>
+</file>
+
+<file path=ppt/slides/slide22.xml><?xml version="1.0" encoding="utf-8"?>
+<p:sld xmlns:a="http://schemas.openxmlformats.org/drawingml/2006/main" xmlns:r="http://schemas.openxmlformats.org/officeDocument/2006/relationships" xmlns:p="http://schemas.openxmlformats.org/presentationml/2006/main">
+  <p:cSld>
+    <p:spTree>
+      <p:nvGrpSpPr>
+        <p:cNvPr id="1" name=""/>
+        <p:cNvGrpSpPr/>
+        <p:nvPr/>
+      </p:nvGrpSpPr>
+      <p:grpSpPr>
+        <a:xfrm>
+          <a:off x="0" y="0"/>
+          <a:ext cx="0" cy="0"/>
+          <a:chOff x="0" y="0"/>
+          <a:chExt cx="0" cy="0"/>
+        </a:xfrm>
+      </p:grpSpPr>
+      <p:pic>
+        <p:nvPicPr>
+          <p:cNvPr id="4" name="Immagine 3" descr="Immagine che contiene schermata, testo, Cellulare, multimediale&#10;&#10;Descrizione generata automaticamente">
+            <a:extLst>
+              <a:ext uri="{FF2B5EF4-FFF2-40B4-BE49-F238E27FC236}">
+                <a16:creationId xmlns:a16="http://schemas.microsoft.com/office/drawing/2014/main" id="{DD20E0CD-38ED-488D-9AFE-4A69C5876D5A}"/>
+              </a:ext>
+            </a:extLst>
+          </p:cNvPr>
+          <p:cNvPicPr>
+            <a:picLocks noChangeAspect="1"/>
+          </p:cNvPicPr>
+          <p:nvPr/>
+        </p:nvPicPr>
+        <p:blipFill>
+          <a:blip r:embed="rId2">
+            <a:extLst>
+              <a:ext uri="{28A0092B-C50C-407E-A947-70E740481C1C}">
+                <a14:useLocalDpi xmlns:a14="http://schemas.microsoft.com/office/drawing/2010/main" val="0"/>
+              </a:ext>
+            </a:extLst>
+          </a:blip>
+          <a:stretch>
+            <a:fillRect/>
+          </a:stretch>
+        </p:blipFill>
+        <p:spPr>
+          <a:xfrm>
+            <a:off x="3187618" y="735818"/>
+            <a:ext cx="2568163" cy="5390895"/>
+          </a:xfrm>
+          <a:prstGeom prst="rect">
+            <a:avLst/>
+          </a:prstGeom>
+        </p:spPr>
+      </p:pic>
+      <p:pic>
+        <p:nvPicPr>
+          <p:cNvPr id="8" name="Immagine 7" descr="Immagine che contiene gadget, Dispositivo elettronico, multimediale, Dispositivo di comunicazione&#10;&#10;Descrizione generata automaticamente">
+            <a:extLst>
+              <a:ext uri="{FF2B5EF4-FFF2-40B4-BE49-F238E27FC236}">
+                <a16:creationId xmlns:a16="http://schemas.microsoft.com/office/drawing/2014/main" id="{0B729B86-A4D7-4994-F6A3-784CF1BEFE45}"/>
+              </a:ext>
+            </a:extLst>
+          </p:cNvPr>
+          <p:cNvPicPr>
+            <a:picLocks noChangeAspect="1"/>
+          </p:cNvPicPr>
+          <p:nvPr/>
+        </p:nvPicPr>
+        <p:blipFill>
+          <a:blip r:embed="rId3">
+            <a:extLst>
+              <a:ext uri="{28A0092B-C50C-407E-A947-70E740481C1C}">
+                <a14:useLocalDpi xmlns:a14="http://schemas.microsoft.com/office/drawing/2010/main" val="0"/>
+              </a:ext>
+            </a:extLst>
+          </a:blip>
+          <a:stretch>
+            <a:fillRect/>
+          </a:stretch>
+        </p:blipFill>
+        <p:spPr>
+          <a:xfrm>
+            <a:off x="7027435" y="731285"/>
+            <a:ext cx="2537680" cy="5395428"/>
+          </a:xfrm>
+          <a:prstGeom prst="rect">
+            <a:avLst/>
+          </a:prstGeom>
+        </p:spPr>
+      </p:pic>
+    </p:spTree>
+    <p:extLst>
+      <p:ext uri="{BB962C8B-B14F-4D97-AF65-F5344CB8AC3E}">
+        <p14:creationId xmlns:p14="http://schemas.microsoft.com/office/powerpoint/2010/main" val="3327891220"/>
+      </p:ext>
+    </p:extLst>
+  </p:cSld>
+  <p:clrMapOvr>
+    <a:masterClrMapping/>
+  </p:clrMapOvr>
+</p:sld>
+</file>
+
+<file path=ppt/slides/slide23.xml><?xml version="1.0" encoding="utf-8"?>
+<p:sld xmlns:a="http://schemas.openxmlformats.org/drawingml/2006/main" xmlns:r="http://schemas.openxmlformats.org/officeDocument/2006/relationships" xmlns:p="http://schemas.openxmlformats.org/presentationml/2006/main">
+  <p:cSld>
+    <p:spTree>
+      <p:nvGrpSpPr>
+        <p:cNvPr id="1" name=""/>
+        <p:cNvGrpSpPr/>
+        <p:nvPr/>
+      </p:nvGrpSpPr>
+      <p:grpSpPr>
+        <a:xfrm>
+          <a:off x="0" y="0"/>
+          <a:ext cx="0" cy="0"/>
+          <a:chOff x="0" y="0"/>
+          <a:chExt cx="0" cy="0"/>
+        </a:xfrm>
+      </p:grpSpPr>
+      <p:pic>
+        <p:nvPicPr>
+          <p:cNvPr id="4" name="Immagine 3" descr="Immagine che contiene schermata, Cellulare, testo, gadget&#10;&#10;Descrizione generata automaticamente">
+            <a:extLst>
+              <a:ext uri="{FF2B5EF4-FFF2-40B4-BE49-F238E27FC236}">
+                <a16:creationId xmlns:a16="http://schemas.microsoft.com/office/drawing/2014/main" id="{E51047F6-B0B5-EE56-8D2A-9E3574ED6913}"/>
+              </a:ext>
+            </a:extLst>
+          </p:cNvPr>
+          <p:cNvPicPr>
+            <a:picLocks noChangeAspect="1"/>
+          </p:cNvPicPr>
+          <p:nvPr/>
+        </p:nvPicPr>
+        <p:blipFill>
+          <a:blip r:embed="rId2">
+            <a:extLst>
+              <a:ext uri="{28A0092B-C50C-407E-A947-70E740481C1C}">
+                <a14:useLocalDpi xmlns:a14="http://schemas.microsoft.com/office/drawing/2010/main" val="0"/>
+              </a:ext>
+            </a:extLst>
+          </a:blip>
+          <a:stretch>
+            <a:fillRect/>
+          </a:stretch>
+        </p:blipFill>
+        <p:spPr>
+          <a:xfrm>
+            <a:off x="2905125" y="689648"/>
+            <a:ext cx="2589111" cy="5616143"/>
+          </a:xfrm>
+          <a:prstGeom prst="rect">
+            <a:avLst/>
+          </a:prstGeom>
+        </p:spPr>
+      </p:pic>
+      <p:pic>
+        <p:nvPicPr>
+          <p:cNvPr id="6" name="Immagine 5" descr="Immagine che contiene elettronica, testo, gadget, multimediale&#10;&#10;Descrizione generata automaticamente">
+            <a:extLst>
+              <a:ext uri="{FF2B5EF4-FFF2-40B4-BE49-F238E27FC236}">
+                <a16:creationId xmlns:a16="http://schemas.microsoft.com/office/drawing/2014/main" id="{142F934D-FC82-0813-9D23-CA05D34DF28A}"/>
+              </a:ext>
+            </a:extLst>
+          </p:cNvPr>
+          <p:cNvPicPr>
+            <a:picLocks noChangeAspect="1"/>
+          </p:cNvPicPr>
+          <p:nvPr/>
+        </p:nvPicPr>
+        <p:blipFill>
+          <a:blip r:embed="rId3">
+            <a:extLst>
+              <a:ext uri="{28A0092B-C50C-407E-A947-70E740481C1C}">
+                <a14:useLocalDpi xmlns:a14="http://schemas.microsoft.com/office/drawing/2010/main" val="0"/>
+              </a:ext>
+            </a:extLst>
+          </a:blip>
+          <a:stretch>
+            <a:fillRect/>
+          </a:stretch>
+        </p:blipFill>
+        <p:spPr>
+          <a:xfrm>
+            <a:off x="7078264" y="704606"/>
+            <a:ext cx="2484335" cy="5601185"/>
+          </a:xfrm>
+          <a:prstGeom prst="rect">
+            <a:avLst/>
+          </a:prstGeom>
+        </p:spPr>
+      </p:pic>
+    </p:spTree>
+    <p:extLst>
+      <p:ext uri="{BB962C8B-B14F-4D97-AF65-F5344CB8AC3E}">
+        <p14:creationId xmlns:p14="http://schemas.microsoft.com/office/powerpoint/2010/main" val="4240904557"/>
+      </p:ext>
+    </p:extLst>
+  </p:cSld>
+  <p:clrMapOvr>
+    <a:masterClrMapping/>
+  </p:clrMapOvr>
+</p:sld>
+</file>
+
+<file path=ppt/slides/slide24.xml><?xml version="1.0" encoding="utf-8"?>
+<p:sld xmlns:a="http://schemas.openxmlformats.org/drawingml/2006/main" xmlns:r="http://schemas.openxmlformats.org/officeDocument/2006/relationships" xmlns:p="http://schemas.openxmlformats.org/presentationml/2006/main">
+  <p:cSld>
+    <p:spTree>
+      <p:nvGrpSpPr>
+        <p:cNvPr id="1" name=""/>
+        <p:cNvGrpSpPr/>
+        <p:nvPr/>
+      </p:nvGrpSpPr>
+      <p:grpSpPr>
+        <a:xfrm>
+          <a:off x="0" y="0"/>
+          <a:ext cx="0" cy="0"/>
+          <a:chOff x="0" y="0"/>
+          <a:chExt cx="0" cy="0"/>
+        </a:xfrm>
+      </p:grpSpPr>
+      <p:pic>
+        <p:nvPicPr>
+          <p:cNvPr id="5" name="Immagine 4" descr="Immagine che contiene testo, schermata, Cellulare, Dispositivo mobile&#10;&#10;Descrizione generata automaticamente">
+            <a:extLst>
+              <a:ext uri="{FF2B5EF4-FFF2-40B4-BE49-F238E27FC236}">
+                <a16:creationId xmlns:a16="http://schemas.microsoft.com/office/drawing/2014/main" id="{4708E125-BA61-829F-60FC-5F24399A4130}"/>
+              </a:ext>
+            </a:extLst>
+          </p:cNvPr>
+          <p:cNvPicPr>
+            <a:picLocks noChangeAspect="1"/>
+          </p:cNvPicPr>
+          <p:nvPr/>
+        </p:nvPicPr>
+        <p:blipFill>
+          <a:blip r:embed="rId2">
+            <a:extLst>
+              <a:ext uri="{28A0092B-C50C-407E-A947-70E740481C1C}">
+                <a14:useLocalDpi xmlns:a14="http://schemas.microsoft.com/office/drawing/2010/main" val="0"/>
+              </a:ext>
+            </a:extLst>
+          </a:blip>
+          <a:stretch>
+            <a:fillRect/>
+          </a:stretch>
+        </p:blipFill>
+        <p:spPr>
+          <a:xfrm>
+            <a:off x="4766195" y="816510"/>
+            <a:ext cx="2659610" cy="5540220"/>
+          </a:xfrm>
+          <a:prstGeom prst="rect">
+            <a:avLst/>
+          </a:prstGeom>
+        </p:spPr>
+      </p:pic>
+      <p:pic>
+        <p:nvPicPr>
+          <p:cNvPr id="7" name="Immagine 6" descr="Immagine che contiene testo, Cellulare, gadget, schermata&#10;&#10;Descrizione generata automaticamente">
+            <a:extLst>
+              <a:ext uri="{FF2B5EF4-FFF2-40B4-BE49-F238E27FC236}">
+                <a16:creationId xmlns:a16="http://schemas.microsoft.com/office/drawing/2014/main" id="{A9B6F73A-2283-199D-267A-55A8C53F471D}"/>
+              </a:ext>
+            </a:extLst>
+          </p:cNvPr>
+          <p:cNvPicPr>
+            <a:picLocks noChangeAspect="1"/>
+          </p:cNvPicPr>
+          <p:nvPr/>
+        </p:nvPicPr>
+        <p:blipFill>
+          <a:blip r:embed="rId3">
+            <a:extLst>
+              <a:ext uri="{28A0092B-C50C-407E-A947-70E740481C1C}">
+                <a14:useLocalDpi xmlns:a14="http://schemas.microsoft.com/office/drawing/2010/main" val="0"/>
+              </a:ext>
+            </a:extLst>
+          </a:blip>
+          <a:stretch>
+            <a:fillRect/>
+          </a:stretch>
+        </p:blipFill>
+        <p:spPr>
+          <a:xfrm>
+            <a:off x="776633" y="816510"/>
+            <a:ext cx="2575783" cy="5524979"/>
+          </a:xfrm>
+          <a:prstGeom prst="rect">
+            <a:avLst/>
+          </a:prstGeom>
+        </p:spPr>
+      </p:pic>
+      <p:pic>
+        <p:nvPicPr>
+          <p:cNvPr id="9" name="Immagine 8" descr="Immagine che contiene testo, schermata, gadget, Dispositivo mobile&#10;&#10;Descrizione generata automaticamente">
+            <a:extLst>
+              <a:ext uri="{FF2B5EF4-FFF2-40B4-BE49-F238E27FC236}">
+                <a16:creationId xmlns:a16="http://schemas.microsoft.com/office/drawing/2014/main" id="{FA9A6486-046B-7B55-1256-D89362B446AD}"/>
+              </a:ext>
+            </a:extLst>
+          </p:cNvPr>
+          <p:cNvPicPr>
+            <a:picLocks noChangeAspect="1"/>
+          </p:cNvPicPr>
+          <p:nvPr/>
+        </p:nvPicPr>
+        <p:blipFill>
+          <a:blip r:embed="rId4">
+            <a:extLst>
+              <a:ext uri="{28A0092B-C50C-407E-A947-70E740481C1C}">
+                <a14:useLocalDpi xmlns:a14="http://schemas.microsoft.com/office/drawing/2010/main" val="0"/>
+              </a:ext>
+            </a:extLst>
+          </a:blip>
+          <a:stretch>
+            <a:fillRect/>
+          </a:stretch>
+        </p:blipFill>
+        <p:spPr>
+          <a:xfrm>
+            <a:off x="8739039" y="816510"/>
+            <a:ext cx="2552921" cy="5608806"/>
+          </a:xfrm>
+          <a:prstGeom prst="rect">
+            <a:avLst/>
+          </a:prstGeom>
+        </p:spPr>
+      </p:pic>
+    </p:spTree>
+    <p:extLst>
+      <p:ext uri="{BB962C8B-B14F-4D97-AF65-F5344CB8AC3E}">
+        <p14:creationId xmlns:p14="http://schemas.microsoft.com/office/powerpoint/2010/main" val="1985124416"/>
+      </p:ext>
+    </p:extLst>
+  </p:cSld>
+  <p:clrMapOvr>
+    <a:masterClrMapping/>
+  </p:clrMapOvr>
+</p:sld>
+</file>
+
+<file path=ppt/slides/slide25.xml><?xml version="1.0" encoding="utf-8"?>
+<p:sld xmlns:a="http://schemas.openxmlformats.org/drawingml/2006/main" xmlns:r="http://schemas.openxmlformats.org/officeDocument/2006/relationships" xmlns:p="http://schemas.openxmlformats.org/presentationml/2006/main">
+  <p:cSld>
+    <p:spTree>
+      <p:nvGrpSpPr>
+        <p:cNvPr id="1" name=""/>
+        <p:cNvGrpSpPr/>
+        <p:nvPr/>
+      </p:nvGrpSpPr>
+      <p:grpSpPr>
+        <a:xfrm>
+          <a:off x="0" y="0"/>
+          <a:ext cx="0" cy="0"/>
+          <a:chOff x="0" y="0"/>
+          <a:chExt cx="0" cy="0"/>
+        </a:xfrm>
+      </p:grpSpPr>
+      <p:pic>
+        <p:nvPicPr>
+          <p:cNvPr id="5" name="Immagine 4" descr="Immagine che contiene testo, schermata, gadget, multimediale&#10;&#10;Descrizione generata automaticamente">
+            <a:extLst>
+              <a:ext uri="{FF2B5EF4-FFF2-40B4-BE49-F238E27FC236}">
+                <a16:creationId xmlns:a16="http://schemas.microsoft.com/office/drawing/2014/main" id="{5BABC2FD-8C48-76EB-E47A-8E3354D54929}"/>
+              </a:ext>
+            </a:extLst>
+          </p:cNvPr>
+          <p:cNvPicPr>
+            <a:picLocks noChangeAspect="1"/>
+          </p:cNvPicPr>
+          <p:nvPr/>
+        </p:nvPicPr>
+        <p:blipFill>
+          <a:blip r:embed="rId2">
+            <a:extLst>
+              <a:ext uri="{28A0092B-C50C-407E-A947-70E740481C1C}">
+                <a14:useLocalDpi xmlns:a14="http://schemas.microsoft.com/office/drawing/2010/main" val="0"/>
+              </a:ext>
+            </a:extLst>
+          </a:blip>
+          <a:stretch>
+            <a:fillRect/>
+          </a:stretch>
+        </p:blipFill>
+        <p:spPr>
+          <a:xfrm>
+            <a:off x="2624881" y="716045"/>
+            <a:ext cx="2522637" cy="5425910"/>
+          </a:xfrm>
+          <a:prstGeom prst="rect">
+            <a:avLst/>
+          </a:prstGeom>
+        </p:spPr>
+      </p:pic>
+      <p:pic>
+        <p:nvPicPr>
+          <p:cNvPr id="7" name="Immagine 6" descr="Immagine che contiene gadget, multimediale, Dispositivo elettronico, Dispositivo di comunicazione&#10;&#10;Descrizione generata automaticamente">
+            <a:extLst>
+              <a:ext uri="{FF2B5EF4-FFF2-40B4-BE49-F238E27FC236}">
+                <a16:creationId xmlns:a16="http://schemas.microsoft.com/office/drawing/2014/main" id="{060CA005-F0FE-BD96-B0D6-28DACA29EC15}"/>
+              </a:ext>
+            </a:extLst>
+          </p:cNvPr>
+          <p:cNvPicPr>
+            <a:picLocks noChangeAspect="1"/>
+          </p:cNvPicPr>
+          <p:nvPr/>
+        </p:nvPicPr>
+        <p:blipFill>
+          <a:blip r:embed="rId3">
+            <a:extLst>
+              <a:ext uri="{28A0092B-C50C-407E-A947-70E740481C1C}">
+                <a14:useLocalDpi xmlns:a14="http://schemas.microsoft.com/office/drawing/2010/main" val="0"/>
+              </a:ext>
+            </a:extLst>
+          </a:blip>
+          <a:stretch>
+            <a:fillRect/>
+          </a:stretch>
+        </p:blipFill>
+        <p:spPr>
+          <a:xfrm>
+            <a:off x="7535578" y="716045"/>
+            <a:ext cx="2469094" cy="5425910"/>
+          </a:xfrm>
+          <a:prstGeom prst="rect">
+            <a:avLst/>
+          </a:prstGeom>
+        </p:spPr>
+      </p:pic>
+    </p:spTree>
+    <p:extLst>
+      <p:ext uri="{BB962C8B-B14F-4D97-AF65-F5344CB8AC3E}">
+        <p14:creationId xmlns:p14="http://schemas.microsoft.com/office/powerpoint/2010/main" val="3796274309"/>
       </p:ext>
     </p:extLst>
   </p:cSld>
@@ -6104,7 +6429,7 @@
           <p:cNvPr id="2" name="Titolo 1">
             <a:extLst>
               <a:ext uri="{FF2B5EF4-FFF2-40B4-BE49-F238E27FC236}">
-                <a16:creationId xmlns:a16="http://schemas.microsoft.com/office/drawing/2014/main" id="{05748097-607E-1C78-244B-63FB2C5394C0}"/>
+                <a16:creationId xmlns:a16="http://schemas.microsoft.com/office/drawing/2014/main" id="{0C5F4B78-A634-EA49-00BB-2B203D2D7004}"/>
               </a:ext>
             </a:extLst>
           </p:cNvPr>
@@ -6117,155 +6442,44 @@
         </p:nvSpPr>
         <p:spPr>
           <a:xfrm>
-            <a:off x="838200" y="129597"/>
-            <a:ext cx="10515600" cy="743239"/>
-          </a:xfrm>
-        </p:spPr>
-        <p:txBody>
-          <a:bodyPr/>
-          <a:lstStyle/>
-          <a:p>
-            <a:pPr algn="ctr"/>
-            <a:r>
-              <a:rPr lang="it-IT" sz="1800" b="0" i="0" u="none" strike="noStrike" baseline="0" dirty="0">
-                <a:latin typeface="TimesNewRomanPSMT"/>
-              </a:rPr>
-              <a:t>Ci permette di separare il codice in </a:t>
-            </a:r>
-            <a:r>
-              <a:rPr lang="it-IT" sz="1800" b="0" i="1" u="none" strike="noStrike" baseline="0" dirty="0">
-                <a:latin typeface="TimesNewRomanPS-ItalicMT"/>
-              </a:rPr>
-              <a:t>layers</a:t>
-            </a:r>
-            <a:r>
-              <a:rPr lang="it-IT" sz="1800" dirty="0">
-                <a:latin typeface="TimesNewRomanPSMT"/>
-              </a:rPr>
-              <a:t>:</a:t>
-            </a:r>
-            <a:endParaRPr lang="it-IT" dirty="0"/>
-          </a:p>
-        </p:txBody>
-      </p:sp>
-      <p:sp>
-        <p:nvSpPr>
-          <p:cNvPr id="7" name="CasellaDiTesto 6">
-            <a:extLst>
-              <a:ext uri="{FF2B5EF4-FFF2-40B4-BE49-F238E27FC236}">
-                <a16:creationId xmlns:a16="http://schemas.microsoft.com/office/drawing/2014/main" id="{0D7F3A9F-FC43-23A7-D4EA-3EE540DEE2D9}"/>
-              </a:ext>
-            </a:extLst>
-          </p:cNvPr>
-          <p:cNvSpPr txBox="1"/>
-          <p:nvPr/>
-        </p:nvSpPr>
-        <p:spPr>
-          <a:xfrm>
-            <a:off x="2455718" y="2924886"/>
-            <a:ext cx="2022763" cy="369332"/>
-          </a:xfrm>
-          <a:prstGeom prst="rect">
-            <a:avLst/>
-          </a:prstGeom>
-          <a:noFill/>
-        </p:spPr>
-        <p:txBody>
-          <a:bodyPr wrap="square" rtlCol="0">
-            <a:spAutoFit/>
+            <a:off x="838200" y="365126"/>
+            <a:ext cx="10515600" cy="632402"/>
+          </a:xfrm>
+        </p:spPr>
+        <p:txBody>
+          <a:bodyPr>
+            <a:normAutofit/>
           </a:bodyPr>
           <a:lstStyle/>
           <a:p>
-            <a:r>
-              <a:rPr lang="it-IT" dirty="0"/>
-              <a:t>Presentation Layer</a:t>
-            </a:r>
-          </a:p>
-        </p:txBody>
-      </p:sp>
-      <p:sp>
-        <p:nvSpPr>
-          <p:cNvPr id="10" name="CasellaDiTesto 9">
-            <a:extLst>
-              <a:ext uri="{FF2B5EF4-FFF2-40B4-BE49-F238E27FC236}">
-                <a16:creationId xmlns:a16="http://schemas.microsoft.com/office/drawing/2014/main" id="{F9A4280C-0F7D-D48A-0267-F7D7E1623234}"/>
-              </a:ext>
-            </a:extLst>
-          </p:cNvPr>
-          <p:cNvSpPr txBox="1"/>
-          <p:nvPr/>
-        </p:nvSpPr>
-        <p:spPr>
-          <a:xfrm>
-            <a:off x="8660824" y="2924886"/>
-            <a:ext cx="1622323" cy="369332"/>
-          </a:xfrm>
-          <a:prstGeom prst="rect">
-            <a:avLst/>
-          </a:prstGeom>
-          <a:noFill/>
-        </p:spPr>
-        <p:txBody>
-          <a:bodyPr wrap="square" rtlCol="0">
-            <a:spAutoFit/>
-          </a:bodyPr>
-          <a:lstStyle/>
-          <a:p>
-            <a:r>
-              <a:rPr lang="it-IT" dirty="0"/>
-              <a:t>Business Layer</a:t>
-            </a:r>
-          </a:p>
-        </p:txBody>
-      </p:sp>
-      <p:sp>
-        <p:nvSpPr>
-          <p:cNvPr id="13" name="CasellaDiTesto 12">
-            <a:extLst>
-              <a:ext uri="{FF2B5EF4-FFF2-40B4-BE49-F238E27FC236}">
-                <a16:creationId xmlns:a16="http://schemas.microsoft.com/office/drawing/2014/main" id="{BE4DAB91-8775-33CC-280C-EF8A2F621D87}"/>
-              </a:ext>
-            </a:extLst>
-          </p:cNvPr>
-          <p:cNvSpPr txBox="1"/>
-          <p:nvPr/>
-        </p:nvSpPr>
-        <p:spPr>
-          <a:xfrm>
-            <a:off x="5636935" y="5584575"/>
-            <a:ext cx="1297859" cy="369332"/>
-          </a:xfrm>
-          <a:prstGeom prst="rect">
-            <a:avLst/>
-          </a:prstGeom>
-          <a:noFill/>
-        </p:spPr>
-        <p:txBody>
-          <a:bodyPr wrap="square" rtlCol="0">
-            <a:spAutoFit/>
-          </a:bodyPr>
-          <a:lstStyle/>
-          <a:p>
-            <a:r>
-              <a:rPr lang="it-IT" dirty="0"/>
-              <a:t>Data Layer</a:t>
+            <a:pPr algn="ctr"/>
+            <a:r>
+              <a:rPr lang="it-IT" sz="3600" b="1" dirty="0">
+                <a:solidFill>
+                  <a:srgbClr val="FF0000"/>
+                </a:solidFill>
+                <a:latin typeface="TimesNewRomanPS-BoldMT"/>
+              </a:rPr>
+              <a:t>ToolChain:</a:t>
             </a:r>
           </a:p>
         </p:txBody>
       </p:sp>
       <p:pic>
         <p:nvPicPr>
-          <p:cNvPr id="4" name="Immagine 3">
-            <a:extLst>
-              <a:ext uri="{FF2B5EF4-FFF2-40B4-BE49-F238E27FC236}">
-                <a16:creationId xmlns:a16="http://schemas.microsoft.com/office/drawing/2014/main" id="{B6897D37-A014-B712-2EEA-C293197FD627}"/>
+          <p:cNvPr id="5" name="Segnaposto contenuto 4">
+            <a:extLst>
+              <a:ext uri="{FF2B5EF4-FFF2-40B4-BE49-F238E27FC236}">
+                <a16:creationId xmlns:a16="http://schemas.microsoft.com/office/drawing/2014/main" id="{74F57932-1A91-3DAC-1F51-08DB7B741AE4}"/>
               </a:ext>
             </a:extLst>
           </p:cNvPr>
           <p:cNvPicPr>
-            <a:picLocks noChangeAspect="1"/>
+            <a:picLocks noGrp="1" noChangeAspect="1"/>
           </p:cNvPicPr>
-          <p:nvPr/>
+          <p:nvPr>
+            <p:ph idx="1"/>
+          </p:nvPr>
         </p:nvPicPr>
         <p:blipFill>
           <a:blip r:embed="rId2"/>
@@ -6275,78 +6489,15 @@
         </p:blipFill>
         <p:spPr>
           <a:xfrm>
-            <a:off x="961899" y="981305"/>
-            <a:ext cx="4967267" cy="1775397"/>
-          </a:xfrm>
-          <a:prstGeom prst="rect">
-            <a:avLst/>
-          </a:prstGeom>
-        </p:spPr>
-      </p:pic>
-      <p:pic>
-        <p:nvPicPr>
-          <p:cNvPr id="8" name="Immagine 7">
-            <a:extLst>
-              <a:ext uri="{FF2B5EF4-FFF2-40B4-BE49-F238E27FC236}">
-                <a16:creationId xmlns:a16="http://schemas.microsoft.com/office/drawing/2014/main" id="{F62BEEAD-BAA3-F613-A87C-5D90970344EF}"/>
-              </a:ext>
-            </a:extLst>
-          </p:cNvPr>
-          <p:cNvPicPr>
-            <a:picLocks noChangeAspect="1"/>
-          </p:cNvPicPr>
-          <p:nvPr/>
-        </p:nvPicPr>
-        <p:blipFill>
-          <a:blip r:embed="rId3"/>
-          <a:stretch>
-            <a:fillRect/>
-          </a:stretch>
-        </p:blipFill>
-        <p:spPr>
-          <a:xfrm>
-            <a:off x="7115607" y="939938"/>
-            <a:ext cx="4572461" cy="1917846"/>
-          </a:xfrm>
-          <a:prstGeom prst="rect">
-            <a:avLst/>
-          </a:prstGeom>
-        </p:spPr>
-      </p:pic>
-      <p:pic>
-        <p:nvPicPr>
-          <p:cNvPr id="14" name="Immagine 13">
-            <a:extLst>
-              <a:ext uri="{FF2B5EF4-FFF2-40B4-BE49-F238E27FC236}">
-                <a16:creationId xmlns:a16="http://schemas.microsoft.com/office/drawing/2014/main" id="{51073CF6-8709-4C92-3AA5-0C2AFDD5777F}"/>
-              </a:ext>
-            </a:extLst>
-          </p:cNvPr>
-          <p:cNvPicPr>
-            <a:picLocks noChangeAspect="1"/>
-          </p:cNvPicPr>
-          <p:nvPr/>
-        </p:nvPicPr>
-        <p:blipFill>
-          <a:blip r:embed="rId4"/>
-          <a:stretch>
-            <a:fillRect/>
-          </a:stretch>
-        </p:blipFill>
-        <p:spPr>
-          <a:xfrm>
-            <a:off x="3600466" y="3736325"/>
-            <a:ext cx="5370796" cy="1604264"/>
-          </a:xfrm>
-          <a:prstGeom prst="rect">
-            <a:avLst/>
-          </a:prstGeom>
+            <a:off x="3077804" y="1228182"/>
+            <a:ext cx="6036391" cy="5106632"/>
+          </a:xfrm>
         </p:spPr>
       </p:pic>
     </p:spTree>
     <p:extLst>
       <p:ext uri="{BB962C8B-B14F-4D97-AF65-F5344CB8AC3E}">
-        <p14:creationId xmlns:p14="http://schemas.microsoft.com/office/powerpoint/2010/main" val="2053332678"/>
+        <p14:creationId xmlns:p14="http://schemas.microsoft.com/office/powerpoint/2010/main" val="4204004484"/>
       </p:ext>
     </p:extLst>
   </p:cSld>
@@ -6375,78 +6526,252 @@
       </p:grpSpPr>
       <p:sp>
         <p:nvSpPr>
-          <p:cNvPr id="2" name="Titolo 1">
-            <a:extLst>
-              <a:ext uri="{FF2B5EF4-FFF2-40B4-BE49-F238E27FC236}">
-                <a16:creationId xmlns:a16="http://schemas.microsoft.com/office/drawing/2014/main" id="{0C5F4B78-A634-EA49-00BB-2B203D2D7004}"/>
-              </a:ext>
-            </a:extLst>
-          </p:cNvPr>
-          <p:cNvSpPr>
-            <a:spLocks noGrp="1"/>
-          </p:cNvSpPr>
-          <p:nvPr>
-            <p:ph type="title"/>
-          </p:nvPr>
-        </p:nvSpPr>
-        <p:spPr>
-          <a:xfrm>
-            <a:off x="838200" y="365126"/>
-            <a:ext cx="10515600" cy="632402"/>
-          </a:xfrm>
-        </p:spPr>
-        <p:txBody>
-          <a:bodyPr>
-            <a:normAutofit/>
+          <p:cNvPr id="7" name="CasellaDiTesto 6">
+            <a:extLst>
+              <a:ext uri="{FF2B5EF4-FFF2-40B4-BE49-F238E27FC236}">
+                <a16:creationId xmlns:a16="http://schemas.microsoft.com/office/drawing/2014/main" id="{430B265C-63AD-5576-410D-57E5B80C9610}"/>
+              </a:ext>
+            </a:extLst>
+          </p:cNvPr>
+          <p:cNvSpPr txBox="1"/>
+          <p:nvPr/>
+        </p:nvSpPr>
+        <p:spPr>
+          <a:xfrm>
+            <a:off x="4426527" y="301080"/>
+            <a:ext cx="3338945" cy="769441"/>
+          </a:xfrm>
+          <a:prstGeom prst="rect">
+            <a:avLst/>
+          </a:prstGeom>
+          <a:noFill/>
+        </p:spPr>
+        <p:txBody>
+          <a:bodyPr wrap="square">
+            <a:spAutoFit/>
           </a:bodyPr>
           <a:lstStyle/>
           <a:p>
-            <a:pPr algn="ctr"/>
-            <a:r>
-              <a:rPr lang="it-IT" sz="3600" b="1" dirty="0">
+            <a:r>
+              <a:rPr kumimoji="0" lang="it-IT" sz="4400" b="1" i="0" u="none" strike="noStrike" kern="1200" cap="none" spc="0" normalizeH="0" baseline="0" noProof="0" dirty="0">
+                <a:ln>
+                  <a:noFill/>
+                </a:ln>
                 <a:solidFill>
                   <a:srgbClr val="FF0000"/>
                 </a:solidFill>
+                <a:effectLst/>
+                <a:uLnTx/>
+                <a:uFillTx/>
                 <a:latin typeface="TimesNewRomanPS-BoldMT"/>
-              </a:rPr>
-              <a:t>ToolChain:</a:t>
-            </a:r>
-          </a:p>
-        </p:txBody>
-      </p:sp>
-      <p:pic>
-        <p:nvPicPr>
-          <p:cNvPr id="5" name="Segnaposto contenuto 4">
-            <a:extLst>
-              <a:ext uri="{FF2B5EF4-FFF2-40B4-BE49-F238E27FC236}">
-                <a16:creationId xmlns:a16="http://schemas.microsoft.com/office/drawing/2014/main" id="{74F57932-1A91-3DAC-1F51-08DB7B741AE4}"/>
-              </a:ext>
-            </a:extLst>
-          </p:cNvPr>
-          <p:cNvPicPr>
-            <a:picLocks noGrp="1" noChangeAspect="1"/>
-          </p:cNvPicPr>
-          <p:nvPr>
-            <p:ph idx="1"/>
-          </p:nvPr>
-        </p:nvPicPr>
-        <p:blipFill>
-          <a:blip r:embed="rId2"/>
-          <a:stretch>
-            <a:fillRect/>
-          </a:stretch>
-        </p:blipFill>
-        <p:spPr>
-          <a:xfrm>
-            <a:off x="3077804" y="1228182"/>
-            <a:ext cx="6036391" cy="5106632"/>
-          </a:xfrm>
-        </p:spPr>
-      </p:pic>
+                <a:ea typeface="+mj-ea"/>
+                <a:cs typeface="+mj-cs"/>
+              </a:rPr>
+              <a:t>Iterazione 1:</a:t>
+            </a:r>
+            <a:endParaRPr lang="it-IT" dirty="0"/>
+          </a:p>
+        </p:txBody>
+      </p:sp>
+      <p:sp>
+        <p:nvSpPr>
+          <p:cNvPr id="9" name="CasellaDiTesto 8">
+            <a:extLst>
+              <a:ext uri="{FF2B5EF4-FFF2-40B4-BE49-F238E27FC236}">
+                <a16:creationId xmlns:a16="http://schemas.microsoft.com/office/drawing/2014/main" id="{A9A0D15E-2587-E172-5D1E-89F40605B98E}"/>
+              </a:ext>
+            </a:extLst>
+          </p:cNvPr>
+          <p:cNvSpPr txBox="1"/>
+          <p:nvPr/>
+        </p:nvSpPr>
+        <p:spPr>
+          <a:xfrm>
+            <a:off x="775853" y="1193861"/>
+            <a:ext cx="8963891" cy="4893647"/>
+          </a:xfrm>
+          <a:prstGeom prst="rect">
+            <a:avLst/>
+          </a:prstGeom>
+          <a:noFill/>
+        </p:spPr>
+        <p:txBody>
+          <a:bodyPr wrap="square">
+            <a:spAutoFit/>
+          </a:bodyPr>
+          <a:lstStyle/>
+          <a:p>
+            <a:r>
+              <a:rPr lang="it-IT" sz="2400" dirty="0">
+                <a:latin typeface="TimesNewRomanPSMT"/>
+              </a:rPr>
+              <a:t>S</a:t>
+            </a:r>
+            <a:r>
+              <a:rPr lang="it-IT" sz="2400" b="0" i="0" u="none" strike="noStrike" baseline="0" dirty="0">
+                <a:latin typeface="TimesNewRomanPSMT"/>
+              </a:rPr>
+              <a:t>i è scelto di implementare i seguenti casi d’uso:</a:t>
+            </a:r>
+          </a:p>
+          <a:p>
+            <a:endParaRPr lang="it-IT" sz="2400" b="0" i="0" u="none" strike="noStrike" baseline="0" dirty="0">
+              <a:latin typeface="TimesNewRomanPSMT"/>
+            </a:endParaRPr>
+          </a:p>
+          <a:p>
+            <a:pPr algn="l"/>
+            <a:r>
+              <a:rPr lang="it-IT" sz="2400" b="0" i="0" u="none" strike="noStrike" baseline="0" dirty="0">
+                <a:latin typeface="TimesNewRomanPSMT"/>
+              </a:rPr>
+              <a:t>• Gestione pagina di login:</a:t>
+            </a:r>
+          </a:p>
+          <a:p>
+            <a:pPr algn="l"/>
+            <a:r>
+              <a:rPr lang="it-IT" sz="2400" b="1" i="0" u="none" strike="noStrike" baseline="0" dirty="0">
+                <a:latin typeface="TimesNewRomanPSMT"/>
+              </a:rPr>
+              <a:t>– UC1</a:t>
+            </a:r>
+            <a:r>
+              <a:rPr lang="it-IT" sz="2400" b="0" i="0" u="none" strike="noStrike" baseline="0" dirty="0">
+                <a:latin typeface="TimesNewRomanPSMT"/>
+              </a:rPr>
+              <a:t>: Registrazione</a:t>
+            </a:r>
+          </a:p>
+          <a:p>
+            <a:pPr algn="l"/>
+            <a:r>
+              <a:rPr lang="it-IT" sz="2400" b="1" i="0" u="none" strike="noStrike" baseline="0" dirty="0">
+                <a:latin typeface="TimesNewRomanPSMT"/>
+              </a:rPr>
+              <a:t>– UC3/UC12</a:t>
+            </a:r>
+            <a:r>
+              <a:rPr lang="it-IT" sz="2400" b="0" i="0" u="none" strike="noStrike" baseline="0" dirty="0">
+                <a:latin typeface="TimesNewRomanPSMT"/>
+              </a:rPr>
+              <a:t>: Log-in</a:t>
+            </a:r>
+          </a:p>
+          <a:p>
+            <a:pPr algn="l"/>
+            <a:r>
+              <a:rPr lang="it-IT" sz="2400" b="1" i="0" u="none" strike="noStrike" baseline="0" dirty="0">
+                <a:latin typeface="TimesNewRomanPSMT"/>
+              </a:rPr>
+              <a:t>– UC4/UC13</a:t>
+            </a:r>
+            <a:r>
+              <a:rPr lang="it-IT" sz="2400" b="0" i="0" u="none" strike="noStrike" baseline="0" dirty="0">
+                <a:latin typeface="TimesNewRomanPSMT"/>
+              </a:rPr>
+              <a:t>: Log-out</a:t>
+            </a:r>
+          </a:p>
+          <a:p>
+            <a:pPr algn="l"/>
+            <a:r>
+              <a:rPr lang="it-IT" sz="2400" b="1" i="0" u="none" strike="noStrike" baseline="0" dirty="0">
+                <a:latin typeface="TimesNewRomanPSMT"/>
+              </a:rPr>
+              <a:t>– UCx</a:t>
+            </a:r>
+            <a:r>
+              <a:rPr lang="it-IT" sz="2400" b="0" i="0" u="none" strike="noStrike" baseline="0" dirty="0">
+                <a:latin typeface="TimesNewRomanPSMT"/>
+              </a:rPr>
+              <a:t>: Password Dimenticata</a:t>
+            </a:r>
+          </a:p>
+          <a:p>
+            <a:pPr algn="l"/>
+            <a:endParaRPr lang="it-IT" sz="2400" b="0" i="0" u="none" strike="noStrike" baseline="0" dirty="0">
+              <a:latin typeface="TimesNewRomanPSMT"/>
+            </a:endParaRPr>
+          </a:p>
+          <a:p>
+            <a:pPr algn="l"/>
+            <a:r>
+              <a:rPr lang="it-IT" sz="2400" b="0" i="0" u="none" strike="noStrike" baseline="0" dirty="0">
+                <a:latin typeface="TimesNewRomanPSMT"/>
+              </a:rPr>
+              <a:t>• Gestione attività torneo:</a:t>
+            </a:r>
+          </a:p>
+          <a:p>
+            <a:pPr algn="l"/>
+            <a:r>
+              <a:rPr lang="it-IT" sz="2400" b="1" i="0" u="none" strike="noStrike" baseline="0" dirty="0">
+                <a:latin typeface="TimesNewRomanPSMT"/>
+              </a:rPr>
+              <a:t>– UC14</a:t>
+            </a:r>
+            <a:r>
+              <a:rPr lang="it-IT" sz="2400" b="0" i="0" u="none" strike="noStrike" baseline="0" dirty="0">
+                <a:latin typeface="TimesNewRomanPSMT"/>
+              </a:rPr>
+              <a:t>: Creazione Torneo</a:t>
+            </a:r>
+          </a:p>
+          <a:p>
+            <a:pPr algn="l"/>
+            <a:r>
+              <a:rPr lang="it-IT" sz="2400" b="1" i="0" u="none" strike="noStrike" baseline="0" dirty="0">
+                <a:latin typeface="TimesNewRomanPSMT"/>
+              </a:rPr>
+              <a:t>– UC26</a:t>
+            </a:r>
+            <a:r>
+              <a:rPr lang="it-IT" sz="2400" b="0" i="0" u="none" strike="noStrike" baseline="0" dirty="0">
+                <a:latin typeface="TimesNewRomanPSMT"/>
+              </a:rPr>
+              <a:t>: Visualizzazione lista Tornei</a:t>
+            </a:r>
+          </a:p>
+          <a:p>
+            <a:pPr algn="l"/>
+            <a:r>
+              <a:rPr lang="it-IT" sz="2400" b="1" i="0" u="none" strike="noStrike" baseline="0" dirty="0">
+                <a:latin typeface="TimesNewRomanPSMT"/>
+              </a:rPr>
+              <a:t>– UC15</a:t>
+            </a:r>
+            <a:r>
+              <a:rPr lang="it-IT" sz="2400" b="0" i="0" u="none" strike="noStrike" baseline="0" dirty="0">
+                <a:latin typeface="TimesNewRomanPSMT"/>
+              </a:rPr>
+              <a:t>: Cancellazione Torneo</a:t>
+            </a:r>
+          </a:p>
+          <a:p>
+            <a:pPr algn="l"/>
+            <a:r>
+              <a:rPr lang="it-IT" sz="2400" b="1" i="0" u="none" strike="noStrike" baseline="0" dirty="0">
+                <a:latin typeface="TimesNewRomanPSMT"/>
+              </a:rPr>
+              <a:t>– UC16</a:t>
+            </a:r>
+            <a:r>
+              <a:rPr lang="it-IT" sz="2400" b="0" i="0" u="none" strike="noStrike" baseline="0" dirty="0">
+                <a:latin typeface="TimesNewRomanPSMT"/>
+              </a:rPr>
+              <a:t>: Modifica Torneo</a:t>
+            </a:r>
+            <a:endParaRPr lang="it-IT" sz="2400" dirty="0">
+              <a:latin typeface="TimesNewRomanPSMT"/>
+            </a:endParaRPr>
+          </a:p>
+        </p:txBody>
+      </p:sp>
     </p:spTree>
     <p:extLst>
       <p:ext uri="{BB962C8B-B14F-4D97-AF65-F5344CB8AC3E}">
-        <p14:creationId xmlns:p14="http://schemas.microsoft.com/office/powerpoint/2010/main" val="4204004484"/>
+        <p14:creationId xmlns:p14="http://schemas.microsoft.com/office/powerpoint/2010/main" val="2937687784"/>
       </p:ext>
     </p:extLst>
   </p:cSld>
@@ -6475,252 +6800,83 @@
       </p:grpSpPr>
       <p:sp>
         <p:nvSpPr>
-          <p:cNvPr id="7" name="CasellaDiTesto 6">
-            <a:extLst>
-              <a:ext uri="{FF2B5EF4-FFF2-40B4-BE49-F238E27FC236}">
-                <a16:creationId xmlns:a16="http://schemas.microsoft.com/office/drawing/2014/main" id="{430B265C-63AD-5576-410D-57E5B80C9610}"/>
-              </a:ext>
-            </a:extLst>
-          </p:cNvPr>
-          <p:cNvSpPr txBox="1"/>
-          <p:nvPr/>
-        </p:nvSpPr>
-        <p:spPr>
-          <a:xfrm>
-            <a:off x="4426527" y="301080"/>
-            <a:ext cx="3338945" cy="769441"/>
-          </a:xfrm>
-          <a:prstGeom prst="rect">
-            <a:avLst/>
-          </a:prstGeom>
-          <a:noFill/>
-        </p:spPr>
-        <p:txBody>
-          <a:bodyPr wrap="square">
-            <a:spAutoFit/>
+          <p:cNvPr id="2" name="Titolo 1">
+            <a:extLst>
+              <a:ext uri="{FF2B5EF4-FFF2-40B4-BE49-F238E27FC236}">
+                <a16:creationId xmlns:a16="http://schemas.microsoft.com/office/drawing/2014/main" id="{AC74D3BB-2D66-54C5-0848-51653AAEA64A}"/>
+              </a:ext>
+            </a:extLst>
+          </p:cNvPr>
+          <p:cNvSpPr>
+            <a:spLocks noGrp="1"/>
+          </p:cNvSpPr>
+          <p:nvPr>
+            <p:ph type="title"/>
+          </p:nvPr>
+        </p:nvSpPr>
+        <p:spPr>
+          <a:xfrm>
+            <a:off x="838200" y="18256"/>
+            <a:ext cx="10515600" cy="882290"/>
+          </a:xfrm>
+        </p:spPr>
+        <p:txBody>
+          <a:bodyPr>
+            <a:normAutofit/>
           </a:bodyPr>
           <a:lstStyle/>
           <a:p>
-            <a:r>
-              <a:rPr kumimoji="0" lang="it-IT" sz="4400" b="1" i="0" u="none" strike="noStrike" kern="1200" cap="none" spc="0" normalizeH="0" baseline="0" noProof="0" dirty="0">
-                <a:ln>
-                  <a:noFill/>
-                </a:ln>
+            <a:pPr algn="ctr"/>
+            <a:r>
+              <a:rPr lang="it-IT" sz="3600" b="1" i="0" u="none" strike="noStrike" baseline="0" dirty="0">
                 <a:solidFill>
                   <a:srgbClr val="FF0000"/>
                 </a:solidFill>
-                <a:effectLst/>
-                <a:uLnTx/>
-                <a:uFillTx/>
-                <a:latin typeface="TimesNewRomanPS-BoldMT"/>
-                <a:ea typeface="+mj-ea"/>
-                <a:cs typeface="+mj-cs"/>
-              </a:rPr>
-              <a:t>Iterazione 1:</a:t>
-            </a:r>
-            <a:endParaRPr lang="it-IT" dirty="0"/>
-          </a:p>
-        </p:txBody>
-      </p:sp>
-      <p:sp>
-        <p:nvSpPr>
-          <p:cNvPr id="9" name="CasellaDiTesto 8">
-            <a:extLst>
-              <a:ext uri="{FF2B5EF4-FFF2-40B4-BE49-F238E27FC236}">
-                <a16:creationId xmlns:a16="http://schemas.microsoft.com/office/drawing/2014/main" id="{A9A0D15E-2587-E172-5D1E-89F40605B98E}"/>
-              </a:ext>
-            </a:extLst>
-          </p:cNvPr>
-          <p:cNvSpPr txBox="1"/>
-          <p:nvPr/>
-        </p:nvSpPr>
-        <p:spPr>
-          <a:xfrm>
-            <a:off x="775853" y="1193861"/>
-            <a:ext cx="8963891" cy="4893647"/>
-          </a:xfrm>
-          <a:prstGeom prst="rect">
-            <a:avLst/>
-          </a:prstGeom>
-          <a:noFill/>
-        </p:spPr>
-        <p:txBody>
-          <a:bodyPr wrap="square">
-            <a:spAutoFit/>
-          </a:bodyPr>
-          <a:lstStyle/>
-          <a:p>
-            <a:r>
-              <a:rPr lang="it-IT" sz="2400" dirty="0">
-                <a:latin typeface="TimesNewRomanPSMT"/>
-              </a:rPr>
-              <a:t>S</a:t>
-            </a:r>
-            <a:r>
-              <a:rPr lang="it-IT" sz="2400" b="0" i="0" u="none" strike="noStrike" baseline="0" dirty="0">
-                <a:latin typeface="TimesNewRomanPSMT"/>
-              </a:rPr>
-              <a:t>i è scelto di implementare i seguenti casi d’uso:</a:t>
-            </a:r>
-          </a:p>
-          <a:p>
-            <a:endParaRPr lang="it-IT" sz="2400" b="0" i="0" u="none" strike="noStrike" baseline="0" dirty="0">
-              <a:latin typeface="TimesNewRomanPSMT"/>
+                <a:latin typeface="TimesNewRomanPSMT"/>
+              </a:rPr>
+              <a:t>Entity-Relationship Diagram:</a:t>
+            </a:r>
+            <a:endParaRPr lang="it-IT" sz="3600" b="1" dirty="0">
+              <a:solidFill>
+                <a:srgbClr val="FF0000"/>
+              </a:solidFill>
             </a:endParaRPr>
           </a:p>
-          <a:p>
-            <a:pPr algn="l"/>
-            <a:r>
-              <a:rPr lang="it-IT" sz="2400" b="0" i="0" u="none" strike="noStrike" baseline="0" dirty="0">
-                <a:latin typeface="TimesNewRomanPSMT"/>
-              </a:rPr>
-              <a:t>• Gestione pagina di login:</a:t>
-            </a:r>
-          </a:p>
-          <a:p>
-            <a:pPr algn="l"/>
-            <a:r>
-              <a:rPr lang="it-IT" sz="2400" b="1" i="0" u="none" strike="noStrike" baseline="0" dirty="0">
-                <a:latin typeface="TimesNewRomanPSMT"/>
-              </a:rPr>
-              <a:t>– UC1</a:t>
-            </a:r>
-            <a:r>
-              <a:rPr lang="it-IT" sz="2400" b="0" i="0" u="none" strike="noStrike" baseline="0" dirty="0">
-                <a:latin typeface="TimesNewRomanPSMT"/>
-              </a:rPr>
-              <a:t>: Registrazione</a:t>
-            </a:r>
-          </a:p>
-          <a:p>
-            <a:pPr algn="l"/>
-            <a:r>
-              <a:rPr lang="it-IT" sz="2400" b="1" i="0" u="none" strike="noStrike" baseline="0" dirty="0">
-                <a:latin typeface="TimesNewRomanPSMT"/>
-              </a:rPr>
-              <a:t>– UC3/UC12</a:t>
-            </a:r>
-            <a:r>
-              <a:rPr lang="it-IT" sz="2400" b="0" i="0" u="none" strike="noStrike" baseline="0" dirty="0">
-                <a:latin typeface="TimesNewRomanPSMT"/>
-              </a:rPr>
-              <a:t>: Log-in</a:t>
-            </a:r>
-          </a:p>
-          <a:p>
-            <a:pPr algn="l"/>
-            <a:r>
-              <a:rPr lang="it-IT" sz="2400" b="1" i="0" u="none" strike="noStrike" baseline="0" dirty="0">
-                <a:latin typeface="TimesNewRomanPSMT"/>
-              </a:rPr>
-              <a:t>– UC4/UC13</a:t>
-            </a:r>
-            <a:r>
-              <a:rPr lang="it-IT" sz="2400" b="0" i="0" u="none" strike="noStrike" baseline="0" dirty="0">
-                <a:latin typeface="TimesNewRomanPSMT"/>
-              </a:rPr>
-              <a:t>: Log-out</a:t>
-            </a:r>
-          </a:p>
-          <a:p>
-            <a:pPr algn="l"/>
-            <a:r>
-              <a:rPr lang="it-IT" sz="2400" b="1" i="0" u="none" strike="noStrike" baseline="0" dirty="0">
-                <a:latin typeface="TimesNewRomanPSMT"/>
-              </a:rPr>
-              <a:t>– UCx</a:t>
-            </a:r>
-            <a:r>
-              <a:rPr lang="it-IT" sz="2400" b="0" i="0" u="none" strike="noStrike" baseline="0" dirty="0">
-                <a:latin typeface="TimesNewRomanPSMT"/>
-              </a:rPr>
-              <a:t>: Password Dimenticata</a:t>
-            </a:r>
-          </a:p>
-          <a:p>
-            <a:pPr algn="l"/>
-            <a:endParaRPr lang="it-IT" sz="2400" b="0" i="0" u="none" strike="noStrike" baseline="0" dirty="0">
-              <a:latin typeface="TimesNewRomanPSMT"/>
-            </a:endParaRPr>
-          </a:p>
-          <a:p>
-            <a:pPr algn="l"/>
-            <a:r>
-              <a:rPr lang="it-IT" sz="2400" b="0" i="0" u="none" strike="noStrike" baseline="0" dirty="0">
-                <a:latin typeface="TimesNewRomanPSMT"/>
-              </a:rPr>
-              <a:t>• Gestione attività torneo:</a:t>
-            </a:r>
-          </a:p>
-          <a:p>
-            <a:pPr algn="l"/>
-            <a:r>
-              <a:rPr lang="it-IT" sz="2400" b="1" i="0" u="none" strike="noStrike" baseline="0" dirty="0">
-                <a:latin typeface="TimesNewRomanPSMT"/>
-              </a:rPr>
-              <a:t>– UC14</a:t>
-            </a:r>
-            <a:r>
-              <a:rPr lang="it-IT" sz="2400" b="0" i="0" u="none" strike="noStrike" baseline="0" dirty="0">
-                <a:latin typeface="TimesNewRomanPSMT"/>
-              </a:rPr>
-              <a:t>: Creazione Torneo</a:t>
-            </a:r>
-          </a:p>
-          <a:p>
-            <a:pPr algn="l"/>
-            <a:r>
-              <a:rPr lang="it-IT" sz="2400" b="1" i="0" u="none" strike="noStrike" baseline="0" dirty="0">
-                <a:latin typeface="TimesNewRomanPSMT"/>
-              </a:rPr>
-              <a:t>– UC26</a:t>
-            </a:r>
-            <a:r>
-              <a:rPr lang="it-IT" sz="2400" b="0" i="0" u="none" strike="noStrike" baseline="0" dirty="0">
-                <a:latin typeface="TimesNewRomanPSMT"/>
-              </a:rPr>
-              <a:t>: Visualizzazione lista Tornei</a:t>
-            </a:r>
-          </a:p>
-          <a:p>
-            <a:pPr algn="l"/>
-            <a:r>
-              <a:rPr lang="it-IT" sz="2400" b="1" i="0" u="none" strike="noStrike" baseline="0" dirty="0">
-                <a:latin typeface="TimesNewRomanPSMT"/>
-              </a:rPr>
-              <a:t>– UC15</a:t>
-            </a:r>
-            <a:r>
-              <a:rPr lang="it-IT" sz="2400" b="0" i="0" u="none" strike="noStrike" baseline="0" dirty="0">
-                <a:latin typeface="TimesNewRomanPSMT"/>
-              </a:rPr>
-              <a:t>: Cancellazione Torneo</a:t>
-            </a:r>
-          </a:p>
-          <a:p>
-            <a:pPr algn="l"/>
-            <a:r>
-              <a:rPr lang="it-IT" sz="2400" b="1" i="0" u="none" strike="noStrike" baseline="0" dirty="0">
-                <a:latin typeface="TimesNewRomanPSMT"/>
-              </a:rPr>
-              <a:t>– UC16</a:t>
-            </a:r>
-            <a:r>
-              <a:rPr lang="it-IT" sz="2400" b="0" i="0" u="none" strike="noStrike" baseline="0" dirty="0">
-                <a:latin typeface="TimesNewRomanPSMT"/>
-              </a:rPr>
-              <a:t>: Modifica Torneo</a:t>
-            </a:r>
-            <a:endParaRPr lang="it-IT" sz="2400" dirty="0">
-              <a:latin typeface="TimesNewRomanPSMT"/>
-            </a:endParaRPr>
-          </a:p>
-        </p:txBody>
-      </p:sp>
+        </p:txBody>
+      </p:sp>
+      <p:pic>
+        <p:nvPicPr>
+          <p:cNvPr id="5" name="Segnaposto contenuto 4">
+            <a:extLst>
+              <a:ext uri="{FF2B5EF4-FFF2-40B4-BE49-F238E27FC236}">
+                <a16:creationId xmlns:a16="http://schemas.microsoft.com/office/drawing/2014/main" id="{3A3718A6-6A5A-4A30-B48C-25D170745A04}"/>
+              </a:ext>
+            </a:extLst>
+          </p:cNvPr>
+          <p:cNvPicPr>
+            <a:picLocks noGrp="1" noChangeAspect="1"/>
+          </p:cNvPicPr>
+          <p:nvPr>
+            <p:ph idx="1"/>
+          </p:nvPr>
+        </p:nvPicPr>
+        <p:blipFill>
+          <a:blip r:embed="rId2"/>
+          <a:stretch>
+            <a:fillRect/>
+          </a:stretch>
+        </p:blipFill>
+        <p:spPr>
+          <a:xfrm>
+            <a:off x="2375759" y="955435"/>
+            <a:ext cx="7440481" cy="4947129"/>
+          </a:xfrm>
+        </p:spPr>
+      </p:pic>
     </p:spTree>
     <p:extLst>
       <p:ext uri="{BB962C8B-B14F-4D97-AF65-F5344CB8AC3E}">
-        <p14:creationId xmlns:p14="http://schemas.microsoft.com/office/powerpoint/2010/main" val="2937687784"/>
+        <p14:creationId xmlns:p14="http://schemas.microsoft.com/office/powerpoint/2010/main" val="3421943845"/>
       </p:ext>
     </p:extLst>
   </p:cSld>
@@ -6752,7 +6908,7 @@
           <p:cNvPr id="2" name="Titolo 1">
             <a:extLst>
               <a:ext uri="{FF2B5EF4-FFF2-40B4-BE49-F238E27FC236}">
-                <a16:creationId xmlns:a16="http://schemas.microsoft.com/office/drawing/2014/main" id="{AC74D3BB-2D66-54C5-0848-51653AAEA64A}"/>
+                <a16:creationId xmlns:a16="http://schemas.microsoft.com/office/drawing/2014/main" id="{5435531E-2E69-2F62-9DB0-8479FCBE88E3}"/>
               </a:ext>
             </a:extLst>
           </p:cNvPr>
@@ -6765,8 +6921,8 @@
         </p:nvSpPr>
         <p:spPr>
           <a:xfrm>
-            <a:off x="838200" y="18256"/>
-            <a:ext cx="10515600" cy="882290"/>
+            <a:off x="838200" y="0"/>
+            <a:ext cx="10515600" cy="895639"/>
           </a:xfrm>
         </p:spPr>
         <p:txBody>
@@ -6781,11 +6937,11 @@
                 <a:solidFill>
                   <a:srgbClr val="FF0000"/>
                 </a:solidFill>
-                <a:latin typeface="TimesNewRomanPSMT"/>
-              </a:rPr>
-              <a:t>Entity-Relationship Diagram:</a:t>
-            </a:r>
-            <a:endParaRPr lang="it-IT" sz="3600" b="1" dirty="0">
+                <a:latin typeface="TimesNewRomanPS-BoldMT"/>
+              </a:rPr>
+              <a:t>UML Component Diagram:</a:t>
+            </a:r>
+            <a:endParaRPr lang="it-IT" sz="3600" dirty="0">
               <a:solidFill>
                 <a:srgbClr val="FF0000"/>
               </a:solidFill>
@@ -6793,39 +6949,350 @@
           </a:p>
         </p:txBody>
       </p:sp>
-      <p:pic>
-        <p:nvPicPr>
-          <p:cNvPr id="5" name="Segnaposto contenuto 4">
-            <a:extLst>
-              <a:ext uri="{FF2B5EF4-FFF2-40B4-BE49-F238E27FC236}">
-                <a16:creationId xmlns:a16="http://schemas.microsoft.com/office/drawing/2014/main" id="{3A3718A6-6A5A-4A30-B48C-25D170745A04}"/>
-              </a:ext>
-            </a:extLst>
-          </p:cNvPr>
-          <p:cNvPicPr>
-            <a:picLocks noGrp="1" noChangeAspect="1"/>
-          </p:cNvPicPr>
+      <p:sp>
+        <p:nvSpPr>
+          <p:cNvPr id="3" name="Segnaposto contenuto 2">
+            <a:extLst>
+              <a:ext uri="{FF2B5EF4-FFF2-40B4-BE49-F238E27FC236}">
+                <a16:creationId xmlns:a16="http://schemas.microsoft.com/office/drawing/2014/main" id="{83E09C72-54CF-DE93-E1A0-E3B9C0F3D9CC}"/>
+              </a:ext>
+            </a:extLst>
+          </p:cNvPr>
+          <p:cNvSpPr>
+            <a:spLocks noGrp="1"/>
+          </p:cNvSpPr>
           <p:nvPr>
             <p:ph idx="1"/>
           </p:nvPr>
-        </p:nvPicPr>
-        <p:blipFill>
-          <a:blip r:embed="rId2"/>
-          <a:stretch>
-            <a:fillRect/>
-          </a:stretch>
-        </p:blipFill>
-        <p:spPr>
-          <a:xfrm>
-            <a:off x="2375759" y="955435"/>
-            <a:ext cx="7440481" cy="4947129"/>
-          </a:xfrm>
-        </p:spPr>
-      </p:pic>
+        </p:nvSpPr>
+        <p:spPr>
+          <a:xfrm>
+            <a:off x="824470" y="990663"/>
+            <a:ext cx="10515600" cy="5749636"/>
+          </a:xfrm>
+        </p:spPr>
+        <p:txBody>
+          <a:bodyPr>
+            <a:normAutofit/>
+          </a:bodyPr>
+          <a:lstStyle/>
+          <a:p>
+            <a:pPr marL="0" indent="0" algn="l">
+              <a:buNone/>
+            </a:pPr>
+            <a:r>
+              <a:rPr lang="it-IT" sz="1800" b="0" i="0" u="none" strike="noStrike" baseline="0" dirty="0">
+                <a:latin typeface="TimesNewRomanPSMT"/>
+              </a:rPr>
+              <a:t>I casi d’uso che abbiamo discusso nella iterazione1 sono state mappate nei seguenti metodi:</a:t>
+            </a:r>
+          </a:p>
+          <a:p>
+            <a:pPr marL="0" indent="0" algn="l">
+              <a:buNone/>
+            </a:pPr>
+            <a:r>
+              <a:rPr lang="it-IT" sz="1800" b="0" i="0" u="none" strike="noStrike" baseline="0" dirty="0">
+                <a:latin typeface="TimesNewRomanPSMT"/>
+              </a:rPr>
+              <a:t>• </a:t>
+            </a:r>
+            <a:r>
+              <a:rPr lang="it-IT" sz="1800" b="1" i="1" u="none" strike="noStrike" baseline="0" dirty="0">
+                <a:latin typeface="TimesNewRomanPS-ItalicMT"/>
+              </a:rPr>
+              <a:t>TorneoChessClubInterface</a:t>
+            </a:r>
+            <a:r>
+              <a:rPr lang="it-IT" sz="1800" b="0" i="0" u="none" strike="noStrike" baseline="0" dirty="0">
+                <a:latin typeface="TimesNewRomanPSMT"/>
+              </a:rPr>
+              <a:t>:</a:t>
+            </a:r>
+          </a:p>
+          <a:p>
+            <a:pPr marL="0" indent="0" algn="l">
+              <a:buNone/>
+            </a:pPr>
+            <a:r>
+              <a:rPr lang="it-IT" sz="1800" b="1" i="0" u="none" strike="noStrike" baseline="0" dirty="0">
+                <a:latin typeface="TimesNewRomanPS-BoldMT"/>
+              </a:rPr>
+              <a:t>– </a:t>
+            </a:r>
+            <a:r>
+              <a:rPr lang="it-IT" sz="1800" b="1" i="0" u="none" strike="noStrike" baseline="0" dirty="0">
+                <a:latin typeface="TimesNewRomanPSMT"/>
+              </a:rPr>
+              <a:t>UC14</a:t>
+            </a:r>
+            <a:r>
+              <a:rPr lang="it-IT" sz="1800" b="0" i="0" u="none" strike="noStrike" baseline="0" dirty="0">
+                <a:latin typeface="TimesNewRomanPSMT"/>
+              </a:rPr>
+              <a:t>: Creazione torneo</a:t>
+            </a:r>
+          </a:p>
+          <a:p>
+            <a:pPr marL="0" indent="0" algn="l">
+              <a:buNone/>
+            </a:pPr>
+            <a:r>
+              <a:rPr lang="it-IT" sz="1800" b="1" i="0" u="none" strike="noStrike" baseline="0" dirty="0">
+                <a:latin typeface="TimesNewRomanPS-BoldMT"/>
+              </a:rPr>
+              <a:t>– </a:t>
+            </a:r>
+            <a:r>
+              <a:rPr lang="it-IT" sz="1800" b="1" i="0" u="none" strike="noStrike" baseline="0" dirty="0">
+                <a:latin typeface="TimesNewRomanPSMT"/>
+              </a:rPr>
+              <a:t>UC26</a:t>
+            </a:r>
+            <a:r>
+              <a:rPr lang="it-IT" sz="1800" b="0" i="0" u="none" strike="noStrike" baseline="0" dirty="0">
+                <a:latin typeface="TimesNewRomanPSMT"/>
+              </a:rPr>
+              <a:t>: Visualizzazione lista tornei</a:t>
+            </a:r>
+          </a:p>
+          <a:p>
+            <a:pPr marL="0" indent="0" algn="l">
+              <a:buNone/>
+            </a:pPr>
+            <a:r>
+              <a:rPr lang="it-IT" sz="1800" b="1" i="0" u="none" strike="noStrike" baseline="0" dirty="0">
+                <a:latin typeface="TimesNewRomanPS-BoldMT"/>
+              </a:rPr>
+              <a:t>– </a:t>
+            </a:r>
+            <a:r>
+              <a:rPr lang="it-IT" sz="1800" b="1" i="0" u="none" strike="noStrike" baseline="0" dirty="0">
+                <a:latin typeface="TimesNewRomanPSMT"/>
+              </a:rPr>
+              <a:t>UC15</a:t>
+            </a:r>
+            <a:r>
+              <a:rPr lang="it-IT" sz="1800" b="0" i="0" u="none" strike="noStrike" baseline="0" dirty="0">
+                <a:latin typeface="TimesNewRomanPSMT"/>
+              </a:rPr>
+              <a:t>: Cancellazione torneo</a:t>
+            </a:r>
+          </a:p>
+          <a:p>
+            <a:pPr marL="0" indent="0" algn="l">
+              <a:buNone/>
+            </a:pPr>
+            <a:r>
+              <a:rPr lang="it-IT" sz="1800" b="1" i="0" u="none" strike="noStrike" baseline="0" dirty="0">
+                <a:latin typeface="TimesNewRomanPS-BoldMT"/>
+              </a:rPr>
+              <a:t>– </a:t>
+            </a:r>
+            <a:r>
+              <a:rPr lang="it-IT" sz="1800" b="1" i="0" u="none" strike="noStrike" baseline="0" dirty="0">
+                <a:latin typeface="TimesNewRomanPSMT"/>
+              </a:rPr>
+              <a:t>UC16</a:t>
+            </a:r>
+            <a:r>
+              <a:rPr lang="it-IT" sz="1800" b="0" i="0" u="none" strike="noStrike" baseline="0" dirty="0">
+                <a:latin typeface="TimesNewRomanPSMT"/>
+              </a:rPr>
+              <a:t>: Modifica torneo</a:t>
+            </a:r>
+          </a:p>
+          <a:p>
+            <a:pPr marL="0" indent="0" algn="l">
+              <a:buNone/>
+            </a:pPr>
+            <a:r>
+              <a:rPr lang="it-IT" sz="1800" b="0" i="0" u="none" strike="noStrike" baseline="0" dirty="0">
+                <a:latin typeface="TimesNewRomanPSMT"/>
+              </a:rPr>
+              <a:t>• </a:t>
+            </a:r>
+            <a:r>
+              <a:rPr lang="it-IT" sz="1800" b="1" i="1" u="none" strike="noStrike" baseline="0" dirty="0">
+                <a:latin typeface="TimesNewRomanPS-ItalicMT"/>
+              </a:rPr>
+              <a:t>AuthenticationChessClubInterface</a:t>
+            </a:r>
+            <a:r>
+              <a:rPr lang="it-IT" sz="1800" b="0" i="0" u="none" strike="noStrike" baseline="0" dirty="0">
+                <a:latin typeface="TimesNewRomanPSMT"/>
+              </a:rPr>
+              <a:t>:</a:t>
+            </a:r>
+          </a:p>
+          <a:p>
+            <a:pPr marL="0" indent="0" algn="l">
+              <a:buNone/>
+            </a:pPr>
+            <a:r>
+              <a:rPr lang="it-IT" sz="1800" b="1" i="0" u="none" strike="noStrike" baseline="0" dirty="0">
+                <a:latin typeface="TimesNewRomanPS-BoldMT"/>
+              </a:rPr>
+              <a:t>– </a:t>
+            </a:r>
+            <a:r>
+              <a:rPr lang="it-IT" sz="1800" b="1" i="0" u="none" strike="noStrike" baseline="0" dirty="0">
+                <a:latin typeface="TimesNewRomanPSMT"/>
+              </a:rPr>
+              <a:t>UC1</a:t>
+            </a:r>
+            <a:r>
+              <a:rPr lang="it-IT" sz="1800" b="0" i="0" u="none" strike="noStrike" baseline="0" dirty="0">
+                <a:latin typeface="TimesNewRomanPSMT"/>
+              </a:rPr>
+              <a:t>: Registrazione</a:t>
+            </a:r>
+          </a:p>
+          <a:p>
+            <a:pPr marL="0" indent="0" algn="l">
+              <a:buNone/>
+            </a:pPr>
+            <a:r>
+              <a:rPr lang="it-IT" sz="1800" b="1" i="0" u="none" strike="noStrike" baseline="0" dirty="0">
+                <a:latin typeface="TimesNewRomanPS-BoldMT"/>
+              </a:rPr>
+              <a:t>– </a:t>
+            </a:r>
+            <a:r>
+              <a:rPr lang="it-IT" sz="1800" b="1" i="0" u="none" strike="noStrike" baseline="0" dirty="0">
+                <a:latin typeface="TimesNewRomanPSMT"/>
+              </a:rPr>
+              <a:t>UC3/UC12</a:t>
+            </a:r>
+            <a:r>
+              <a:rPr lang="it-IT" sz="1800" b="0" i="0" u="none" strike="noStrike" baseline="0" dirty="0">
+                <a:latin typeface="TimesNewRomanPSMT"/>
+              </a:rPr>
+              <a:t>: Log-in</a:t>
+            </a:r>
+          </a:p>
+          <a:p>
+            <a:pPr marL="0" indent="0" algn="l">
+              <a:buNone/>
+            </a:pPr>
+            <a:r>
+              <a:rPr lang="it-IT" sz="1800" b="1" i="0" u="none" strike="noStrike" baseline="0" dirty="0">
+                <a:latin typeface="TimesNewRomanPS-BoldMT"/>
+              </a:rPr>
+              <a:t>– </a:t>
+            </a:r>
+            <a:r>
+              <a:rPr lang="it-IT" sz="1800" b="1" i="0" u="none" strike="noStrike" baseline="0" dirty="0">
+                <a:latin typeface="TimesNewRomanPSMT"/>
+              </a:rPr>
+              <a:t>UC4/UC13</a:t>
+            </a:r>
+            <a:r>
+              <a:rPr lang="it-IT" sz="1800" b="0" i="0" u="none" strike="noStrike" baseline="0" dirty="0">
+                <a:latin typeface="TimesNewRomanPSMT"/>
+              </a:rPr>
+              <a:t>: Log-out</a:t>
+            </a:r>
+          </a:p>
+          <a:p>
+            <a:pPr marL="0" indent="0" algn="l">
+              <a:buNone/>
+            </a:pPr>
+            <a:r>
+              <a:rPr lang="it-IT" sz="1800" b="1" i="0" u="none" strike="noStrike" baseline="0" dirty="0">
+                <a:latin typeface="TimesNewRomanPS-BoldMT"/>
+              </a:rPr>
+              <a:t>– </a:t>
+            </a:r>
+            <a:r>
+              <a:rPr lang="it-IT" sz="1800" b="1" i="0" u="none" strike="noStrike" baseline="0" dirty="0">
+                <a:latin typeface="TimesNewRomanPSMT"/>
+              </a:rPr>
+              <a:t>UCx</a:t>
+            </a:r>
+            <a:r>
+              <a:rPr lang="it-IT" sz="1800" b="0" i="0" u="none" strike="noStrike" baseline="0" dirty="0">
+                <a:latin typeface="TimesNewRomanPSMT"/>
+              </a:rPr>
+              <a:t>: Password dimenticata</a:t>
+            </a:r>
+          </a:p>
+          <a:p>
+            <a:pPr marL="0" indent="0" algn="l">
+              <a:buNone/>
+            </a:pPr>
+            <a:r>
+              <a:rPr lang="it-IT" sz="1800" b="0" i="0" u="none" strike="noStrike" baseline="0" dirty="0">
+                <a:latin typeface="TimesNewRomanPSMT"/>
+              </a:rPr>
+              <a:t>• </a:t>
+            </a:r>
+            <a:r>
+              <a:rPr lang="it-IT" sz="1800" b="1" i="1" u="none" strike="noStrike" baseline="0" dirty="0">
+                <a:latin typeface="TimesNewRomanPS-ItalicMT"/>
+              </a:rPr>
+              <a:t>EmailChessClubInterface</a:t>
+            </a:r>
+            <a:r>
+              <a:rPr lang="it-IT" sz="1800" b="0" i="1" u="none" strike="noStrike" baseline="0" dirty="0">
+                <a:latin typeface="TimesNewRomanPS-ItalicMT"/>
+              </a:rPr>
+              <a:t>;</a:t>
+            </a:r>
+          </a:p>
+          <a:p>
+            <a:pPr marL="0" indent="0" algn="l">
+              <a:buNone/>
+            </a:pPr>
+            <a:r>
+              <a:rPr lang="it-IT" sz="1800" b="0" i="0" u="none" strike="noStrike" baseline="0" dirty="0">
+                <a:latin typeface="TimesNewRomanPSMT"/>
+              </a:rPr>
+              <a:t>• </a:t>
+            </a:r>
+            <a:r>
+              <a:rPr lang="it-IT" sz="1800" b="1" i="1" u="none" strike="noStrike" baseline="0" dirty="0">
+                <a:latin typeface="TimesNewRomanPS-ItalicMT"/>
+              </a:rPr>
+              <a:t>UserChessClubInterface</a:t>
+            </a:r>
+            <a:r>
+              <a:rPr lang="it-IT" sz="1800" b="0" i="1" u="none" strike="noStrike" baseline="0" dirty="0">
+                <a:latin typeface="TimesNewRomanPS-ItalicMT"/>
+              </a:rPr>
+              <a:t>;</a:t>
+            </a:r>
+          </a:p>
+          <a:p>
+            <a:pPr marL="0" indent="0" algn="l">
+              <a:buNone/>
+            </a:pPr>
+            <a:r>
+              <a:rPr lang="it-IT" sz="1800" b="0" i="0" u="none" strike="noStrike" baseline="0" dirty="0">
+                <a:latin typeface="TimesNewRomanPSMT"/>
+              </a:rPr>
+              <a:t>• </a:t>
+            </a:r>
+            <a:r>
+              <a:rPr lang="it-IT" sz="1800" b="1" i="1" u="none" strike="noStrike" baseline="0" dirty="0">
+                <a:latin typeface="TimesNewRomanPS-ItalicMT"/>
+              </a:rPr>
+              <a:t>LostPasswordChessClubInterface</a:t>
+            </a:r>
+            <a:r>
+              <a:rPr lang="it-IT" sz="1800" b="0" i="1" u="none" strike="noStrike" baseline="0" dirty="0">
+                <a:latin typeface="TimesNewRomanPS-ItalicMT"/>
+              </a:rPr>
+              <a:t>;</a:t>
+            </a:r>
+            <a:endParaRPr lang="it-IT" dirty="0"/>
+          </a:p>
+        </p:txBody>
+      </p:sp>
     </p:spTree>
     <p:extLst>
       <p:ext uri="{BB962C8B-B14F-4D97-AF65-F5344CB8AC3E}">
-        <p14:creationId xmlns:p14="http://schemas.microsoft.com/office/powerpoint/2010/main" val="3421943845"/>
+        <p14:creationId xmlns:p14="http://schemas.microsoft.com/office/powerpoint/2010/main" val="980440136"/>
       </p:ext>
     </p:extLst>
   </p:cSld>
